--- a/Volunteer/Programming/HTML_8.pptx
+++ b/Volunteer/Programming/HTML_8.pptx
@@ -206,7 +206,7 @@
           <a:p>
             <a:fld id="{3AD818D7-DF4E-4C59-9BBA-548250DAC33A}" type="datetimeFigureOut">
               <a:rPr lang="en-US" smtClean="0"/>
-              <a:t>10/30/21</a:t>
+              <a:t>11/2/21</a:t>
             </a:fld>
             <a:endParaRPr lang="en-US" dirty="0"/>
           </a:p>
@@ -1195,7 +1195,7 @@
           <a:p>
             <a:fld id="{3E149229-E3F7-4B08-B8B0-567DB9AE2DBD}" type="datetime1">
               <a:rPr lang="en-US" smtClean="0"/>
-              <a:t>10/30/21</a:t>
+              <a:t>11/2/21</a:t>
             </a:fld>
             <a:endParaRPr lang="en-US" dirty="0"/>
           </a:p>
@@ -1442,7 +1442,7 @@
           <a:p>
             <a:fld id="{215760AF-08CF-488B-8265-5F1D88C1C64E}" type="datetime1">
               <a:rPr lang="en-US" smtClean="0"/>
-              <a:t>10/30/21</a:t>
+              <a:t>11/2/21</a:t>
             </a:fld>
             <a:endParaRPr lang="en-US" dirty="0"/>
           </a:p>
@@ -1752,7 +1752,7 @@
           <a:p>
             <a:fld id="{9FD41802-9AAA-4EB8-B737-B207AD0C712F}" type="datetime1">
               <a:rPr lang="en-US" smtClean="0"/>
-              <a:t>10/30/21</a:t>
+              <a:t>11/2/21</a:t>
             </a:fld>
             <a:endParaRPr lang="en-US" dirty="0"/>
           </a:p>
@@ -2089,7 +2089,7 @@
           <a:p>
             <a:fld id="{E8B27BB6-0FDA-4EDD-A5D1-79FFF12955B7}" type="datetime1">
               <a:rPr lang="en-US" smtClean="0"/>
-              <a:t>10/30/21</a:t>
+              <a:t>11/2/21</a:t>
             </a:fld>
             <a:endParaRPr lang="en-US" dirty="0"/>
           </a:p>
@@ -2399,7 +2399,7 @@
           <a:p>
             <a:fld id="{62CB08FB-4F0B-44DE-8994-0595D6ECCDCE}" type="datetime1">
               <a:rPr lang="en-US" smtClean="0"/>
-              <a:t>10/30/21</a:t>
+              <a:t>11/2/21</a:t>
             </a:fld>
             <a:endParaRPr lang="en-US" dirty="0"/>
           </a:p>
@@ -2788,7 +2788,7 @@
           <a:p>
             <a:fld id="{D29AB015-62A3-4A29-BC49-965FA4BE59CA}" type="datetime1">
               <a:rPr lang="en-US" smtClean="0"/>
-              <a:t>10/30/21</a:t>
+              <a:t>11/2/21</a:t>
             </a:fld>
             <a:endParaRPr lang="en-US" dirty="0"/>
           </a:p>
@@ -2954,7 +2954,7 @@
           <a:p>
             <a:fld id="{8BA46181-5447-4050-89D3-AA326DE4DA13}" type="datetime1">
               <a:rPr lang="en-US" smtClean="0"/>
-              <a:t>10/30/21</a:t>
+              <a:t>11/2/21</a:t>
             </a:fld>
             <a:endParaRPr lang="en-US" dirty="0"/>
           </a:p>
@@ -3129,7 +3129,7 @@
           <a:p>
             <a:fld id="{FF450F08-CAEB-42BA-9362-548763B98147}" type="datetime1">
               <a:rPr lang="en-US" smtClean="0"/>
-              <a:t>10/30/21</a:t>
+              <a:t>11/2/21</a:t>
             </a:fld>
             <a:endParaRPr lang="en-US" dirty="0"/>
           </a:p>
@@ -3301,7 +3301,7 @@
           <a:p>
             <a:fld id="{2D6026DC-D31F-40BA-B49D-47D87B9BA087}" type="datetime1">
               <a:rPr lang="en-US" smtClean="0"/>
-              <a:t>10/30/21</a:t>
+              <a:t>11/2/21</a:t>
             </a:fld>
             <a:endParaRPr lang="en-US" dirty="0"/>
           </a:p>
@@ -3544,7 +3544,7 @@
           <a:p>
             <a:fld id="{0E2464DF-92FB-4D4C-B2DE-15BC5F46772E}" type="datetime1">
               <a:rPr lang="en-US" smtClean="0"/>
-              <a:t>10/30/21</a:t>
+              <a:t>11/2/21</a:t>
             </a:fld>
             <a:endParaRPr lang="en-US" dirty="0"/>
           </a:p>
@@ -3772,7 +3772,7 @@
           <a:p>
             <a:fld id="{127F1A99-F4C1-4E12-B7D3-A88A44F4EB10}" type="datetime1">
               <a:rPr lang="en-US" smtClean="0"/>
-              <a:t>10/30/21</a:t>
+              <a:t>11/2/21</a:t>
             </a:fld>
             <a:endParaRPr lang="en-US" dirty="0"/>
           </a:p>
@@ -4141,7 +4141,7 @@
           <a:p>
             <a:fld id="{0F2E7458-324C-48F7-80F5-74B19E1CAFEB}" type="datetime1">
               <a:rPr lang="en-US" smtClean="0"/>
-              <a:t>10/30/21</a:t>
+              <a:t>11/2/21</a:t>
             </a:fld>
             <a:endParaRPr lang="en-US" dirty="0"/>
           </a:p>
@@ -4260,7 +4260,7 @@
           <a:p>
             <a:fld id="{B60B054C-5E05-4896-867A-8DB56A20C8AC}" type="datetime1">
               <a:rPr lang="en-US" smtClean="0"/>
-              <a:t>10/30/21</a:t>
+              <a:t>11/2/21</a:t>
             </a:fld>
             <a:endParaRPr lang="en-US" dirty="0"/>
           </a:p>
@@ -4351,7 +4351,7 @@
           <a:p>
             <a:fld id="{A694B787-46DA-4B4F-B781-E768630FCF2A}" type="datetime1">
               <a:rPr lang="en-US" smtClean="0"/>
-              <a:t>10/30/21</a:t>
+              <a:t>11/2/21</a:t>
             </a:fld>
             <a:endParaRPr lang="en-US" dirty="0"/>
           </a:p>
@@ -4602,7 +4602,7 @@
           <a:p>
             <a:fld id="{AFE38CE2-82D3-4BA2-B844-E7281181CD7A}" type="datetime1">
               <a:rPr lang="en-US" smtClean="0"/>
-              <a:t>10/30/21</a:t>
+              <a:t>11/2/21</a:t>
             </a:fld>
             <a:endParaRPr lang="en-US" dirty="0"/>
           </a:p>
@@ -4860,7 +4860,7 @@
           <a:p>
             <a:fld id="{A60FF511-91B4-4318-A9F6-BECE1367AD14}" type="datetime1">
               <a:rPr lang="en-US" smtClean="0"/>
-              <a:t>10/30/21</a:t>
+              <a:t>11/2/21</a:t>
             </a:fld>
             <a:endParaRPr lang="en-US" dirty="0"/>
           </a:p>
@@ -5599,7 +5599,7 @@
           <a:p>
             <a:fld id="{1AA39CD9-90D5-49BD-B792-F7F07D136C39}" type="datetime1">
               <a:rPr lang="en-US" smtClean="0"/>
-              <a:t>10/30/21</a:t>
+              <a:t>11/2/21</a:t>
             </a:fld>
             <a:endParaRPr lang="en-US" dirty="0"/>
           </a:p>
@@ -8209,6 +8209,54 @@
               <a:t>ssh</a:t>
             </a:r>
             <a:endParaRPr lang="en-US" sz="2400" dirty="0"/>
+          </a:p>
+        </p:txBody>
+      </p:sp>
+      <p:sp>
+        <p:nvSpPr>
+          <p:cNvPr id="6" name="TextBox 5">
+            <a:extLst>
+              <a:ext uri="{FF2B5EF4-FFF2-40B4-BE49-F238E27FC236}">
+                <a16:creationId xmlns:a16="http://schemas.microsoft.com/office/drawing/2014/main" id="{02ED0CA6-AF51-2744-A8CA-0ECB7845AB7F}"/>
+              </a:ext>
+            </a:extLst>
+          </p:cNvPr>
+          <p:cNvSpPr txBox="1"/>
+          <p:nvPr/>
+        </p:nvSpPr>
+        <p:spPr>
+          <a:xfrm>
+            <a:off x="6557058" y="6164048"/>
+            <a:ext cx="6099858" cy="369332"/>
+          </a:xfrm>
+          <a:prstGeom prst="rect">
+            <a:avLst/>
+          </a:prstGeom>
+          <a:noFill/>
+        </p:spPr>
+        <p:txBody>
+          <a:bodyPr wrap="square">
+            <a:spAutoFit/>
+          </a:bodyPr>
+          <a:lstStyle/>
+          <a:p>
+            <a:r>
+              <a:rPr lang="en-US" dirty="0"/>
+              <a:t>https://</a:t>
+            </a:r>
+            <a:r>
+              <a:rPr lang="en-US" dirty="0" err="1"/>
+              <a:t>lin-chen-langley.github.io</a:t>
+            </a:r>
+            <a:r>
+              <a:rPr lang="en-US" dirty="0"/>
+              <a:t>/Git/</a:t>
+            </a:r>
+            <a:r>
+              <a:rPr lang="en-US" dirty="0" err="1"/>
+              <a:t>ssh.htm</a:t>
+            </a:r>
+            <a:endParaRPr lang="en-US" dirty="0"/>
           </a:p>
         </p:txBody>
       </p:sp>
@@ -9844,15 +9892,6 @@
 </file>
 
 <file path=customXml/item1.xml><?xml version="1.0" encoding="utf-8"?>
-<?mso-contentType ?>
-<FormTemplates xmlns="http://schemas.microsoft.com/sharepoint/v3/contenttype/forms">
-  <Display>DocumentLibraryForm</Display>
-  <Edit>DocumentLibraryForm</Edit>
-  <New>DocumentLibraryForm</New>
-</FormTemplates>
-</file>
-
-<file path=customXml/item2.xml><?xml version="1.0" encoding="utf-8"?>
 <ct:contentTypeSchema xmlns:ct="http://schemas.microsoft.com/office/2006/metadata/contentType" xmlns:ma="http://schemas.microsoft.com/office/2006/metadata/properties/metaAttributes" ct:_="" ma:_="" ma:contentTypeName="Document" ma:contentTypeID="0x01010079F111ED35F8CC479449609E8A0923A6" ma:contentTypeVersion="11" ma:contentTypeDescription="Create a new document." ma:contentTypeScope="" ma:versionID="9677210f24a1be23c92c90fd886aa0aa">
   <xsd:schema xmlns:xsd="http://www.w3.org/2001/XMLSchema" xmlns:xs="http://www.w3.org/2001/XMLSchema" xmlns:p="http://schemas.microsoft.com/office/2006/metadata/properties" xmlns:ns2="71af3243-3dd4-4a8d-8c0d-dd76da1f02a5" xmlns:ns3="16c05727-aa75-4e4a-9b5f-8a80a1165891" targetNamespace="http://schemas.microsoft.com/office/2006/metadata/properties" ma:root="true" ma:fieldsID="60e05723c5c1908df1a1a4ebf11d344e" ns2:_="" ns3:_="">
     <xsd:import namespace="71af3243-3dd4-4a8d-8c0d-dd76da1f02a5"/>
@@ -10063,6 +10102,15 @@
 </ct:contentTypeSchema>
 </file>
 
+<file path=customXml/item2.xml><?xml version="1.0" encoding="utf-8"?>
+<?mso-contentType ?>
+<FormTemplates xmlns="http://schemas.microsoft.com/sharepoint/v3/contenttype/forms">
+  <Display>DocumentLibraryForm</Display>
+  <Edit>DocumentLibraryForm</Edit>
+  <New>DocumentLibraryForm</New>
+</FormTemplates>
+</file>
+
 <file path=customXml/item3.xml><?xml version="1.0" encoding="utf-8"?>
 <p:properties xmlns:p="http://schemas.microsoft.com/office/2006/metadata/properties" xmlns:xsi="http://www.w3.org/2001/XMLSchema-instance" xmlns:pc="http://schemas.microsoft.com/office/infopath/2007/PartnerControls">
   <documentManagement>
@@ -10072,14 +10120,6 @@
 </file>
 
 <file path=customXml/itemProps1.xml><?xml version="1.0" encoding="utf-8"?>
-<ds:datastoreItem xmlns:ds="http://schemas.openxmlformats.org/officeDocument/2006/customXml" ds:itemID="{9AEF1282-A6E9-4912-8AB9-8ED69BF7097D}">
-  <ds:schemaRefs>
-    <ds:schemaRef ds:uri="http://schemas.microsoft.com/sharepoint/v3/contenttype/forms"/>
-  </ds:schemaRefs>
-</ds:datastoreItem>
-</file>
-
-<file path=customXml/itemProps2.xml><?xml version="1.0" encoding="utf-8"?>
 <ds:datastoreItem xmlns:ds="http://schemas.openxmlformats.org/officeDocument/2006/customXml" ds:itemID="{83E04B51-1D33-4F14-BBD7-79D7D27E2EE4}">
   <ds:schemaRefs>
     <ds:schemaRef ds:uri="http://schemas.microsoft.com/office/2006/metadata/contentType"/>
@@ -10094,6 +10134,14 @@
     <ds:schemaRef ds:uri="http://purl.org/dc/elements/1.1/"/>
     <ds:schemaRef ds:uri="http://purl.org/dc/terms/"/>
     <ds:schemaRef ds:uri="http://schemas.microsoft.com/internal/obd"/>
+  </ds:schemaRefs>
+</ds:datastoreItem>
+</file>
+
+<file path=customXml/itemProps2.xml><?xml version="1.0" encoding="utf-8"?>
+<ds:datastoreItem xmlns:ds="http://schemas.openxmlformats.org/officeDocument/2006/customXml" ds:itemID="{9AEF1282-A6E9-4912-8AB9-8ED69BF7097D}">
+  <ds:schemaRefs>
+    <ds:schemaRef ds:uri="http://schemas.microsoft.com/sharepoint/v3/contenttype/forms"/>
   </ds:schemaRefs>
 </ds:datastoreItem>
 </file>

--- a/Volunteer/Programming/HTML_8.pptx
+++ b/Volunteer/Programming/HTML_8.pptx
@@ -11,9 +11,9 @@
     <p:sldId id="258" r:id="rId5"/>
     <p:sldId id="267" r:id="rId6"/>
     <p:sldId id="274" r:id="rId7"/>
-    <p:sldId id="279" r:id="rId8"/>
-    <p:sldId id="276" r:id="rId9"/>
-    <p:sldId id="280" r:id="rId10"/>
+    <p:sldId id="276" r:id="rId8"/>
+    <p:sldId id="280" r:id="rId9"/>
+    <p:sldId id="279" r:id="rId10"/>
     <p:sldId id="277" r:id="rId11"/>
     <p:sldId id="278" r:id="rId12"/>
     <p:sldId id="281" r:id="rId13"/>
@@ -206,7 +206,7 @@
           <a:p>
             <a:fld id="{3AD818D7-DF4E-4C59-9BBA-548250DAC33A}" type="datetimeFigureOut">
               <a:rPr lang="en-US" smtClean="0"/>
-              <a:t>11/2/21</a:t>
+              <a:t>11/6/21</a:t>
             </a:fld>
             <a:endParaRPr lang="en-US" dirty="0"/>
           </a:p>
@@ -1195,7 +1195,7 @@
           <a:p>
             <a:fld id="{3E149229-E3F7-4B08-B8B0-567DB9AE2DBD}" type="datetime1">
               <a:rPr lang="en-US" smtClean="0"/>
-              <a:t>11/2/21</a:t>
+              <a:t>11/6/21</a:t>
             </a:fld>
             <a:endParaRPr lang="en-US" dirty="0"/>
           </a:p>
@@ -1442,7 +1442,7 @@
           <a:p>
             <a:fld id="{215760AF-08CF-488B-8265-5F1D88C1C64E}" type="datetime1">
               <a:rPr lang="en-US" smtClean="0"/>
-              <a:t>11/2/21</a:t>
+              <a:t>11/6/21</a:t>
             </a:fld>
             <a:endParaRPr lang="en-US" dirty="0"/>
           </a:p>
@@ -1752,7 +1752,7 @@
           <a:p>
             <a:fld id="{9FD41802-9AAA-4EB8-B737-B207AD0C712F}" type="datetime1">
               <a:rPr lang="en-US" smtClean="0"/>
-              <a:t>11/2/21</a:t>
+              <a:t>11/6/21</a:t>
             </a:fld>
             <a:endParaRPr lang="en-US" dirty="0"/>
           </a:p>
@@ -2089,7 +2089,7 @@
           <a:p>
             <a:fld id="{E8B27BB6-0FDA-4EDD-A5D1-79FFF12955B7}" type="datetime1">
               <a:rPr lang="en-US" smtClean="0"/>
-              <a:t>11/2/21</a:t>
+              <a:t>11/6/21</a:t>
             </a:fld>
             <a:endParaRPr lang="en-US" dirty="0"/>
           </a:p>
@@ -2399,7 +2399,7 @@
           <a:p>
             <a:fld id="{62CB08FB-4F0B-44DE-8994-0595D6ECCDCE}" type="datetime1">
               <a:rPr lang="en-US" smtClean="0"/>
-              <a:t>11/2/21</a:t>
+              <a:t>11/6/21</a:t>
             </a:fld>
             <a:endParaRPr lang="en-US" dirty="0"/>
           </a:p>
@@ -2788,7 +2788,7 @@
           <a:p>
             <a:fld id="{D29AB015-62A3-4A29-BC49-965FA4BE59CA}" type="datetime1">
               <a:rPr lang="en-US" smtClean="0"/>
-              <a:t>11/2/21</a:t>
+              <a:t>11/6/21</a:t>
             </a:fld>
             <a:endParaRPr lang="en-US" dirty="0"/>
           </a:p>
@@ -2954,7 +2954,7 @@
           <a:p>
             <a:fld id="{8BA46181-5447-4050-89D3-AA326DE4DA13}" type="datetime1">
               <a:rPr lang="en-US" smtClean="0"/>
-              <a:t>11/2/21</a:t>
+              <a:t>11/6/21</a:t>
             </a:fld>
             <a:endParaRPr lang="en-US" dirty="0"/>
           </a:p>
@@ -3129,7 +3129,7 @@
           <a:p>
             <a:fld id="{FF450F08-CAEB-42BA-9362-548763B98147}" type="datetime1">
               <a:rPr lang="en-US" smtClean="0"/>
-              <a:t>11/2/21</a:t>
+              <a:t>11/6/21</a:t>
             </a:fld>
             <a:endParaRPr lang="en-US" dirty="0"/>
           </a:p>
@@ -3301,7 +3301,7 @@
           <a:p>
             <a:fld id="{2D6026DC-D31F-40BA-B49D-47D87B9BA087}" type="datetime1">
               <a:rPr lang="en-US" smtClean="0"/>
-              <a:t>11/2/21</a:t>
+              <a:t>11/6/21</a:t>
             </a:fld>
             <a:endParaRPr lang="en-US" dirty="0"/>
           </a:p>
@@ -3544,7 +3544,7 @@
           <a:p>
             <a:fld id="{0E2464DF-92FB-4D4C-B2DE-15BC5F46772E}" type="datetime1">
               <a:rPr lang="en-US" smtClean="0"/>
-              <a:t>11/2/21</a:t>
+              <a:t>11/6/21</a:t>
             </a:fld>
             <a:endParaRPr lang="en-US" dirty="0"/>
           </a:p>
@@ -3772,7 +3772,7 @@
           <a:p>
             <a:fld id="{127F1A99-F4C1-4E12-B7D3-A88A44F4EB10}" type="datetime1">
               <a:rPr lang="en-US" smtClean="0"/>
-              <a:t>11/2/21</a:t>
+              <a:t>11/6/21</a:t>
             </a:fld>
             <a:endParaRPr lang="en-US" dirty="0"/>
           </a:p>
@@ -4141,7 +4141,7 @@
           <a:p>
             <a:fld id="{0F2E7458-324C-48F7-80F5-74B19E1CAFEB}" type="datetime1">
               <a:rPr lang="en-US" smtClean="0"/>
-              <a:t>11/2/21</a:t>
+              <a:t>11/6/21</a:t>
             </a:fld>
             <a:endParaRPr lang="en-US" dirty="0"/>
           </a:p>
@@ -4260,7 +4260,7 @@
           <a:p>
             <a:fld id="{B60B054C-5E05-4896-867A-8DB56A20C8AC}" type="datetime1">
               <a:rPr lang="en-US" smtClean="0"/>
-              <a:t>11/2/21</a:t>
+              <a:t>11/6/21</a:t>
             </a:fld>
             <a:endParaRPr lang="en-US" dirty="0"/>
           </a:p>
@@ -4351,7 +4351,7 @@
           <a:p>
             <a:fld id="{A694B787-46DA-4B4F-B781-E768630FCF2A}" type="datetime1">
               <a:rPr lang="en-US" smtClean="0"/>
-              <a:t>11/2/21</a:t>
+              <a:t>11/6/21</a:t>
             </a:fld>
             <a:endParaRPr lang="en-US" dirty="0"/>
           </a:p>
@@ -4602,7 +4602,7 @@
           <a:p>
             <a:fld id="{AFE38CE2-82D3-4BA2-B844-E7281181CD7A}" type="datetime1">
               <a:rPr lang="en-US" smtClean="0"/>
-              <a:t>11/2/21</a:t>
+              <a:t>11/6/21</a:t>
             </a:fld>
             <a:endParaRPr lang="en-US" dirty="0"/>
           </a:p>
@@ -4860,7 +4860,7 @@
           <a:p>
             <a:fld id="{A60FF511-91B4-4318-A9F6-BECE1367AD14}" type="datetime1">
               <a:rPr lang="en-US" smtClean="0"/>
-              <a:t>11/2/21</a:t>
+              <a:t>11/6/21</a:t>
             </a:fld>
             <a:endParaRPr lang="en-US" dirty="0"/>
           </a:p>
@@ -5599,7 +5599,7 @@
           <a:p>
             <a:fld id="{1AA39CD9-90D5-49BD-B792-F7F07D136C39}" type="datetime1">
               <a:rPr lang="en-US" smtClean="0"/>
-              <a:t>11/2/21</a:t>
+              <a:t>11/6/21</a:t>
             </a:fld>
             <a:endParaRPr lang="en-US" dirty="0"/>
           </a:p>
@@ -7805,7 +7805,7 @@
                 </a:solidFill>
                 <a:latin typeface="Arial Rounded MT Bold" panose="020F0704030504030204" pitchFamily="34" charset="0"/>
               </a:rPr>
-              <a:t>Step 1. Create a repository</a:t>
+              <a:t>Step 1. Add SSH Key (local)</a:t>
             </a:r>
             <a:endParaRPr lang="en-US" sz="4000" dirty="0">
               <a:solidFill>
@@ -7816,42 +7816,12 @@
           </a:p>
         </p:txBody>
       </p:sp>
-      <p:pic>
-        <p:nvPicPr>
-          <p:cNvPr id="3" name="Picture 2" descr="Graphical user interface, text, application, email&#10;&#10;Description automatically generated">
+      <p:sp>
+        <p:nvSpPr>
+          <p:cNvPr id="5" name="TextBox 4">
             <a:extLst>
               <a:ext uri="{FF2B5EF4-FFF2-40B4-BE49-F238E27FC236}">
-                <a16:creationId xmlns:a16="http://schemas.microsoft.com/office/drawing/2014/main" id="{BB93CE13-FB73-944B-9114-3A1E8FEAF6ED}"/>
-              </a:ext>
-            </a:extLst>
-          </p:cNvPr>
-          <p:cNvPicPr>
-            <a:picLocks noChangeAspect="1"/>
-          </p:cNvPicPr>
-          <p:nvPr/>
-        </p:nvPicPr>
-        <p:blipFill>
-          <a:blip r:embed="rId2"/>
-          <a:stretch>
-            <a:fillRect/>
-          </a:stretch>
-        </p:blipFill>
-        <p:spPr>
-          <a:xfrm>
-            <a:off x="1206500" y="2026920"/>
-            <a:ext cx="9779000" cy="3568700"/>
-          </a:xfrm>
-          <a:prstGeom prst="rect">
-            <a:avLst/>
-          </a:prstGeom>
-        </p:spPr>
-      </p:pic>
-      <p:sp>
-        <p:nvSpPr>
-          <p:cNvPr id="8" name="TextBox 7">
-            <a:extLst>
-              <a:ext uri="{FF2B5EF4-FFF2-40B4-BE49-F238E27FC236}">
-                <a16:creationId xmlns:a16="http://schemas.microsoft.com/office/drawing/2014/main" id="{1A970640-DB8E-2040-941D-B32006B77A4C}"/>
+                <a16:creationId xmlns:a16="http://schemas.microsoft.com/office/drawing/2014/main" id="{598C24F7-2348-6845-9060-5A46797F131C}"/>
               </a:ext>
             </a:extLst>
           </p:cNvPr>
@@ -7860,8 +7830,8 @@
         </p:nvSpPr>
         <p:spPr>
           <a:xfrm>
-            <a:off x="3712326" y="1444744"/>
-            <a:ext cx="6473190" cy="369332"/>
+            <a:off x="1939290" y="1723013"/>
+            <a:ext cx="7433310" cy="2677656"/>
           </a:xfrm>
           <a:prstGeom prst="rect">
             <a:avLst/>
@@ -7875,57 +7845,221 @@
           <a:lstStyle/>
           <a:p>
             <a:r>
-              <a:rPr lang="en-US" sz="1800" b="1" i="1" dirty="0">
+              <a:rPr lang="en-US" sz="2400" dirty="0"/>
+              <a:t># Create </a:t>
+            </a:r>
+            <a:r>
+              <a:rPr lang="en-US" sz="2400" dirty="0" err="1"/>
+              <a:t>ssh</a:t>
+            </a:r>
+            <a:r>
+              <a:rPr lang="en-US" sz="2400" dirty="0"/>
+              <a:t> keys</a:t>
+            </a:r>
+          </a:p>
+          <a:p>
+            <a:r>
+              <a:rPr lang="en-US" sz="2400" dirty="0"/>
+              <a:t># private key, /Users/</a:t>
+            </a:r>
+            <a:r>
+              <a:rPr lang="en-US" sz="2400" dirty="0" err="1"/>
+              <a:t>myname</a:t>
+            </a:r>
+            <a:r>
+              <a:rPr lang="en-US" sz="2400" dirty="0"/>
+              <a:t>/.</a:t>
+            </a:r>
+            <a:r>
+              <a:rPr lang="en-US" sz="2400" dirty="0" err="1"/>
+              <a:t>ssh</a:t>
+            </a:r>
+            <a:r>
+              <a:rPr lang="en-US" sz="2400" dirty="0"/>
+              <a:t>/</a:t>
+            </a:r>
+            <a:r>
+              <a:rPr lang="en-US" sz="2400" dirty="0" err="1"/>
+              <a:t>id_rsa</a:t>
+            </a:r>
+            <a:endParaRPr lang="en-US" sz="2400" dirty="0"/>
+          </a:p>
+          <a:p>
+            <a:r>
+              <a:rPr lang="en-US" sz="2400" dirty="0"/>
+              <a:t># public key, /Users/</a:t>
+            </a:r>
+            <a:r>
+              <a:rPr lang="en-US" sz="2400" dirty="0" err="1"/>
+              <a:t>myname</a:t>
+            </a:r>
+            <a:r>
+              <a:rPr lang="en-US" sz="2400" dirty="0"/>
+              <a:t>/.</a:t>
+            </a:r>
+            <a:r>
+              <a:rPr lang="en-US" sz="2400" dirty="0" err="1"/>
+              <a:t>ssh</a:t>
+            </a:r>
+            <a:r>
+              <a:rPr lang="en-US" sz="2400" dirty="0"/>
+              <a:t>/</a:t>
+            </a:r>
+            <a:r>
+              <a:rPr lang="en-US" sz="2400" dirty="0" err="1"/>
+              <a:t>id_rsa.pub</a:t>
+            </a:r>
+            <a:endParaRPr lang="en-US" sz="2400" dirty="0"/>
+          </a:p>
+          <a:p>
+            <a:r>
+              <a:rPr lang="en-US" sz="2400" b="1" dirty="0" err="1">
                 <a:solidFill>
                   <a:srgbClr val="FF0000"/>
                 </a:solidFill>
               </a:rPr>
-              <a:t>Repository </a:t>
-            </a:r>
-            <a:r>
-              <a:rPr lang="en-US" sz="1800" b="1" i="1" dirty="0" err="1">
+              <a:t>ssh</a:t>
+            </a:r>
+            <a:r>
+              <a:rPr lang="en-US" sz="2400" b="1" dirty="0">
                 <a:solidFill>
                   <a:srgbClr val="FF0000"/>
                 </a:solidFill>
               </a:rPr>
-              <a:t>namne</a:t>
-            </a:r>
-            <a:r>
-              <a:rPr lang="en-US" sz="1800" b="1" i="1" dirty="0">
+              <a:t>-keygen -t </a:t>
+            </a:r>
+            <a:r>
+              <a:rPr lang="en-US" sz="2400" b="1" dirty="0" err="1">
                 <a:solidFill>
                   <a:srgbClr val="FF0000"/>
                 </a:solidFill>
               </a:rPr>
-              <a:t> should be </a:t>
-            </a:r>
-            <a:r>
-              <a:rPr lang="en-US" b="1" i="1" dirty="0">
-                <a:solidFill>
-                  <a:srgbClr val="FF0000"/>
-                </a:solidFill>
-              </a:rPr>
-              <a:t>[username].</a:t>
-            </a:r>
-            <a:r>
-              <a:rPr lang="en-US" b="1" i="1" dirty="0" err="1">
-                <a:solidFill>
-                  <a:srgbClr val="FF0000"/>
-                </a:solidFill>
-              </a:rPr>
-              <a:t>github.io</a:t>
-            </a:r>
-            <a:endParaRPr lang="en-US" b="1" i="1" dirty="0">
+              <a:t>rsa</a:t>
+            </a:r>
+            <a:endParaRPr lang="en-US" sz="2400" b="1" dirty="0">
               <a:solidFill>
                 <a:srgbClr val="FF0000"/>
               </a:solidFill>
             </a:endParaRPr>
           </a:p>
+          <a:p>
+            <a:endParaRPr lang="en-US" sz="2400" dirty="0"/>
+          </a:p>
+          <a:p>
+            <a:r>
+              <a:rPr lang="en-US" sz="2400" dirty="0"/>
+              <a:t># Add public key to </a:t>
+            </a:r>
+            <a:r>
+              <a:rPr lang="en-US" sz="2400" dirty="0" err="1"/>
+              <a:t>ssh</a:t>
+            </a:r>
+            <a:r>
+              <a:rPr lang="en-US" sz="2400" dirty="0"/>
+              <a:t>-agent</a:t>
+            </a:r>
+          </a:p>
+          <a:p>
+            <a:r>
+              <a:rPr lang="en-US" sz="2400" b="1" dirty="0" err="1">
+                <a:solidFill>
+                  <a:srgbClr val="FF0000"/>
+                </a:solidFill>
+              </a:rPr>
+              <a:t>ssh</a:t>
+            </a:r>
+            <a:r>
+              <a:rPr lang="en-US" sz="2400" b="1" dirty="0">
+                <a:solidFill>
+                  <a:srgbClr val="FF0000"/>
+                </a:solidFill>
+              </a:rPr>
+              <a:t>-add ~/.</a:t>
+            </a:r>
+            <a:r>
+              <a:rPr lang="en-US" sz="2400" b="1" dirty="0" err="1">
+                <a:solidFill>
+                  <a:srgbClr val="FF0000"/>
+                </a:solidFill>
+              </a:rPr>
+              <a:t>ssh</a:t>
+            </a:r>
+            <a:r>
+              <a:rPr lang="en-US" sz="2400" b="1" dirty="0">
+                <a:solidFill>
+                  <a:srgbClr val="FF0000"/>
+                </a:solidFill>
+              </a:rPr>
+              <a:t>/</a:t>
+            </a:r>
+            <a:r>
+              <a:rPr lang="en-US" sz="2400" b="1" dirty="0" err="1">
+                <a:solidFill>
+                  <a:srgbClr val="FF0000"/>
+                </a:solidFill>
+              </a:rPr>
+              <a:t>id_rsa</a:t>
+            </a:r>
+            <a:endParaRPr lang="en-US" sz="2400" b="1" dirty="0">
+              <a:solidFill>
+                <a:srgbClr val="FF0000"/>
+              </a:solidFill>
+            </a:endParaRPr>
+          </a:p>
+        </p:txBody>
+      </p:sp>
+      <p:sp>
+        <p:nvSpPr>
+          <p:cNvPr id="6" name="TextBox 5">
+            <a:extLst>
+              <a:ext uri="{FF2B5EF4-FFF2-40B4-BE49-F238E27FC236}">
+                <a16:creationId xmlns:a16="http://schemas.microsoft.com/office/drawing/2014/main" id="{02ED0CA6-AF51-2744-A8CA-0ECB7845AB7F}"/>
+              </a:ext>
+            </a:extLst>
+          </p:cNvPr>
+          <p:cNvSpPr txBox="1"/>
+          <p:nvPr/>
+        </p:nvSpPr>
+        <p:spPr>
+          <a:xfrm>
+            <a:off x="6557058" y="6164048"/>
+            <a:ext cx="6099858" cy="369332"/>
+          </a:xfrm>
+          <a:prstGeom prst="rect">
+            <a:avLst/>
+          </a:prstGeom>
+          <a:noFill/>
+        </p:spPr>
+        <p:txBody>
+          <a:bodyPr wrap="square">
+            <a:spAutoFit/>
+          </a:bodyPr>
+          <a:lstStyle/>
+          <a:p>
+            <a:r>
+              <a:rPr lang="en-US" dirty="0"/>
+              <a:t>https://</a:t>
+            </a:r>
+            <a:r>
+              <a:rPr lang="en-US" dirty="0" err="1"/>
+              <a:t>lin-chen-langley.github.io</a:t>
+            </a:r>
+            <a:r>
+              <a:rPr lang="en-US" dirty="0"/>
+              <a:t>/Git/</a:t>
+            </a:r>
+            <a:r>
+              <a:rPr lang="en-US" dirty="0" err="1"/>
+              <a:t>ssh.htm</a:t>
+            </a:r>
+            <a:endParaRPr lang="en-US" dirty="0"/>
+          </a:p>
         </p:txBody>
       </p:sp>
     </p:spTree>
     <p:extLst>
       <p:ext uri="{BB962C8B-B14F-4D97-AF65-F5344CB8AC3E}">
-        <p14:creationId xmlns:p14="http://schemas.microsoft.com/office/powerpoint/2010/main" val="2998779942"/>
+        <p14:creationId xmlns:p14="http://schemas.microsoft.com/office/powerpoint/2010/main" val="290380369"/>
       </p:ext>
     </p:extLst>
   </p:cSld>
@@ -8059,345 +8193,25 @@
                 </a:solidFill>
                 <a:latin typeface="Arial Rounded MT Bold" panose="020F0704030504030204" pitchFamily="34" charset="0"/>
               </a:rPr>
-              <a:t>Step 2. Add SSH Key</a:t>
-            </a:r>
-            <a:endParaRPr lang="en-US" sz="4000" dirty="0">
-              <a:solidFill>
-                <a:srgbClr val="00B0F0"/>
-              </a:solidFill>
-              <a:latin typeface="Arial Rounded MT Bold" panose="020F0704030504030204" pitchFamily="34" charset="0"/>
-            </a:endParaRPr>
-          </a:p>
-        </p:txBody>
-      </p:sp>
-      <p:sp>
-        <p:nvSpPr>
-          <p:cNvPr id="5" name="TextBox 4">
-            <a:extLst>
-              <a:ext uri="{FF2B5EF4-FFF2-40B4-BE49-F238E27FC236}">
-                <a16:creationId xmlns:a16="http://schemas.microsoft.com/office/drawing/2014/main" id="{598C24F7-2348-6845-9060-5A46797F131C}"/>
-              </a:ext>
-            </a:extLst>
-          </p:cNvPr>
-          <p:cNvSpPr txBox="1"/>
-          <p:nvPr/>
-        </p:nvSpPr>
-        <p:spPr>
-          <a:xfrm>
-            <a:off x="1939290" y="1723013"/>
-            <a:ext cx="7433310" cy="2308324"/>
-          </a:xfrm>
-          <a:prstGeom prst="rect">
-            <a:avLst/>
-          </a:prstGeom>
-          <a:noFill/>
-        </p:spPr>
-        <p:txBody>
-          <a:bodyPr wrap="square">
-            <a:spAutoFit/>
-          </a:bodyPr>
-          <a:lstStyle/>
-          <a:p>
-            <a:r>
-              <a:rPr lang="en-US" sz="2400" dirty="0"/>
-              <a:t># Create </a:t>
-            </a:r>
-            <a:r>
-              <a:rPr lang="en-US" sz="2400" dirty="0" err="1"/>
-              <a:t>ssh</a:t>
-            </a:r>
-            <a:r>
-              <a:rPr lang="en-US" sz="2400" dirty="0"/>
-              <a:t> keys</a:t>
-            </a:r>
-          </a:p>
-          <a:p>
-            <a:r>
-              <a:rPr lang="en-US" sz="2400" dirty="0"/>
-              <a:t># private key, /Users/</a:t>
-            </a:r>
-            <a:r>
-              <a:rPr lang="en-US" sz="2400" dirty="0" err="1"/>
-              <a:t>myname</a:t>
-            </a:r>
-            <a:r>
-              <a:rPr lang="en-US" sz="2400" dirty="0"/>
-              <a:t>/.</a:t>
-            </a:r>
-            <a:r>
-              <a:rPr lang="en-US" sz="2400" dirty="0" err="1"/>
-              <a:t>ssh</a:t>
-            </a:r>
-            <a:r>
-              <a:rPr lang="en-US" sz="2400" dirty="0"/>
-              <a:t>/</a:t>
-            </a:r>
-            <a:r>
-              <a:rPr lang="en-US" sz="2400" dirty="0" err="1"/>
-              <a:t>id_rsa</a:t>
-            </a:r>
-            <a:endParaRPr lang="en-US" sz="2400" dirty="0"/>
-          </a:p>
-          <a:p>
-            <a:r>
-              <a:rPr lang="en-US" sz="2400" dirty="0"/>
-              <a:t># public key, /Users/</a:t>
-            </a:r>
-            <a:r>
-              <a:rPr lang="en-US" sz="2400" dirty="0" err="1"/>
-              <a:t>myname</a:t>
-            </a:r>
-            <a:r>
-              <a:rPr lang="en-US" sz="2400" dirty="0"/>
-              <a:t>/.</a:t>
-            </a:r>
-            <a:r>
-              <a:rPr lang="en-US" sz="2400" dirty="0" err="1"/>
-              <a:t>ssh</a:t>
-            </a:r>
-            <a:r>
-              <a:rPr lang="en-US" sz="2400" dirty="0"/>
-              <a:t>/</a:t>
-            </a:r>
-            <a:r>
-              <a:rPr lang="en-US" sz="2400" dirty="0" err="1"/>
-              <a:t>id_rsa.pub</a:t>
-            </a:r>
-            <a:endParaRPr lang="en-US" sz="2400" dirty="0"/>
-          </a:p>
-          <a:p>
-            <a:r>
-              <a:rPr lang="en-US" sz="2400" b="1" dirty="0" err="1">
-                <a:solidFill>
-                  <a:srgbClr val="FF0000"/>
-                </a:solidFill>
-              </a:rPr>
-              <a:t>ssh</a:t>
-            </a:r>
-            <a:r>
-              <a:rPr lang="en-US" sz="2400" b="1" dirty="0">
-                <a:solidFill>
-                  <a:srgbClr val="FF0000"/>
-                </a:solidFill>
-              </a:rPr>
-              <a:t>-keygen -t </a:t>
-            </a:r>
-            <a:r>
-              <a:rPr lang="en-US" sz="2400" b="1" dirty="0" err="1">
-                <a:solidFill>
-                  <a:srgbClr val="FF0000"/>
-                </a:solidFill>
-              </a:rPr>
-              <a:t>rsa</a:t>
-            </a:r>
-            <a:endParaRPr lang="en-US" sz="2400" b="1" dirty="0">
-              <a:solidFill>
-                <a:srgbClr val="FF0000"/>
-              </a:solidFill>
-            </a:endParaRPr>
-          </a:p>
-          <a:p>
-            <a:endParaRPr lang="en-US" sz="2400" dirty="0"/>
-          </a:p>
-          <a:p>
-            <a:r>
-              <a:rPr lang="en-US" sz="2400" dirty="0"/>
-              <a:t># Add public key to </a:t>
-            </a:r>
-            <a:r>
-              <a:rPr lang="en-US" sz="2400" dirty="0" err="1"/>
-              <a:t>ssh</a:t>
-            </a:r>
-            <a:endParaRPr lang="en-US" sz="2400" dirty="0"/>
-          </a:p>
-        </p:txBody>
-      </p:sp>
-      <p:sp>
-        <p:nvSpPr>
-          <p:cNvPr id="6" name="TextBox 5">
-            <a:extLst>
-              <a:ext uri="{FF2B5EF4-FFF2-40B4-BE49-F238E27FC236}">
-                <a16:creationId xmlns:a16="http://schemas.microsoft.com/office/drawing/2014/main" id="{02ED0CA6-AF51-2744-A8CA-0ECB7845AB7F}"/>
-              </a:ext>
-            </a:extLst>
-          </p:cNvPr>
-          <p:cNvSpPr txBox="1"/>
-          <p:nvPr/>
-        </p:nvSpPr>
-        <p:spPr>
-          <a:xfrm>
-            <a:off x="6557058" y="6164048"/>
-            <a:ext cx="6099858" cy="369332"/>
-          </a:xfrm>
-          <a:prstGeom prst="rect">
-            <a:avLst/>
-          </a:prstGeom>
-          <a:noFill/>
-        </p:spPr>
-        <p:txBody>
-          <a:bodyPr wrap="square">
-            <a:spAutoFit/>
-          </a:bodyPr>
-          <a:lstStyle/>
-          <a:p>
-            <a:r>
-              <a:rPr lang="en-US" dirty="0"/>
-              <a:t>https://</a:t>
-            </a:r>
-            <a:r>
-              <a:rPr lang="en-US" dirty="0" err="1"/>
-              <a:t>lin-chen-langley.github.io</a:t>
-            </a:r>
-            <a:r>
-              <a:rPr lang="en-US" dirty="0"/>
-              <a:t>/Git/</a:t>
-            </a:r>
-            <a:r>
-              <a:rPr lang="en-US" dirty="0" err="1"/>
-              <a:t>ssh.htm</a:t>
-            </a:r>
-            <a:endParaRPr lang="en-US" dirty="0"/>
-          </a:p>
-        </p:txBody>
-      </p:sp>
-    </p:spTree>
-    <p:extLst>
-      <p:ext uri="{BB962C8B-B14F-4D97-AF65-F5344CB8AC3E}">
-        <p14:creationId xmlns:p14="http://schemas.microsoft.com/office/powerpoint/2010/main" val="290380369"/>
-      </p:ext>
-    </p:extLst>
-  </p:cSld>
-  <p:clrMapOvr>
-    <a:masterClrMapping/>
-  </p:clrMapOvr>
-</p:sld>
-</file>
-
-<file path=ppt/slides/slide6.xml><?xml version="1.0" encoding="utf-8"?>
-<p:sld xmlns:a="http://schemas.openxmlformats.org/drawingml/2006/main" xmlns:r="http://schemas.openxmlformats.org/officeDocument/2006/relationships" xmlns:p="http://schemas.openxmlformats.org/presentationml/2006/main">
-  <p:cSld>
-    <p:spTree>
-      <p:nvGrpSpPr>
-        <p:cNvPr id="1" name=""/>
-        <p:cNvGrpSpPr/>
-        <p:nvPr/>
-      </p:nvGrpSpPr>
-      <p:grpSpPr>
-        <a:xfrm>
-          <a:off x="0" y="0"/>
-          <a:ext cx="0" cy="0"/>
-          <a:chOff x="0" y="0"/>
-          <a:chExt cx="0" cy="0"/>
-        </a:xfrm>
-      </p:grpSpPr>
-      <p:sp>
-        <p:nvSpPr>
-          <p:cNvPr id="17" name="Title 1">
-            <a:extLst>
-              <a:ext uri="{FF2B5EF4-FFF2-40B4-BE49-F238E27FC236}">
-                <a16:creationId xmlns:a16="http://schemas.microsoft.com/office/drawing/2014/main" id="{B1D22E43-8256-41A9-941A-1DE5CC11C65B}"/>
-              </a:ext>
-            </a:extLst>
-          </p:cNvPr>
-          <p:cNvSpPr txBox="1">
-            <a:spLocks/>
-          </p:cNvSpPr>
-          <p:nvPr/>
-        </p:nvSpPr>
-        <p:spPr>
-          <a:xfrm>
-            <a:off x="548521" y="-88900"/>
-            <a:ext cx="10225120" cy="1320800"/>
-          </a:xfrm>
-          <a:prstGeom prst="rect">
-            <a:avLst/>
-          </a:prstGeom>
-        </p:spPr>
-        <p:txBody>
-          <a:bodyPr vert="horz" lIns="91440" tIns="45720" rIns="91440" bIns="45720" rtlCol="0" anchor="ctr">
-            <a:normAutofit fontScale="97500"/>
-          </a:bodyPr>
-          <a:lstStyle>
-            <a:lvl1pPr algn="l" defTabSz="457200" rtl="0" eaLnBrk="1" latinLnBrk="0" hangingPunct="1">
-              <a:spcBef>
-                <a:spcPct val="0"/>
-              </a:spcBef>
-              <a:buNone/>
-              <a:defRPr sz="3600" kern="1200">
-                <a:solidFill>
-                  <a:schemeClr val="accent1"/>
-                </a:solidFill>
-                <a:latin typeface="+mj-lt"/>
-                <a:ea typeface="+mj-ea"/>
-                <a:cs typeface="+mj-cs"/>
-              </a:defRPr>
-            </a:lvl1pPr>
-            <a:lvl2pPr eaLnBrk="1" hangingPunct="1">
-              <a:defRPr>
-                <a:solidFill>
-                  <a:schemeClr val="tx2"/>
-                </a:solidFill>
-              </a:defRPr>
-            </a:lvl2pPr>
-            <a:lvl3pPr eaLnBrk="1" hangingPunct="1">
-              <a:defRPr>
-                <a:solidFill>
-                  <a:schemeClr val="tx2"/>
-                </a:solidFill>
-              </a:defRPr>
-            </a:lvl3pPr>
-            <a:lvl4pPr eaLnBrk="1" hangingPunct="1">
-              <a:defRPr>
-                <a:solidFill>
-                  <a:schemeClr val="tx2"/>
-                </a:solidFill>
-              </a:defRPr>
-            </a:lvl4pPr>
-            <a:lvl5pPr eaLnBrk="1" hangingPunct="1">
-              <a:defRPr>
-                <a:solidFill>
-                  <a:schemeClr val="tx2"/>
-                </a:solidFill>
-              </a:defRPr>
-            </a:lvl5pPr>
-            <a:lvl6pPr eaLnBrk="1" hangingPunct="1">
-              <a:defRPr>
-                <a:solidFill>
-                  <a:schemeClr val="tx2"/>
-                </a:solidFill>
-              </a:defRPr>
-            </a:lvl6pPr>
-            <a:lvl7pPr eaLnBrk="1" hangingPunct="1">
-              <a:defRPr>
-                <a:solidFill>
-                  <a:schemeClr val="tx2"/>
-                </a:solidFill>
-              </a:defRPr>
-            </a:lvl7pPr>
-            <a:lvl8pPr eaLnBrk="1" hangingPunct="1">
-              <a:defRPr>
-                <a:solidFill>
-                  <a:schemeClr val="tx2"/>
-                </a:solidFill>
-              </a:defRPr>
-            </a:lvl8pPr>
-            <a:lvl9pPr eaLnBrk="1" hangingPunct="1">
-              <a:defRPr>
-                <a:solidFill>
-                  <a:schemeClr val="tx2"/>
-                </a:solidFill>
-              </a:defRPr>
-            </a:lvl9pPr>
-          </a:lstStyle>
-          <a:p>
-            <a:r>
-              <a:rPr lang="en-US" altLang="zh-CN" sz="4000" dirty="0">
+              <a:t>Step 2. Add SSH Key (</a:t>
+            </a:r>
+            <a:r>
+              <a:rPr lang="en-US" altLang="zh-CN" sz="4000" dirty="0" err="1">
                 <a:solidFill>
                   <a:srgbClr val="00B0F0"/>
                 </a:solidFill>
                 <a:latin typeface="Arial Rounded MT Bold" panose="020F0704030504030204" pitchFamily="34" charset="0"/>
               </a:rPr>
-              <a:t>Step 2. Add SSH Key</a:t>
+              <a:t>github</a:t>
+            </a:r>
+            <a:r>
+              <a:rPr lang="en-US" altLang="zh-CN" sz="4000" dirty="0">
+                <a:solidFill>
+                  <a:srgbClr val="00B0F0"/>
+                </a:solidFill>
+                <a:latin typeface="Arial Rounded MT Bold" panose="020F0704030504030204" pitchFamily="34" charset="0"/>
+              </a:rPr>
+              <a:t>)</a:t>
             </a:r>
             <a:endParaRPr lang="en-US" sz="4000" dirty="0">
               <a:solidFill>
@@ -8638,6 +8452,278 @@
 </p:sld>
 </file>
 
+<file path=ppt/slides/slide6.xml><?xml version="1.0" encoding="utf-8"?>
+<p:sld xmlns:a="http://schemas.openxmlformats.org/drawingml/2006/main" xmlns:r="http://schemas.openxmlformats.org/officeDocument/2006/relationships" xmlns:p="http://schemas.openxmlformats.org/presentationml/2006/main">
+  <p:cSld>
+    <p:spTree>
+      <p:nvGrpSpPr>
+        <p:cNvPr id="1" name=""/>
+        <p:cNvGrpSpPr/>
+        <p:nvPr/>
+      </p:nvGrpSpPr>
+      <p:grpSpPr>
+        <a:xfrm>
+          <a:off x="0" y="0"/>
+          <a:ext cx="0" cy="0"/>
+          <a:chOff x="0" y="0"/>
+          <a:chExt cx="0" cy="0"/>
+        </a:xfrm>
+      </p:grpSpPr>
+      <p:sp>
+        <p:nvSpPr>
+          <p:cNvPr id="17" name="Title 1">
+            <a:extLst>
+              <a:ext uri="{FF2B5EF4-FFF2-40B4-BE49-F238E27FC236}">
+                <a16:creationId xmlns:a16="http://schemas.microsoft.com/office/drawing/2014/main" id="{B1D22E43-8256-41A9-941A-1DE5CC11C65B}"/>
+              </a:ext>
+            </a:extLst>
+          </p:cNvPr>
+          <p:cNvSpPr txBox="1">
+            <a:spLocks/>
+          </p:cNvSpPr>
+          <p:nvPr/>
+        </p:nvSpPr>
+        <p:spPr>
+          <a:xfrm>
+            <a:off x="548521" y="-88900"/>
+            <a:ext cx="10225120" cy="1320800"/>
+          </a:xfrm>
+          <a:prstGeom prst="rect">
+            <a:avLst/>
+          </a:prstGeom>
+        </p:spPr>
+        <p:txBody>
+          <a:bodyPr vert="horz" lIns="91440" tIns="45720" rIns="91440" bIns="45720" rtlCol="0" anchor="ctr">
+            <a:normAutofit fontScale="97500"/>
+          </a:bodyPr>
+          <a:lstStyle>
+            <a:lvl1pPr algn="l" defTabSz="457200" rtl="0" eaLnBrk="1" latinLnBrk="0" hangingPunct="1">
+              <a:spcBef>
+                <a:spcPct val="0"/>
+              </a:spcBef>
+              <a:buNone/>
+              <a:defRPr sz="3600" kern="1200">
+                <a:solidFill>
+                  <a:schemeClr val="accent1"/>
+                </a:solidFill>
+                <a:latin typeface="+mj-lt"/>
+                <a:ea typeface="+mj-ea"/>
+                <a:cs typeface="+mj-cs"/>
+              </a:defRPr>
+            </a:lvl1pPr>
+            <a:lvl2pPr eaLnBrk="1" hangingPunct="1">
+              <a:defRPr>
+                <a:solidFill>
+                  <a:schemeClr val="tx2"/>
+                </a:solidFill>
+              </a:defRPr>
+            </a:lvl2pPr>
+            <a:lvl3pPr eaLnBrk="1" hangingPunct="1">
+              <a:defRPr>
+                <a:solidFill>
+                  <a:schemeClr val="tx2"/>
+                </a:solidFill>
+              </a:defRPr>
+            </a:lvl3pPr>
+            <a:lvl4pPr eaLnBrk="1" hangingPunct="1">
+              <a:defRPr>
+                <a:solidFill>
+                  <a:schemeClr val="tx2"/>
+                </a:solidFill>
+              </a:defRPr>
+            </a:lvl4pPr>
+            <a:lvl5pPr eaLnBrk="1" hangingPunct="1">
+              <a:defRPr>
+                <a:solidFill>
+                  <a:schemeClr val="tx2"/>
+                </a:solidFill>
+              </a:defRPr>
+            </a:lvl5pPr>
+            <a:lvl6pPr eaLnBrk="1" hangingPunct="1">
+              <a:defRPr>
+                <a:solidFill>
+                  <a:schemeClr val="tx2"/>
+                </a:solidFill>
+              </a:defRPr>
+            </a:lvl6pPr>
+            <a:lvl7pPr eaLnBrk="1" hangingPunct="1">
+              <a:defRPr>
+                <a:solidFill>
+                  <a:schemeClr val="tx2"/>
+                </a:solidFill>
+              </a:defRPr>
+            </a:lvl7pPr>
+            <a:lvl8pPr eaLnBrk="1" hangingPunct="1">
+              <a:defRPr>
+                <a:solidFill>
+                  <a:schemeClr val="tx2"/>
+                </a:solidFill>
+              </a:defRPr>
+            </a:lvl8pPr>
+            <a:lvl9pPr eaLnBrk="1" hangingPunct="1">
+              <a:defRPr>
+                <a:solidFill>
+                  <a:schemeClr val="tx2"/>
+                </a:solidFill>
+              </a:defRPr>
+            </a:lvl9pPr>
+          </a:lstStyle>
+          <a:p>
+            <a:r>
+              <a:rPr lang="en-US" altLang="zh-CN" sz="4000" dirty="0">
+                <a:solidFill>
+                  <a:srgbClr val="00B0F0"/>
+                </a:solidFill>
+                <a:latin typeface="Arial Rounded MT Bold" panose="020F0704030504030204" pitchFamily="34" charset="0"/>
+              </a:rPr>
+              <a:t>Step 3. Create a repository (</a:t>
+            </a:r>
+            <a:r>
+              <a:rPr lang="en-US" altLang="zh-CN" sz="4000" dirty="0" err="1">
+                <a:solidFill>
+                  <a:srgbClr val="00B0F0"/>
+                </a:solidFill>
+                <a:latin typeface="Arial Rounded MT Bold" panose="020F0704030504030204" pitchFamily="34" charset="0"/>
+              </a:rPr>
+              <a:t>github</a:t>
+            </a:r>
+            <a:r>
+              <a:rPr lang="en-US" altLang="zh-CN" sz="4000" dirty="0">
+                <a:solidFill>
+                  <a:srgbClr val="00B0F0"/>
+                </a:solidFill>
+                <a:latin typeface="Arial Rounded MT Bold" panose="020F0704030504030204" pitchFamily="34" charset="0"/>
+              </a:rPr>
+              <a:t>)</a:t>
+            </a:r>
+            <a:endParaRPr lang="en-US" sz="4000" dirty="0">
+              <a:solidFill>
+                <a:srgbClr val="00B0F0"/>
+              </a:solidFill>
+              <a:latin typeface="Arial Rounded MT Bold" panose="020F0704030504030204" pitchFamily="34" charset="0"/>
+            </a:endParaRPr>
+          </a:p>
+        </p:txBody>
+      </p:sp>
+      <p:pic>
+        <p:nvPicPr>
+          <p:cNvPr id="3" name="Picture 2" descr="Graphical user interface, text, application, email&#10;&#10;Description automatically generated">
+            <a:extLst>
+              <a:ext uri="{FF2B5EF4-FFF2-40B4-BE49-F238E27FC236}">
+                <a16:creationId xmlns:a16="http://schemas.microsoft.com/office/drawing/2014/main" id="{BB93CE13-FB73-944B-9114-3A1E8FEAF6ED}"/>
+              </a:ext>
+            </a:extLst>
+          </p:cNvPr>
+          <p:cNvPicPr>
+            <a:picLocks noChangeAspect="1"/>
+          </p:cNvPicPr>
+          <p:nvPr/>
+        </p:nvPicPr>
+        <p:blipFill>
+          <a:blip r:embed="rId2"/>
+          <a:stretch>
+            <a:fillRect/>
+          </a:stretch>
+        </p:blipFill>
+        <p:spPr>
+          <a:xfrm>
+            <a:off x="1206500" y="2026920"/>
+            <a:ext cx="9779000" cy="3568700"/>
+          </a:xfrm>
+          <a:prstGeom prst="rect">
+            <a:avLst/>
+          </a:prstGeom>
+        </p:spPr>
+      </p:pic>
+      <p:sp>
+        <p:nvSpPr>
+          <p:cNvPr id="8" name="TextBox 7">
+            <a:extLst>
+              <a:ext uri="{FF2B5EF4-FFF2-40B4-BE49-F238E27FC236}">
+                <a16:creationId xmlns:a16="http://schemas.microsoft.com/office/drawing/2014/main" id="{1A970640-DB8E-2040-941D-B32006B77A4C}"/>
+              </a:ext>
+            </a:extLst>
+          </p:cNvPr>
+          <p:cNvSpPr txBox="1"/>
+          <p:nvPr/>
+        </p:nvSpPr>
+        <p:spPr>
+          <a:xfrm>
+            <a:off x="3712326" y="1444744"/>
+            <a:ext cx="6473190" cy="369332"/>
+          </a:xfrm>
+          <a:prstGeom prst="rect">
+            <a:avLst/>
+          </a:prstGeom>
+          <a:noFill/>
+        </p:spPr>
+        <p:txBody>
+          <a:bodyPr wrap="square">
+            <a:spAutoFit/>
+          </a:bodyPr>
+          <a:lstStyle/>
+          <a:p>
+            <a:r>
+              <a:rPr lang="en-US" sz="1800" b="1" i="1" dirty="0">
+                <a:solidFill>
+                  <a:srgbClr val="FF0000"/>
+                </a:solidFill>
+              </a:rPr>
+              <a:t>Repository </a:t>
+            </a:r>
+            <a:r>
+              <a:rPr lang="en-US" sz="1800" b="1" i="1" dirty="0" err="1">
+                <a:solidFill>
+                  <a:srgbClr val="FF0000"/>
+                </a:solidFill>
+              </a:rPr>
+              <a:t>namne</a:t>
+            </a:r>
+            <a:r>
+              <a:rPr lang="en-US" sz="1800" b="1" i="1" dirty="0">
+                <a:solidFill>
+                  <a:srgbClr val="FF0000"/>
+                </a:solidFill>
+              </a:rPr>
+              <a:t> should be </a:t>
+            </a:r>
+            <a:r>
+              <a:rPr lang="en-US" b="1" i="1" dirty="0">
+                <a:solidFill>
+                  <a:srgbClr val="FF0000"/>
+                </a:solidFill>
+              </a:rPr>
+              <a:t>[username].</a:t>
+            </a:r>
+            <a:r>
+              <a:rPr lang="en-US" b="1" i="1" dirty="0" err="1">
+                <a:solidFill>
+                  <a:srgbClr val="FF0000"/>
+                </a:solidFill>
+              </a:rPr>
+              <a:t>github.io</a:t>
+            </a:r>
+            <a:endParaRPr lang="en-US" b="1" i="1" dirty="0">
+              <a:solidFill>
+                <a:srgbClr val="FF0000"/>
+              </a:solidFill>
+            </a:endParaRPr>
+          </a:p>
+        </p:txBody>
+      </p:sp>
+    </p:spTree>
+    <p:extLst>
+      <p:ext uri="{BB962C8B-B14F-4D97-AF65-F5344CB8AC3E}">
+        <p14:creationId xmlns:p14="http://schemas.microsoft.com/office/powerpoint/2010/main" val="2998779942"/>
+      </p:ext>
+    </p:extLst>
+  </p:cSld>
+  <p:clrMapOvr>
+    <a:masterClrMapping/>
+  </p:clrMapOvr>
+</p:sld>
+</file>
+
 <file path=ppt/slides/slide7.xml><?xml version="1.0" encoding="utf-8"?>
 <p:sld xmlns:a="http://schemas.openxmlformats.org/drawingml/2006/main" xmlns:r="http://schemas.openxmlformats.org/officeDocument/2006/relationships" xmlns:p="http://schemas.openxmlformats.org/presentationml/2006/main">
   <p:cSld>
@@ -8671,8 +8757,8 @@
         </p:nvSpPr>
         <p:spPr>
           <a:xfrm>
-            <a:off x="548521" y="-88900"/>
-            <a:ext cx="10225120" cy="1320800"/>
+            <a:off x="548520" y="-88900"/>
+            <a:ext cx="11384979" cy="1320800"/>
           </a:xfrm>
           <a:prstGeom prst="rect">
             <a:avLst/>
@@ -8762,7 +8848,7 @@
                 </a:solidFill>
                 <a:latin typeface="Arial Rounded MT Bold" panose="020F0704030504030204" pitchFamily="34" charset="0"/>
               </a:rPr>
-              <a:t>Step 3. Create Git System</a:t>
+              <a:t>Step 4. Create Git System for the project (local)</a:t>
             </a:r>
             <a:endParaRPr lang="en-US" sz="4000" dirty="0">
               <a:solidFill>
@@ -9025,7 +9111,7 @@
                 </a:solidFill>
                 <a:latin typeface="Arial Rounded MT Bold" panose="020F0704030504030204" pitchFamily="34" charset="0"/>
               </a:rPr>
-              <a:t>Step 4. Push Code to Repository</a:t>
+              <a:t>Step 5. Push Code to Repository (local)</a:t>
             </a:r>
             <a:endParaRPr lang="en-US" sz="4000" dirty="0">
               <a:solidFill>
@@ -9105,7 +9191,7 @@
                   <a:srgbClr val="FF0000"/>
                 </a:solidFill>
               </a:rPr>
-              <a:t>git push -u origin main</a:t>
+              <a:t>git push -u origin master</a:t>
             </a:r>
           </a:p>
         </p:txBody>
@@ -9247,7 +9333,7 @@
                 </a:solidFill>
                 <a:latin typeface="Arial Rounded MT Bold" panose="020F0704030504030204" pitchFamily="34" charset="0"/>
               </a:rPr>
-              <a:t>Step 5. Access Website</a:t>
+              <a:t>Step 6. Access Website</a:t>
             </a:r>
             <a:endParaRPr lang="en-US" sz="4000" dirty="0">
               <a:solidFill>
@@ -9892,6 +9978,23 @@
 </file>
 
 <file path=customXml/item1.xml><?xml version="1.0" encoding="utf-8"?>
+<p:properties xmlns:p="http://schemas.microsoft.com/office/2006/metadata/properties" xmlns:xsi="http://www.w3.org/2001/XMLSchema-instance" xmlns:pc="http://schemas.microsoft.com/office/infopath/2007/PartnerControls">
+  <documentManagement>
+    <MediaServiceKeyPoints xmlns="71af3243-3dd4-4a8d-8c0d-dd76da1f02a5" xsi:nil="true"/>
+  </documentManagement>
+</p:properties>
+</file>
+
+<file path=customXml/item2.xml><?xml version="1.0" encoding="utf-8"?>
+<?mso-contentType ?>
+<FormTemplates xmlns="http://schemas.microsoft.com/sharepoint/v3/contenttype/forms">
+  <Display>DocumentLibraryForm</Display>
+  <Edit>DocumentLibraryForm</Edit>
+  <New>DocumentLibraryForm</New>
+</FormTemplates>
+</file>
+
+<file path=customXml/item3.xml><?xml version="1.0" encoding="utf-8"?>
 <ct:contentTypeSchema xmlns:ct="http://schemas.microsoft.com/office/2006/metadata/contentType" xmlns:ma="http://schemas.microsoft.com/office/2006/metadata/properties/metaAttributes" ct:_="" ma:_="" ma:contentTypeName="Document" ma:contentTypeID="0x01010079F111ED35F8CC479449609E8A0923A6" ma:contentTypeVersion="11" ma:contentTypeDescription="Create a new document." ma:contentTypeScope="" ma:versionID="9677210f24a1be23c92c90fd886aa0aa">
   <xsd:schema xmlns:xsd="http://www.w3.org/2001/XMLSchema" xmlns:xs="http://www.w3.org/2001/XMLSchema" xmlns:p="http://schemas.microsoft.com/office/2006/metadata/properties" xmlns:ns2="71af3243-3dd4-4a8d-8c0d-dd76da1f02a5" xmlns:ns3="16c05727-aa75-4e4a-9b5f-8a80a1165891" targetNamespace="http://schemas.microsoft.com/office/2006/metadata/properties" ma:root="true" ma:fieldsID="60e05723c5c1908df1a1a4ebf11d344e" ns2:_="" ns3:_="">
     <xsd:import namespace="71af3243-3dd4-4a8d-8c0d-dd76da1f02a5"/>
@@ -10102,24 +10205,32 @@
 </ct:contentTypeSchema>
 </file>
 
-<file path=customXml/item2.xml><?xml version="1.0" encoding="utf-8"?>
-<?mso-contentType ?>
-<FormTemplates xmlns="http://schemas.microsoft.com/sharepoint/v3/contenttype/forms">
-  <Display>DocumentLibraryForm</Display>
-  <Edit>DocumentLibraryForm</Edit>
-  <New>DocumentLibraryForm</New>
-</FormTemplates>
+<file path=customXml/itemProps1.xml><?xml version="1.0" encoding="utf-8"?>
+<ds:datastoreItem xmlns:ds="http://schemas.openxmlformats.org/officeDocument/2006/customXml" ds:itemID="{CC24F515-356D-4532-BE08-F6D7771916F0}">
+  <ds:schemaRefs>
+    <ds:schemaRef ds:uri="http://purl.org/dc/terms/"/>
+    <ds:schemaRef ds:uri="http://schemas.openxmlformats.org/package/2006/metadata/core-properties"/>
+    <ds:schemaRef ds:uri="16c05727-aa75-4e4a-9b5f-8a80a1165891"/>
+    <ds:schemaRef ds:uri="http://purl.org/dc/dcmitype/"/>
+    <ds:schemaRef ds:uri="http://schemas.microsoft.com/office/infopath/2007/PartnerControls"/>
+    <ds:schemaRef ds:uri="http://schemas.microsoft.com/office/2006/documentManagement/types"/>
+    <ds:schemaRef ds:uri="http://purl.org/dc/elements/1.1/"/>
+    <ds:schemaRef ds:uri="http://schemas.microsoft.com/office/2006/metadata/properties"/>
+    <ds:schemaRef ds:uri="71af3243-3dd4-4a8d-8c0d-dd76da1f02a5"/>
+    <ds:schemaRef ds:uri="http://www.w3.org/XML/1998/namespace"/>
+  </ds:schemaRefs>
+</ds:datastoreItem>
 </file>
 
-<file path=customXml/item3.xml><?xml version="1.0" encoding="utf-8"?>
-<p:properties xmlns:p="http://schemas.microsoft.com/office/2006/metadata/properties" xmlns:xsi="http://www.w3.org/2001/XMLSchema-instance" xmlns:pc="http://schemas.microsoft.com/office/infopath/2007/PartnerControls">
-  <documentManagement>
-    <MediaServiceKeyPoints xmlns="71af3243-3dd4-4a8d-8c0d-dd76da1f02a5" xsi:nil="true"/>
-  </documentManagement>
-</p:properties>
+<file path=customXml/itemProps2.xml><?xml version="1.0" encoding="utf-8"?>
+<ds:datastoreItem xmlns:ds="http://schemas.openxmlformats.org/officeDocument/2006/customXml" ds:itemID="{9AEF1282-A6E9-4912-8AB9-8ED69BF7097D}">
+  <ds:schemaRefs>
+    <ds:schemaRef ds:uri="http://schemas.microsoft.com/sharepoint/v3/contenttype/forms"/>
+  </ds:schemaRefs>
+</ds:datastoreItem>
 </file>
 
-<file path=customXml/itemProps1.xml><?xml version="1.0" encoding="utf-8"?>
+<file path=customXml/itemProps3.xml><?xml version="1.0" encoding="utf-8"?>
 <ds:datastoreItem xmlns:ds="http://schemas.openxmlformats.org/officeDocument/2006/customXml" ds:itemID="{83E04B51-1D33-4F14-BBD7-79D7D27E2EE4}">
   <ds:schemaRefs>
     <ds:schemaRef ds:uri="http://schemas.microsoft.com/office/2006/metadata/contentType"/>
@@ -10136,29 +10247,4 @@
     <ds:schemaRef ds:uri="http://schemas.microsoft.com/internal/obd"/>
   </ds:schemaRefs>
 </ds:datastoreItem>
-</file>
-
-<file path=customXml/itemProps2.xml><?xml version="1.0" encoding="utf-8"?>
-<ds:datastoreItem xmlns:ds="http://schemas.openxmlformats.org/officeDocument/2006/customXml" ds:itemID="{9AEF1282-A6E9-4912-8AB9-8ED69BF7097D}">
-  <ds:schemaRefs>
-    <ds:schemaRef ds:uri="http://schemas.microsoft.com/sharepoint/v3/contenttype/forms"/>
-  </ds:schemaRefs>
-</ds:datastoreItem>
-</file>
-
-<file path=customXml/itemProps3.xml><?xml version="1.0" encoding="utf-8"?>
-<ds:datastoreItem xmlns:ds="http://schemas.openxmlformats.org/officeDocument/2006/customXml" ds:itemID="{CC24F515-356D-4532-BE08-F6D7771916F0}">
-  <ds:schemaRefs>
-    <ds:schemaRef ds:uri="http://purl.org/dc/terms/"/>
-    <ds:schemaRef ds:uri="http://schemas.openxmlformats.org/package/2006/metadata/core-properties"/>
-    <ds:schemaRef ds:uri="16c05727-aa75-4e4a-9b5f-8a80a1165891"/>
-    <ds:schemaRef ds:uri="http://purl.org/dc/dcmitype/"/>
-    <ds:schemaRef ds:uri="http://schemas.microsoft.com/office/infopath/2007/PartnerControls"/>
-    <ds:schemaRef ds:uri="http://schemas.microsoft.com/office/2006/documentManagement/types"/>
-    <ds:schemaRef ds:uri="http://purl.org/dc/elements/1.1/"/>
-    <ds:schemaRef ds:uri="http://schemas.microsoft.com/office/2006/metadata/properties"/>
-    <ds:schemaRef ds:uri="71af3243-3dd4-4a8d-8c0d-dd76da1f02a5"/>
-    <ds:schemaRef ds:uri="http://www.w3.org/XML/1998/namespace"/>
-  </ds:schemaRefs>
-</ds:datastoreItem>
 </file>
--- a/Volunteer/Programming/HTML_8.pptx
+++ b/Volunteer/Programming/HTML_8.pptx
@@ -5,19 +5,20 @@
     <p:sldMasterId id="2147483648" r:id="rId4"/>
   </p:sldMasterIdLst>
   <p:notesMasterIdLst>
-    <p:notesMasterId r:id="rId15"/>
+    <p:notesMasterId r:id="rId16"/>
   </p:notesMasterIdLst>
   <p:sldIdLst>
     <p:sldId id="258" r:id="rId5"/>
     <p:sldId id="267" r:id="rId6"/>
-    <p:sldId id="274" r:id="rId7"/>
+    <p:sldId id="283" r:id="rId7"/>
     <p:sldId id="276" r:id="rId8"/>
     <p:sldId id="280" r:id="rId9"/>
-    <p:sldId id="279" r:id="rId10"/>
-    <p:sldId id="277" r:id="rId11"/>
-    <p:sldId id="278" r:id="rId12"/>
-    <p:sldId id="281" r:id="rId13"/>
-    <p:sldId id="282" r:id="rId14"/>
+    <p:sldId id="274" r:id="rId10"/>
+    <p:sldId id="279" r:id="rId11"/>
+    <p:sldId id="277" r:id="rId12"/>
+    <p:sldId id="278" r:id="rId13"/>
+    <p:sldId id="281" r:id="rId14"/>
+    <p:sldId id="282" r:id="rId15"/>
   </p:sldIdLst>
   <p:sldSz cx="12192000" cy="6858000"/>
   <p:notesSz cx="6858000" cy="9144000"/>
@@ -206,7 +207,7 @@
           <a:p>
             <a:fld id="{3AD818D7-DF4E-4C59-9BBA-548250DAC33A}" type="datetimeFigureOut">
               <a:rPr lang="en-US" smtClean="0"/>
-              <a:t>11/6/21</a:t>
+              <a:t>11/13/21</a:t>
             </a:fld>
             <a:endParaRPr lang="en-US" dirty="0"/>
           </a:p>
@@ -1195,7 +1196,7 @@
           <a:p>
             <a:fld id="{3E149229-E3F7-4B08-B8B0-567DB9AE2DBD}" type="datetime1">
               <a:rPr lang="en-US" smtClean="0"/>
-              <a:t>11/6/21</a:t>
+              <a:t>11/13/21</a:t>
             </a:fld>
             <a:endParaRPr lang="en-US" dirty="0"/>
           </a:p>
@@ -1442,7 +1443,7 @@
           <a:p>
             <a:fld id="{215760AF-08CF-488B-8265-5F1D88C1C64E}" type="datetime1">
               <a:rPr lang="en-US" smtClean="0"/>
-              <a:t>11/6/21</a:t>
+              <a:t>11/13/21</a:t>
             </a:fld>
             <a:endParaRPr lang="en-US" dirty="0"/>
           </a:p>
@@ -1752,7 +1753,7 @@
           <a:p>
             <a:fld id="{9FD41802-9AAA-4EB8-B737-B207AD0C712F}" type="datetime1">
               <a:rPr lang="en-US" smtClean="0"/>
-              <a:t>11/6/21</a:t>
+              <a:t>11/13/21</a:t>
             </a:fld>
             <a:endParaRPr lang="en-US" dirty="0"/>
           </a:p>
@@ -2089,7 +2090,7 @@
           <a:p>
             <a:fld id="{E8B27BB6-0FDA-4EDD-A5D1-79FFF12955B7}" type="datetime1">
               <a:rPr lang="en-US" smtClean="0"/>
-              <a:t>11/6/21</a:t>
+              <a:t>11/13/21</a:t>
             </a:fld>
             <a:endParaRPr lang="en-US" dirty="0"/>
           </a:p>
@@ -2399,7 +2400,7 @@
           <a:p>
             <a:fld id="{62CB08FB-4F0B-44DE-8994-0595D6ECCDCE}" type="datetime1">
               <a:rPr lang="en-US" smtClean="0"/>
-              <a:t>11/6/21</a:t>
+              <a:t>11/13/21</a:t>
             </a:fld>
             <a:endParaRPr lang="en-US" dirty="0"/>
           </a:p>
@@ -2788,7 +2789,7 @@
           <a:p>
             <a:fld id="{D29AB015-62A3-4A29-BC49-965FA4BE59CA}" type="datetime1">
               <a:rPr lang="en-US" smtClean="0"/>
-              <a:t>11/6/21</a:t>
+              <a:t>11/13/21</a:t>
             </a:fld>
             <a:endParaRPr lang="en-US" dirty="0"/>
           </a:p>
@@ -2954,7 +2955,7 @@
           <a:p>
             <a:fld id="{8BA46181-5447-4050-89D3-AA326DE4DA13}" type="datetime1">
               <a:rPr lang="en-US" smtClean="0"/>
-              <a:t>11/6/21</a:t>
+              <a:t>11/13/21</a:t>
             </a:fld>
             <a:endParaRPr lang="en-US" dirty="0"/>
           </a:p>
@@ -3129,7 +3130,7 @@
           <a:p>
             <a:fld id="{FF450F08-CAEB-42BA-9362-548763B98147}" type="datetime1">
               <a:rPr lang="en-US" smtClean="0"/>
-              <a:t>11/6/21</a:t>
+              <a:t>11/13/21</a:t>
             </a:fld>
             <a:endParaRPr lang="en-US" dirty="0"/>
           </a:p>
@@ -3301,7 +3302,7 @@
           <a:p>
             <a:fld id="{2D6026DC-D31F-40BA-B49D-47D87B9BA087}" type="datetime1">
               <a:rPr lang="en-US" smtClean="0"/>
-              <a:t>11/6/21</a:t>
+              <a:t>11/13/21</a:t>
             </a:fld>
             <a:endParaRPr lang="en-US" dirty="0"/>
           </a:p>
@@ -3544,7 +3545,7 @@
           <a:p>
             <a:fld id="{0E2464DF-92FB-4D4C-B2DE-15BC5F46772E}" type="datetime1">
               <a:rPr lang="en-US" smtClean="0"/>
-              <a:t>11/6/21</a:t>
+              <a:t>11/13/21</a:t>
             </a:fld>
             <a:endParaRPr lang="en-US" dirty="0"/>
           </a:p>
@@ -3772,7 +3773,7 @@
           <a:p>
             <a:fld id="{127F1A99-F4C1-4E12-B7D3-A88A44F4EB10}" type="datetime1">
               <a:rPr lang="en-US" smtClean="0"/>
-              <a:t>11/6/21</a:t>
+              <a:t>11/13/21</a:t>
             </a:fld>
             <a:endParaRPr lang="en-US" dirty="0"/>
           </a:p>
@@ -4141,7 +4142,7 @@
           <a:p>
             <a:fld id="{0F2E7458-324C-48F7-80F5-74B19E1CAFEB}" type="datetime1">
               <a:rPr lang="en-US" smtClean="0"/>
-              <a:t>11/6/21</a:t>
+              <a:t>11/13/21</a:t>
             </a:fld>
             <a:endParaRPr lang="en-US" dirty="0"/>
           </a:p>
@@ -4260,7 +4261,7 @@
           <a:p>
             <a:fld id="{B60B054C-5E05-4896-867A-8DB56A20C8AC}" type="datetime1">
               <a:rPr lang="en-US" smtClean="0"/>
-              <a:t>11/6/21</a:t>
+              <a:t>11/13/21</a:t>
             </a:fld>
             <a:endParaRPr lang="en-US" dirty="0"/>
           </a:p>
@@ -4351,7 +4352,7 @@
           <a:p>
             <a:fld id="{A694B787-46DA-4B4F-B781-E768630FCF2A}" type="datetime1">
               <a:rPr lang="en-US" smtClean="0"/>
-              <a:t>11/6/21</a:t>
+              <a:t>11/13/21</a:t>
             </a:fld>
             <a:endParaRPr lang="en-US" dirty="0"/>
           </a:p>
@@ -4602,7 +4603,7 @@
           <a:p>
             <a:fld id="{AFE38CE2-82D3-4BA2-B844-E7281181CD7A}" type="datetime1">
               <a:rPr lang="en-US" smtClean="0"/>
-              <a:t>11/6/21</a:t>
+              <a:t>11/13/21</a:t>
             </a:fld>
             <a:endParaRPr lang="en-US" dirty="0"/>
           </a:p>
@@ -4860,7 +4861,7 @@
           <a:p>
             <a:fld id="{A60FF511-91B4-4318-A9F6-BECE1367AD14}" type="datetime1">
               <a:rPr lang="en-US" smtClean="0"/>
-              <a:t>11/6/21</a:t>
+              <a:t>11/13/21</a:t>
             </a:fld>
             <a:endParaRPr lang="en-US" dirty="0"/>
           </a:p>
@@ -5599,7 +5600,7 @@
           <a:p>
             <a:fld id="{1AA39CD9-90D5-49BD-B792-F7F07D136C39}" type="datetime1">
               <a:rPr lang="en-US" smtClean="0"/>
-              <a:t>11/6/21</a:t>
+              <a:t>11/13/21</a:t>
             </a:fld>
             <a:endParaRPr lang="en-US" dirty="0"/>
           </a:p>
@@ -7025,6 +7026,222 @@
                 </a:solidFill>
                 <a:latin typeface="Arial Rounded MT Bold" panose="020F0704030504030204" pitchFamily="34" charset="0"/>
               </a:rPr>
+              <a:t>Step 6. Access Website</a:t>
+            </a:r>
+            <a:endParaRPr lang="en-US" sz="4000" dirty="0">
+              <a:solidFill>
+                <a:srgbClr val="00B0F0"/>
+              </a:solidFill>
+              <a:latin typeface="Arial Rounded MT Bold" panose="020F0704030504030204" pitchFamily="34" charset="0"/>
+            </a:endParaRPr>
+          </a:p>
+        </p:txBody>
+      </p:sp>
+      <p:sp>
+        <p:nvSpPr>
+          <p:cNvPr id="5" name="TextBox 4">
+            <a:extLst>
+              <a:ext uri="{FF2B5EF4-FFF2-40B4-BE49-F238E27FC236}">
+                <a16:creationId xmlns:a16="http://schemas.microsoft.com/office/drawing/2014/main" id="{598C24F7-2348-6845-9060-5A46797F131C}"/>
+              </a:ext>
+            </a:extLst>
+          </p:cNvPr>
+          <p:cNvSpPr txBox="1"/>
+          <p:nvPr/>
+        </p:nvSpPr>
+        <p:spPr>
+          <a:xfrm>
+            <a:off x="1939290" y="1723013"/>
+            <a:ext cx="9643110" cy="1200329"/>
+          </a:xfrm>
+          <a:prstGeom prst="rect">
+            <a:avLst/>
+          </a:prstGeom>
+          <a:noFill/>
+        </p:spPr>
+        <p:txBody>
+          <a:bodyPr wrap="square">
+            <a:spAutoFit/>
+          </a:bodyPr>
+          <a:lstStyle/>
+          <a:p>
+            <a:r>
+              <a:rPr lang="en-US" sz="2400" dirty="0"/>
+              <a:t># Access the website</a:t>
+            </a:r>
+          </a:p>
+          <a:p>
+            <a:r>
+              <a:rPr lang="en-US" sz="2400" b="1" dirty="0">
+                <a:solidFill>
+                  <a:srgbClr val="FF0000"/>
+                </a:solidFill>
+              </a:rPr>
+              <a:t>https://[user-name].</a:t>
+            </a:r>
+            <a:r>
+              <a:rPr lang="en-US" sz="2400" b="1" dirty="0" err="1">
+                <a:solidFill>
+                  <a:srgbClr val="FF0000"/>
+                </a:solidFill>
+              </a:rPr>
+              <a:t>github.io</a:t>
+            </a:r>
+            <a:r>
+              <a:rPr lang="en-US" sz="2400" b="1" dirty="0">
+                <a:solidFill>
+                  <a:srgbClr val="FF0000"/>
+                </a:solidFill>
+              </a:rPr>
+              <a:t>/</a:t>
+            </a:r>
+          </a:p>
+          <a:p>
+            <a:endParaRPr lang="en-US" sz="2400" b="1" dirty="0">
+              <a:solidFill>
+                <a:srgbClr val="FF0000"/>
+              </a:solidFill>
+            </a:endParaRPr>
+          </a:p>
+        </p:txBody>
+      </p:sp>
+    </p:spTree>
+    <p:extLst>
+      <p:ext uri="{BB962C8B-B14F-4D97-AF65-F5344CB8AC3E}">
+        <p14:creationId xmlns:p14="http://schemas.microsoft.com/office/powerpoint/2010/main" val="3099771163"/>
+      </p:ext>
+    </p:extLst>
+  </p:cSld>
+  <p:clrMapOvr>
+    <a:masterClrMapping/>
+  </p:clrMapOvr>
+</p:sld>
+</file>
+
+<file path=ppt/slides/slide11.xml><?xml version="1.0" encoding="utf-8"?>
+<p:sld xmlns:a="http://schemas.openxmlformats.org/drawingml/2006/main" xmlns:r="http://schemas.openxmlformats.org/officeDocument/2006/relationships" xmlns:p="http://schemas.openxmlformats.org/presentationml/2006/main">
+  <p:cSld>
+    <p:spTree>
+      <p:nvGrpSpPr>
+        <p:cNvPr id="1" name=""/>
+        <p:cNvGrpSpPr/>
+        <p:nvPr/>
+      </p:nvGrpSpPr>
+      <p:grpSpPr>
+        <a:xfrm>
+          <a:off x="0" y="0"/>
+          <a:ext cx="0" cy="0"/>
+          <a:chOff x="0" y="0"/>
+          <a:chExt cx="0" cy="0"/>
+        </a:xfrm>
+      </p:grpSpPr>
+      <p:sp>
+        <p:nvSpPr>
+          <p:cNvPr id="17" name="Title 1">
+            <a:extLst>
+              <a:ext uri="{FF2B5EF4-FFF2-40B4-BE49-F238E27FC236}">
+                <a16:creationId xmlns:a16="http://schemas.microsoft.com/office/drawing/2014/main" id="{B1D22E43-8256-41A9-941A-1DE5CC11C65B}"/>
+              </a:ext>
+            </a:extLst>
+          </p:cNvPr>
+          <p:cNvSpPr txBox="1">
+            <a:spLocks/>
+          </p:cNvSpPr>
+          <p:nvPr/>
+        </p:nvSpPr>
+        <p:spPr>
+          <a:xfrm>
+            <a:off x="548521" y="-88900"/>
+            <a:ext cx="10225120" cy="1320800"/>
+          </a:xfrm>
+          <a:prstGeom prst="rect">
+            <a:avLst/>
+          </a:prstGeom>
+        </p:spPr>
+        <p:txBody>
+          <a:bodyPr vert="horz" lIns="91440" tIns="45720" rIns="91440" bIns="45720" rtlCol="0" anchor="ctr">
+            <a:normAutofit fontScale="97500"/>
+          </a:bodyPr>
+          <a:lstStyle>
+            <a:lvl1pPr algn="l" defTabSz="457200" rtl="0" eaLnBrk="1" latinLnBrk="0" hangingPunct="1">
+              <a:spcBef>
+                <a:spcPct val="0"/>
+              </a:spcBef>
+              <a:buNone/>
+              <a:defRPr sz="3600" kern="1200">
+                <a:solidFill>
+                  <a:schemeClr val="accent1"/>
+                </a:solidFill>
+                <a:latin typeface="+mj-lt"/>
+                <a:ea typeface="+mj-ea"/>
+                <a:cs typeface="+mj-cs"/>
+              </a:defRPr>
+            </a:lvl1pPr>
+            <a:lvl2pPr eaLnBrk="1" hangingPunct="1">
+              <a:defRPr>
+                <a:solidFill>
+                  <a:schemeClr val="tx2"/>
+                </a:solidFill>
+              </a:defRPr>
+            </a:lvl2pPr>
+            <a:lvl3pPr eaLnBrk="1" hangingPunct="1">
+              <a:defRPr>
+                <a:solidFill>
+                  <a:schemeClr val="tx2"/>
+                </a:solidFill>
+              </a:defRPr>
+            </a:lvl3pPr>
+            <a:lvl4pPr eaLnBrk="1" hangingPunct="1">
+              <a:defRPr>
+                <a:solidFill>
+                  <a:schemeClr val="tx2"/>
+                </a:solidFill>
+              </a:defRPr>
+            </a:lvl4pPr>
+            <a:lvl5pPr eaLnBrk="1" hangingPunct="1">
+              <a:defRPr>
+                <a:solidFill>
+                  <a:schemeClr val="tx2"/>
+                </a:solidFill>
+              </a:defRPr>
+            </a:lvl5pPr>
+            <a:lvl6pPr eaLnBrk="1" hangingPunct="1">
+              <a:defRPr>
+                <a:solidFill>
+                  <a:schemeClr val="tx2"/>
+                </a:solidFill>
+              </a:defRPr>
+            </a:lvl6pPr>
+            <a:lvl7pPr eaLnBrk="1" hangingPunct="1">
+              <a:defRPr>
+                <a:solidFill>
+                  <a:schemeClr val="tx2"/>
+                </a:solidFill>
+              </a:defRPr>
+            </a:lvl7pPr>
+            <a:lvl8pPr eaLnBrk="1" hangingPunct="1">
+              <a:defRPr>
+                <a:solidFill>
+                  <a:schemeClr val="tx2"/>
+                </a:solidFill>
+              </a:defRPr>
+            </a:lvl8pPr>
+            <a:lvl9pPr eaLnBrk="1" hangingPunct="1">
+              <a:defRPr>
+                <a:solidFill>
+                  <a:schemeClr val="tx2"/>
+                </a:solidFill>
+              </a:defRPr>
+            </a:lvl9pPr>
+          </a:lstStyle>
+          <a:p>
+            <a:r>
+              <a:rPr lang="en-US" altLang="zh-CN" sz="4000" dirty="0">
+                <a:solidFill>
+                  <a:srgbClr val="00B0F0"/>
+                </a:solidFill>
+                <a:latin typeface="Arial Rounded MT Bold" panose="020F0704030504030204" pitchFamily="34" charset="0"/>
+              </a:rPr>
               <a:t>Update Website</a:t>
             </a:r>
             <a:endParaRPr lang="en-US" sz="4000" dirty="0">
@@ -7452,6 +7669,2018 @@
 </file>
 
 <file path=ppt/slides/slide3.xml><?xml version="1.0" encoding="utf-8"?>
+<p:sld xmlns:a="http://schemas.openxmlformats.org/drawingml/2006/main" xmlns:r="http://schemas.openxmlformats.org/officeDocument/2006/relationships" xmlns:p="http://schemas.openxmlformats.org/presentationml/2006/main">
+  <p:cSld>
+    <p:spTree>
+      <p:nvGrpSpPr>
+        <p:cNvPr id="1" name=""/>
+        <p:cNvGrpSpPr/>
+        <p:nvPr/>
+      </p:nvGrpSpPr>
+      <p:grpSpPr>
+        <a:xfrm>
+          <a:off x="0" y="0"/>
+          <a:ext cx="0" cy="0"/>
+          <a:chOff x="0" y="0"/>
+          <a:chExt cx="0" cy="0"/>
+        </a:xfrm>
+      </p:grpSpPr>
+      <p:sp>
+        <p:nvSpPr>
+          <p:cNvPr id="17" name="Title 1">
+            <a:extLst>
+              <a:ext uri="{FF2B5EF4-FFF2-40B4-BE49-F238E27FC236}">
+                <a16:creationId xmlns:a16="http://schemas.microsoft.com/office/drawing/2014/main" id="{B1D22E43-8256-41A9-941A-1DE5CC11C65B}"/>
+              </a:ext>
+            </a:extLst>
+          </p:cNvPr>
+          <p:cNvSpPr txBox="1">
+            <a:spLocks/>
+          </p:cNvSpPr>
+          <p:nvPr/>
+        </p:nvSpPr>
+        <p:spPr>
+          <a:xfrm>
+            <a:off x="548521" y="-88900"/>
+            <a:ext cx="10225120" cy="1320800"/>
+          </a:xfrm>
+          <a:prstGeom prst="rect">
+            <a:avLst/>
+          </a:prstGeom>
+        </p:spPr>
+        <p:txBody>
+          <a:bodyPr vert="horz" lIns="91440" tIns="45720" rIns="91440" bIns="45720" rtlCol="0" anchor="ctr">
+            <a:normAutofit fontScale="97500"/>
+          </a:bodyPr>
+          <a:lstStyle>
+            <a:lvl1pPr algn="l" defTabSz="457200" rtl="0" eaLnBrk="1" latinLnBrk="0" hangingPunct="1">
+              <a:spcBef>
+                <a:spcPct val="0"/>
+              </a:spcBef>
+              <a:buNone/>
+              <a:defRPr sz="3600" kern="1200">
+                <a:solidFill>
+                  <a:schemeClr val="accent1"/>
+                </a:solidFill>
+                <a:latin typeface="+mj-lt"/>
+                <a:ea typeface="+mj-ea"/>
+                <a:cs typeface="+mj-cs"/>
+              </a:defRPr>
+            </a:lvl1pPr>
+            <a:lvl2pPr eaLnBrk="1" hangingPunct="1">
+              <a:defRPr>
+                <a:solidFill>
+                  <a:schemeClr val="tx2"/>
+                </a:solidFill>
+              </a:defRPr>
+            </a:lvl2pPr>
+            <a:lvl3pPr eaLnBrk="1" hangingPunct="1">
+              <a:defRPr>
+                <a:solidFill>
+                  <a:schemeClr val="tx2"/>
+                </a:solidFill>
+              </a:defRPr>
+            </a:lvl3pPr>
+            <a:lvl4pPr eaLnBrk="1" hangingPunct="1">
+              <a:defRPr>
+                <a:solidFill>
+                  <a:schemeClr val="tx2"/>
+                </a:solidFill>
+              </a:defRPr>
+            </a:lvl4pPr>
+            <a:lvl5pPr eaLnBrk="1" hangingPunct="1">
+              <a:defRPr>
+                <a:solidFill>
+                  <a:schemeClr val="tx2"/>
+                </a:solidFill>
+              </a:defRPr>
+            </a:lvl5pPr>
+            <a:lvl6pPr eaLnBrk="1" hangingPunct="1">
+              <a:defRPr>
+                <a:solidFill>
+                  <a:schemeClr val="tx2"/>
+                </a:solidFill>
+              </a:defRPr>
+            </a:lvl6pPr>
+            <a:lvl7pPr eaLnBrk="1" hangingPunct="1">
+              <a:defRPr>
+                <a:solidFill>
+                  <a:schemeClr val="tx2"/>
+                </a:solidFill>
+              </a:defRPr>
+            </a:lvl7pPr>
+            <a:lvl8pPr eaLnBrk="1" hangingPunct="1">
+              <a:defRPr>
+                <a:solidFill>
+                  <a:schemeClr val="tx2"/>
+                </a:solidFill>
+              </a:defRPr>
+            </a:lvl8pPr>
+            <a:lvl9pPr eaLnBrk="1" hangingPunct="1">
+              <a:defRPr>
+                <a:solidFill>
+                  <a:schemeClr val="tx2"/>
+                </a:solidFill>
+              </a:defRPr>
+            </a:lvl9pPr>
+          </a:lstStyle>
+          <a:p>
+            <a:r>
+              <a:rPr lang="en-US" altLang="zh-CN" sz="4000" dirty="0">
+                <a:solidFill>
+                  <a:srgbClr val="00B0F0"/>
+                </a:solidFill>
+                <a:latin typeface="Arial Rounded MT Bold" panose="020F0704030504030204" pitchFamily="34" charset="0"/>
+              </a:rPr>
+              <a:t>Steps</a:t>
+            </a:r>
+            <a:endParaRPr lang="en-US" sz="4000" dirty="0">
+              <a:solidFill>
+                <a:srgbClr val="00B0F0"/>
+              </a:solidFill>
+              <a:latin typeface="Arial Rounded MT Bold" panose="020F0704030504030204" pitchFamily="34" charset="0"/>
+            </a:endParaRPr>
+          </a:p>
+        </p:txBody>
+      </p:sp>
+      <p:sp>
+        <p:nvSpPr>
+          <p:cNvPr id="2" name="Rounded Rectangle 1">
+            <a:extLst>
+              <a:ext uri="{FF2B5EF4-FFF2-40B4-BE49-F238E27FC236}">
+                <a16:creationId xmlns:a16="http://schemas.microsoft.com/office/drawing/2014/main" id="{677E6358-FA2C-C74A-A5B6-57D7CA024209}"/>
+              </a:ext>
+            </a:extLst>
+          </p:cNvPr>
+          <p:cNvSpPr/>
+          <p:nvPr/>
+        </p:nvSpPr>
+        <p:spPr>
+          <a:xfrm>
+            <a:off x="5396627" y="2971660"/>
+            <a:ext cx="2189873" cy="856526"/>
+          </a:xfrm>
+          <a:prstGeom prst="roundRect">
+            <a:avLst/>
+          </a:prstGeom>
+        </p:spPr>
+        <p:style>
+          <a:lnRef idx="2">
+            <a:schemeClr val="accent1">
+              <a:shade val="50000"/>
+            </a:schemeClr>
+          </a:lnRef>
+          <a:fillRef idx="1">
+            <a:schemeClr val="accent1"/>
+          </a:fillRef>
+          <a:effectRef idx="0">
+            <a:schemeClr val="accent1"/>
+          </a:effectRef>
+          <a:fontRef idx="minor">
+            <a:schemeClr val="lt1"/>
+          </a:fontRef>
+        </p:style>
+        <p:txBody>
+          <a:bodyPr rtlCol="0" anchor="ctr"/>
+          <a:lstStyle/>
+          <a:p>
+            <a:pPr algn="ctr"/>
+            <a:r>
+              <a:rPr lang="en-US" dirty="0"/>
+              <a:t>Create a repository</a:t>
+            </a:r>
+          </a:p>
+        </p:txBody>
+      </p:sp>
+      <p:sp>
+        <p:nvSpPr>
+          <p:cNvPr id="3" name="TextBox 2">
+            <a:extLst>
+              <a:ext uri="{FF2B5EF4-FFF2-40B4-BE49-F238E27FC236}">
+                <a16:creationId xmlns:a16="http://schemas.microsoft.com/office/drawing/2014/main" id="{4AEDB7B6-CC76-D34F-B950-6EBDDAFA4DE9}"/>
+              </a:ext>
+            </a:extLst>
+          </p:cNvPr>
+          <p:cNvSpPr txBox="1"/>
+          <p:nvPr/>
+        </p:nvSpPr>
+        <p:spPr>
+          <a:xfrm>
+            <a:off x="6102882" y="3864197"/>
+            <a:ext cx="1128078" cy="369332"/>
+          </a:xfrm>
+          <a:prstGeom prst="rect">
+            <a:avLst/>
+          </a:prstGeom>
+          <a:noFill/>
+        </p:spPr>
+        <p:txBody>
+          <a:bodyPr wrap="square" rtlCol="0">
+            <a:spAutoFit/>
+          </a:bodyPr>
+          <a:lstStyle/>
+          <a:p>
+            <a:r>
+              <a:rPr lang="en-US" b="1" dirty="0" err="1"/>
+              <a:t>Github</a:t>
+            </a:r>
+            <a:endParaRPr lang="en-US" b="1" dirty="0"/>
+          </a:p>
+        </p:txBody>
+      </p:sp>
+      <p:sp>
+        <p:nvSpPr>
+          <p:cNvPr id="9" name="Rounded Rectangle 8">
+            <a:extLst>
+              <a:ext uri="{FF2B5EF4-FFF2-40B4-BE49-F238E27FC236}">
+                <a16:creationId xmlns:a16="http://schemas.microsoft.com/office/drawing/2014/main" id="{3BDA3721-6478-AC4A-9625-540007A3F339}"/>
+              </a:ext>
+            </a:extLst>
+          </p:cNvPr>
+          <p:cNvSpPr/>
+          <p:nvPr/>
+        </p:nvSpPr>
+        <p:spPr>
+          <a:xfrm>
+            <a:off x="2732722" y="1262380"/>
+            <a:ext cx="1894497" cy="856526"/>
+          </a:xfrm>
+          <a:prstGeom prst="roundRect">
+            <a:avLst/>
+          </a:prstGeom>
+        </p:spPr>
+        <p:style>
+          <a:lnRef idx="2">
+            <a:schemeClr val="accent1">
+              <a:shade val="50000"/>
+            </a:schemeClr>
+          </a:lnRef>
+          <a:fillRef idx="1">
+            <a:schemeClr val="accent1"/>
+          </a:fillRef>
+          <a:effectRef idx="0">
+            <a:schemeClr val="accent1"/>
+          </a:effectRef>
+          <a:fontRef idx="minor">
+            <a:schemeClr val="lt1"/>
+          </a:fontRef>
+        </p:style>
+        <p:txBody>
+          <a:bodyPr rtlCol="0" anchor="ctr"/>
+          <a:lstStyle/>
+          <a:p>
+            <a:pPr algn="ctr"/>
+            <a:r>
+              <a:rPr lang="en-US" dirty="0"/>
+              <a:t>Create </a:t>
+            </a:r>
+            <a:r>
+              <a:rPr lang="en-US" dirty="0" err="1"/>
+              <a:t>ssh</a:t>
+            </a:r>
+            <a:r>
+              <a:rPr lang="en-US" dirty="0"/>
+              <a:t> keys</a:t>
+            </a:r>
+          </a:p>
+        </p:txBody>
+      </p:sp>
+      <p:sp>
+        <p:nvSpPr>
+          <p:cNvPr id="11" name="TextBox 10">
+            <a:extLst>
+              <a:ext uri="{FF2B5EF4-FFF2-40B4-BE49-F238E27FC236}">
+                <a16:creationId xmlns:a16="http://schemas.microsoft.com/office/drawing/2014/main" id="{8307B997-6500-6242-98D7-91BBE122A93F}"/>
+              </a:ext>
+            </a:extLst>
+          </p:cNvPr>
+          <p:cNvSpPr txBox="1"/>
+          <p:nvPr/>
+        </p:nvSpPr>
+        <p:spPr>
+          <a:xfrm>
+            <a:off x="2967606" y="2232221"/>
+            <a:ext cx="752129" cy="369332"/>
+          </a:xfrm>
+          <a:prstGeom prst="rect">
+            <a:avLst/>
+          </a:prstGeom>
+          <a:noFill/>
+        </p:spPr>
+        <p:txBody>
+          <a:bodyPr wrap="none" rtlCol="0">
+            <a:spAutoFit/>
+          </a:bodyPr>
+          <a:lstStyle/>
+          <a:p>
+            <a:r>
+              <a:rPr lang="en-US" b="1" dirty="0"/>
+              <a:t>Local</a:t>
+            </a:r>
+          </a:p>
+        </p:txBody>
+      </p:sp>
+      <p:sp>
+        <p:nvSpPr>
+          <p:cNvPr id="12" name="Rounded Rectangle 11">
+            <a:extLst>
+              <a:ext uri="{FF2B5EF4-FFF2-40B4-BE49-F238E27FC236}">
+                <a16:creationId xmlns:a16="http://schemas.microsoft.com/office/drawing/2014/main" id="{AF2A4FEA-41E6-BB46-A73B-D85589D2243B}"/>
+              </a:ext>
+            </a:extLst>
+          </p:cNvPr>
+          <p:cNvSpPr/>
+          <p:nvPr/>
+        </p:nvSpPr>
+        <p:spPr>
+          <a:xfrm>
+            <a:off x="5396628" y="1262380"/>
+            <a:ext cx="2189873" cy="856526"/>
+          </a:xfrm>
+          <a:prstGeom prst="roundRect">
+            <a:avLst/>
+          </a:prstGeom>
+        </p:spPr>
+        <p:style>
+          <a:lnRef idx="2">
+            <a:schemeClr val="accent1">
+              <a:shade val="50000"/>
+            </a:schemeClr>
+          </a:lnRef>
+          <a:fillRef idx="1">
+            <a:schemeClr val="accent1"/>
+          </a:fillRef>
+          <a:effectRef idx="0">
+            <a:schemeClr val="accent1"/>
+          </a:effectRef>
+          <a:fontRef idx="minor">
+            <a:schemeClr val="lt1"/>
+          </a:fontRef>
+        </p:style>
+        <p:txBody>
+          <a:bodyPr rtlCol="0" anchor="ctr"/>
+          <a:lstStyle/>
+          <a:p>
+            <a:pPr algn="ctr"/>
+            <a:r>
+              <a:rPr lang="en-US" dirty="0"/>
+              <a:t>Add public key to </a:t>
+            </a:r>
+            <a:r>
+              <a:rPr lang="en-US" dirty="0" err="1"/>
+              <a:t>Github</a:t>
+            </a:r>
+            <a:endParaRPr lang="en-US" dirty="0"/>
+          </a:p>
+        </p:txBody>
+      </p:sp>
+      <p:sp>
+        <p:nvSpPr>
+          <p:cNvPr id="14" name="TextBox 13">
+            <a:extLst>
+              <a:ext uri="{FF2B5EF4-FFF2-40B4-BE49-F238E27FC236}">
+                <a16:creationId xmlns:a16="http://schemas.microsoft.com/office/drawing/2014/main" id="{CA96F61F-AA2A-B345-85BA-9FD4D2A7FB49}"/>
+              </a:ext>
+            </a:extLst>
+          </p:cNvPr>
+          <p:cNvSpPr txBox="1"/>
+          <p:nvPr/>
+        </p:nvSpPr>
+        <p:spPr>
+          <a:xfrm>
+            <a:off x="6037753" y="2213848"/>
+            <a:ext cx="907621" cy="369332"/>
+          </a:xfrm>
+          <a:prstGeom prst="rect">
+            <a:avLst/>
+          </a:prstGeom>
+          <a:noFill/>
+        </p:spPr>
+        <p:txBody>
+          <a:bodyPr wrap="none" rtlCol="0">
+            <a:spAutoFit/>
+          </a:bodyPr>
+          <a:lstStyle/>
+          <a:p>
+            <a:r>
+              <a:rPr lang="en-US" b="1" dirty="0" err="1"/>
+              <a:t>Github</a:t>
+            </a:r>
+            <a:endParaRPr lang="en-US" b="1" dirty="0"/>
+          </a:p>
+        </p:txBody>
+      </p:sp>
+      <p:sp>
+        <p:nvSpPr>
+          <p:cNvPr id="15" name="Rounded Rectangle 14">
+            <a:extLst>
+              <a:ext uri="{FF2B5EF4-FFF2-40B4-BE49-F238E27FC236}">
+                <a16:creationId xmlns:a16="http://schemas.microsoft.com/office/drawing/2014/main" id="{24F49C6E-F6B8-3549-918F-7EFBA4111335}"/>
+              </a:ext>
+            </a:extLst>
+          </p:cNvPr>
+          <p:cNvSpPr/>
+          <p:nvPr/>
+        </p:nvSpPr>
+        <p:spPr>
+          <a:xfrm>
+            <a:off x="8494122" y="1262380"/>
+            <a:ext cx="2149220" cy="856526"/>
+          </a:xfrm>
+          <a:prstGeom prst="roundRect">
+            <a:avLst/>
+          </a:prstGeom>
+        </p:spPr>
+        <p:style>
+          <a:lnRef idx="2">
+            <a:schemeClr val="accent1">
+              <a:shade val="50000"/>
+            </a:schemeClr>
+          </a:lnRef>
+          <a:fillRef idx="1">
+            <a:schemeClr val="accent1"/>
+          </a:fillRef>
+          <a:effectRef idx="0">
+            <a:schemeClr val="accent1"/>
+          </a:effectRef>
+          <a:fontRef idx="minor">
+            <a:schemeClr val="lt1"/>
+          </a:fontRef>
+        </p:style>
+        <p:txBody>
+          <a:bodyPr rtlCol="0" anchor="ctr"/>
+          <a:lstStyle/>
+          <a:p>
+            <a:pPr algn="ctr"/>
+            <a:r>
+              <a:rPr lang="en-US" dirty="0"/>
+              <a:t>Add private key to </a:t>
+            </a:r>
+            <a:r>
+              <a:rPr lang="en-US" dirty="0" err="1"/>
+              <a:t>ssh</a:t>
+            </a:r>
+            <a:r>
+              <a:rPr lang="en-US" dirty="0"/>
+              <a:t>-agent</a:t>
+            </a:r>
+          </a:p>
+        </p:txBody>
+      </p:sp>
+      <p:sp>
+        <p:nvSpPr>
+          <p:cNvPr id="18" name="TextBox 17">
+            <a:extLst>
+              <a:ext uri="{FF2B5EF4-FFF2-40B4-BE49-F238E27FC236}">
+                <a16:creationId xmlns:a16="http://schemas.microsoft.com/office/drawing/2014/main" id="{B946060D-B13F-D342-A939-0A6B176A8D60}"/>
+              </a:ext>
+            </a:extLst>
+          </p:cNvPr>
+          <p:cNvSpPr txBox="1"/>
+          <p:nvPr/>
+        </p:nvSpPr>
+        <p:spPr>
+          <a:xfrm>
+            <a:off x="9094593" y="2210336"/>
+            <a:ext cx="752129" cy="369332"/>
+          </a:xfrm>
+          <a:prstGeom prst="rect">
+            <a:avLst/>
+          </a:prstGeom>
+          <a:noFill/>
+        </p:spPr>
+        <p:txBody>
+          <a:bodyPr wrap="none" rtlCol="0">
+            <a:spAutoFit/>
+          </a:bodyPr>
+          <a:lstStyle/>
+          <a:p>
+            <a:r>
+              <a:rPr lang="en-US" b="1" dirty="0"/>
+              <a:t>Local</a:t>
+            </a:r>
+          </a:p>
+        </p:txBody>
+      </p:sp>
+      <p:sp>
+        <p:nvSpPr>
+          <p:cNvPr id="19" name="Rounded Rectangle 18">
+            <a:extLst>
+              <a:ext uri="{FF2B5EF4-FFF2-40B4-BE49-F238E27FC236}">
+                <a16:creationId xmlns:a16="http://schemas.microsoft.com/office/drawing/2014/main" id="{0FEEDABC-7164-7146-8451-91ED0B38BDA9}"/>
+              </a:ext>
+            </a:extLst>
+          </p:cNvPr>
+          <p:cNvSpPr/>
+          <p:nvPr/>
+        </p:nvSpPr>
+        <p:spPr>
+          <a:xfrm>
+            <a:off x="2812250" y="2971660"/>
+            <a:ext cx="1814970" cy="856526"/>
+          </a:xfrm>
+          <a:prstGeom prst="roundRect">
+            <a:avLst/>
+          </a:prstGeom>
+        </p:spPr>
+        <p:style>
+          <a:lnRef idx="2">
+            <a:schemeClr val="accent1">
+              <a:shade val="50000"/>
+            </a:schemeClr>
+          </a:lnRef>
+          <a:fillRef idx="1">
+            <a:schemeClr val="accent1"/>
+          </a:fillRef>
+          <a:effectRef idx="0">
+            <a:schemeClr val="accent1"/>
+          </a:effectRef>
+          <a:fontRef idx="minor">
+            <a:schemeClr val="lt1"/>
+          </a:fontRef>
+        </p:style>
+        <p:txBody>
+          <a:bodyPr rtlCol="0" anchor="ctr"/>
+          <a:lstStyle/>
+          <a:p>
+            <a:pPr algn="ctr"/>
+            <a:r>
+              <a:rPr lang="en-US" dirty="0"/>
+              <a:t>Add git system to project</a:t>
+            </a:r>
+          </a:p>
+        </p:txBody>
+      </p:sp>
+      <p:sp>
+        <p:nvSpPr>
+          <p:cNvPr id="20" name="TextBox 19">
+            <a:extLst>
+              <a:ext uri="{FF2B5EF4-FFF2-40B4-BE49-F238E27FC236}">
+                <a16:creationId xmlns:a16="http://schemas.microsoft.com/office/drawing/2014/main" id="{5AF49EAD-9205-0A43-846A-F6AD221F261A}"/>
+              </a:ext>
+            </a:extLst>
+          </p:cNvPr>
+          <p:cNvSpPr txBox="1"/>
+          <p:nvPr/>
+        </p:nvSpPr>
+        <p:spPr>
+          <a:xfrm>
+            <a:off x="3124879" y="3887116"/>
+            <a:ext cx="752129" cy="369332"/>
+          </a:xfrm>
+          <a:prstGeom prst="rect">
+            <a:avLst/>
+          </a:prstGeom>
+          <a:noFill/>
+        </p:spPr>
+        <p:txBody>
+          <a:bodyPr wrap="none" rtlCol="0">
+            <a:spAutoFit/>
+          </a:bodyPr>
+          <a:lstStyle/>
+          <a:p>
+            <a:r>
+              <a:rPr lang="en-US" b="1" dirty="0"/>
+              <a:t>Local</a:t>
+            </a:r>
+          </a:p>
+        </p:txBody>
+      </p:sp>
+      <p:sp>
+        <p:nvSpPr>
+          <p:cNvPr id="21" name="Rounded Rectangle 20">
+            <a:extLst>
+              <a:ext uri="{FF2B5EF4-FFF2-40B4-BE49-F238E27FC236}">
+                <a16:creationId xmlns:a16="http://schemas.microsoft.com/office/drawing/2014/main" id="{AFCB3ED4-B684-3349-8445-1359F5FECAAE}"/>
+              </a:ext>
+            </a:extLst>
+          </p:cNvPr>
+          <p:cNvSpPr/>
+          <p:nvPr/>
+        </p:nvSpPr>
+        <p:spPr>
+          <a:xfrm>
+            <a:off x="8622651" y="2967637"/>
+            <a:ext cx="2018515" cy="856526"/>
+          </a:xfrm>
+          <a:prstGeom prst="roundRect">
+            <a:avLst/>
+          </a:prstGeom>
+        </p:spPr>
+        <p:style>
+          <a:lnRef idx="2">
+            <a:schemeClr val="accent1">
+              <a:shade val="50000"/>
+            </a:schemeClr>
+          </a:lnRef>
+          <a:fillRef idx="1">
+            <a:schemeClr val="accent1"/>
+          </a:fillRef>
+          <a:effectRef idx="0">
+            <a:schemeClr val="accent1"/>
+          </a:effectRef>
+          <a:fontRef idx="minor">
+            <a:schemeClr val="lt1"/>
+          </a:fontRef>
+        </p:style>
+        <p:txBody>
+          <a:bodyPr rtlCol="0" anchor="ctr"/>
+          <a:lstStyle/>
+          <a:p>
+            <a:pPr algn="ctr"/>
+            <a:r>
+              <a:rPr lang="en-US" dirty="0"/>
+              <a:t>Add repository URL to project</a:t>
+            </a:r>
+          </a:p>
+        </p:txBody>
+      </p:sp>
+      <p:sp>
+        <p:nvSpPr>
+          <p:cNvPr id="22" name="TextBox 21">
+            <a:extLst>
+              <a:ext uri="{FF2B5EF4-FFF2-40B4-BE49-F238E27FC236}">
+                <a16:creationId xmlns:a16="http://schemas.microsoft.com/office/drawing/2014/main" id="{2DE7949C-4EB6-624F-B6E2-603DE61EF2B1}"/>
+              </a:ext>
+            </a:extLst>
+          </p:cNvPr>
+          <p:cNvSpPr txBox="1"/>
+          <p:nvPr/>
+        </p:nvSpPr>
+        <p:spPr>
+          <a:xfrm>
+            <a:off x="9224408" y="3887116"/>
+            <a:ext cx="1128078" cy="369332"/>
+          </a:xfrm>
+          <a:prstGeom prst="rect">
+            <a:avLst/>
+          </a:prstGeom>
+          <a:noFill/>
+        </p:spPr>
+        <p:txBody>
+          <a:bodyPr wrap="square" rtlCol="0">
+            <a:spAutoFit/>
+          </a:bodyPr>
+          <a:lstStyle/>
+          <a:p>
+            <a:r>
+              <a:rPr lang="en-US" b="1" dirty="0"/>
+              <a:t>Local</a:t>
+            </a:r>
+          </a:p>
+        </p:txBody>
+      </p:sp>
+      <p:sp>
+        <p:nvSpPr>
+          <p:cNvPr id="23" name="Rounded Rectangle 22">
+            <a:extLst>
+              <a:ext uri="{FF2B5EF4-FFF2-40B4-BE49-F238E27FC236}">
+                <a16:creationId xmlns:a16="http://schemas.microsoft.com/office/drawing/2014/main" id="{1F1568BA-806B-3B42-B1BD-34ABC47BB943}"/>
+              </a:ext>
+            </a:extLst>
+          </p:cNvPr>
+          <p:cNvSpPr/>
+          <p:nvPr/>
+        </p:nvSpPr>
+        <p:spPr>
+          <a:xfrm>
+            <a:off x="2732723" y="5395189"/>
+            <a:ext cx="1894496" cy="856526"/>
+          </a:xfrm>
+          <a:prstGeom prst="roundRect">
+            <a:avLst/>
+          </a:prstGeom>
+        </p:spPr>
+        <p:style>
+          <a:lnRef idx="2">
+            <a:schemeClr val="accent1">
+              <a:shade val="50000"/>
+            </a:schemeClr>
+          </a:lnRef>
+          <a:fillRef idx="1">
+            <a:schemeClr val="accent1"/>
+          </a:fillRef>
+          <a:effectRef idx="0">
+            <a:schemeClr val="accent1"/>
+          </a:effectRef>
+          <a:fontRef idx="minor">
+            <a:schemeClr val="lt1"/>
+          </a:fontRef>
+        </p:style>
+        <p:txBody>
+          <a:bodyPr rtlCol="0" anchor="ctr"/>
+          <a:lstStyle/>
+          <a:p>
+            <a:pPr algn="ctr"/>
+            <a:r>
+              <a:rPr lang="en-US" dirty="0"/>
+              <a:t>Make Commit</a:t>
+            </a:r>
+          </a:p>
+        </p:txBody>
+      </p:sp>
+      <p:sp>
+        <p:nvSpPr>
+          <p:cNvPr id="24" name="Rounded Rectangle 23">
+            <a:extLst>
+              <a:ext uri="{FF2B5EF4-FFF2-40B4-BE49-F238E27FC236}">
+                <a16:creationId xmlns:a16="http://schemas.microsoft.com/office/drawing/2014/main" id="{D0AB2FA6-22BA-F341-80B8-5FFC85D2B539}"/>
+              </a:ext>
+            </a:extLst>
+          </p:cNvPr>
+          <p:cNvSpPr/>
+          <p:nvPr/>
+        </p:nvSpPr>
+        <p:spPr>
+          <a:xfrm>
+            <a:off x="5396627" y="5395189"/>
+            <a:ext cx="2189873" cy="856526"/>
+          </a:xfrm>
+          <a:prstGeom prst="roundRect">
+            <a:avLst/>
+          </a:prstGeom>
+        </p:spPr>
+        <p:style>
+          <a:lnRef idx="2">
+            <a:schemeClr val="accent1">
+              <a:shade val="50000"/>
+            </a:schemeClr>
+          </a:lnRef>
+          <a:fillRef idx="1">
+            <a:schemeClr val="accent1"/>
+          </a:fillRef>
+          <a:effectRef idx="0">
+            <a:schemeClr val="accent1"/>
+          </a:effectRef>
+          <a:fontRef idx="minor">
+            <a:schemeClr val="lt1"/>
+          </a:fontRef>
+        </p:style>
+        <p:txBody>
+          <a:bodyPr rtlCol="0" anchor="ctr"/>
+          <a:lstStyle/>
+          <a:p>
+            <a:pPr algn="ctr"/>
+            <a:r>
+              <a:rPr lang="en-US" dirty="0"/>
+              <a:t>Push project to repository</a:t>
+            </a:r>
+          </a:p>
+        </p:txBody>
+      </p:sp>
+      <p:sp>
+        <p:nvSpPr>
+          <p:cNvPr id="25" name="TextBox 24">
+            <a:extLst>
+              <a:ext uri="{FF2B5EF4-FFF2-40B4-BE49-F238E27FC236}">
+                <a16:creationId xmlns:a16="http://schemas.microsoft.com/office/drawing/2014/main" id="{AF318636-343D-0742-9C18-B8274668F4B3}"/>
+              </a:ext>
+            </a:extLst>
+          </p:cNvPr>
+          <p:cNvSpPr txBox="1"/>
+          <p:nvPr/>
+        </p:nvSpPr>
+        <p:spPr>
+          <a:xfrm>
+            <a:off x="3291484" y="6343145"/>
+            <a:ext cx="1128078" cy="369332"/>
+          </a:xfrm>
+          <a:prstGeom prst="rect">
+            <a:avLst/>
+          </a:prstGeom>
+          <a:noFill/>
+        </p:spPr>
+        <p:txBody>
+          <a:bodyPr wrap="square" rtlCol="0">
+            <a:spAutoFit/>
+          </a:bodyPr>
+          <a:lstStyle/>
+          <a:p>
+            <a:r>
+              <a:rPr lang="en-US" b="1" dirty="0"/>
+              <a:t>Local</a:t>
+            </a:r>
+          </a:p>
+        </p:txBody>
+      </p:sp>
+      <p:sp>
+        <p:nvSpPr>
+          <p:cNvPr id="26" name="TextBox 25">
+            <a:extLst>
+              <a:ext uri="{FF2B5EF4-FFF2-40B4-BE49-F238E27FC236}">
+                <a16:creationId xmlns:a16="http://schemas.microsoft.com/office/drawing/2014/main" id="{DAE251D5-354B-AF41-96E8-28C01D7B3E85}"/>
+              </a:ext>
+            </a:extLst>
+          </p:cNvPr>
+          <p:cNvSpPr txBox="1"/>
+          <p:nvPr/>
+        </p:nvSpPr>
+        <p:spPr>
+          <a:xfrm>
+            <a:off x="6230300" y="6343145"/>
+            <a:ext cx="1128078" cy="369332"/>
+          </a:xfrm>
+          <a:prstGeom prst="rect">
+            <a:avLst/>
+          </a:prstGeom>
+          <a:noFill/>
+        </p:spPr>
+        <p:txBody>
+          <a:bodyPr wrap="square" rtlCol="0">
+            <a:spAutoFit/>
+          </a:bodyPr>
+          <a:lstStyle/>
+          <a:p>
+            <a:r>
+              <a:rPr lang="en-US" b="1" dirty="0"/>
+              <a:t>Local</a:t>
+            </a:r>
+          </a:p>
+        </p:txBody>
+      </p:sp>
+      <p:cxnSp>
+        <p:nvCxnSpPr>
+          <p:cNvPr id="6" name="Straight Arrow Connector 5">
+            <a:extLst>
+              <a:ext uri="{FF2B5EF4-FFF2-40B4-BE49-F238E27FC236}">
+                <a16:creationId xmlns:a16="http://schemas.microsoft.com/office/drawing/2014/main" id="{7DF54E05-AE2A-7848-BA8A-82967D2EECCF}"/>
+              </a:ext>
+            </a:extLst>
+          </p:cNvPr>
+          <p:cNvCxnSpPr>
+            <a:cxnSpLocks/>
+            <a:stCxn id="9" idx="3"/>
+            <a:endCxn id="12" idx="1"/>
+          </p:cNvCxnSpPr>
+          <p:nvPr/>
+        </p:nvCxnSpPr>
+        <p:spPr>
+          <a:xfrm>
+            <a:off x="4627219" y="1690643"/>
+            <a:ext cx="769409" cy="0"/>
+          </a:xfrm>
+          <a:prstGeom prst="straightConnector1">
+            <a:avLst/>
+          </a:prstGeom>
+          <a:ln>
+            <a:tailEnd type="triangle"/>
+          </a:ln>
+        </p:spPr>
+        <p:style>
+          <a:lnRef idx="1">
+            <a:schemeClr val="accent1"/>
+          </a:lnRef>
+          <a:fillRef idx="0">
+            <a:schemeClr val="accent1"/>
+          </a:fillRef>
+          <a:effectRef idx="0">
+            <a:schemeClr val="accent1"/>
+          </a:effectRef>
+          <a:fontRef idx="minor">
+            <a:schemeClr val="tx1"/>
+          </a:fontRef>
+        </p:style>
+      </p:cxnSp>
+      <p:cxnSp>
+        <p:nvCxnSpPr>
+          <p:cNvPr id="8" name="Straight Arrow Connector 7">
+            <a:extLst>
+              <a:ext uri="{FF2B5EF4-FFF2-40B4-BE49-F238E27FC236}">
+                <a16:creationId xmlns:a16="http://schemas.microsoft.com/office/drawing/2014/main" id="{C7254D3E-9131-4B4F-A84F-096370447039}"/>
+              </a:ext>
+            </a:extLst>
+          </p:cNvPr>
+          <p:cNvCxnSpPr>
+            <a:stCxn id="12" idx="3"/>
+            <a:endCxn id="15" idx="1"/>
+          </p:cNvCxnSpPr>
+          <p:nvPr/>
+        </p:nvCxnSpPr>
+        <p:spPr>
+          <a:xfrm>
+            <a:off x="7586501" y="1690643"/>
+            <a:ext cx="907621" cy="0"/>
+          </a:xfrm>
+          <a:prstGeom prst="straightConnector1">
+            <a:avLst/>
+          </a:prstGeom>
+          <a:ln>
+            <a:tailEnd type="triangle"/>
+          </a:ln>
+        </p:spPr>
+        <p:style>
+          <a:lnRef idx="1">
+            <a:schemeClr val="accent1"/>
+          </a:lnRef>
+          <a:fillRef idx="0">
+            <a:schemeClr val="accent1"/>
+          </a:fillRef>
+          <a:effectRef idx="0">
+            <a:schemeClr val="accent1"/>
+          </a:effectRef>
+          <a:fontRef idx="minor">
+            <a:schemeClr val="tx1"/>
+          </a:fontRef>
+        </p:style>
+      </p:cxnSp>
+      <p:cxnSp>
+        <p:nvCxnSpPr>
+          <p:cNvPr id="28" name="Straight Arrow Connector 27">
+            <a:extLst>
+              <a:ext uri="{FF2B5EF4-FFF2-40B4-BE49-F238E27FC236}">
+                <a16:creationId xmlns:a16="http://schemas.microsoft.com/office/drawing/2014/main" id="{C5281964-184D-954B-AF6B-9F5F07DC6504}"/>
+              </a:ext>
+            </a:extLst>
+          </p:cNvPr>
+          <p:cNvCxnSpPr>
+            <a:cxnSpLocks/>
+            <a:stCxn id="19" idx="3"/>
+            <a:endCxn id="2" idx="1"/>
+          </p:cNvCxnSpPr>
+          <p:nvPr/>
+        </p:nvCxnSpPr>
+        <p:spPr>
+          <a:xfrm>
+            <a:off x="4627220" y="3399923"/>
+            <a:ext cx="769407" cy="0"/>
+          </a:xfrm>
+          <a:prstGeom prst="straightConnector1">
+            <a:avLst/>
+          </a:prstGeom>
+          <a:ln>
+            <a:tailEnd type="triangle"/>
+          </a:ln>
+        </p:spPr>
+        <p:style>
+          <a:lnRef idx="1">
+            <a:schemeClr val="accent1"/>
+          </a:lnRef>
+          <a:fillRef idx="0">
+            <a:schemeClr val="accent1"/>
+          </a:fillRef>
+          <a:effectRef idx="0">
+            <a:schemeClr val="accent1"/>
+          </a:effectRef>
+          <a:fontRef idx="minor">
+            <a:schemeClr val="tx1"/>
+          </a:fontRef>
+        </p:style>
+      </p:cxnSp>
+      <p:cxnSp>
+        <p:nvCxnSpPr>
+          <p:cNvPr id="31" name="Straight Arrow Connector 30">
+            <a:extLst>
+              <a:ext uri="{FF2B5EF4-FFF2-40B4-BE49-F238E27FC236}">
+                <a16:creationId xmlns:a16="http://schemas.microsoft.com/office/drawing/2014/main" id="{DEEC76B1-0577-FF43-A4E9-18AF11F4AF20}"/>
+              </a:ext>
+            </a:extLst>
+          </p:cNvPr>
+          <p:cNvCxnSpPr>
+            <a:cxnSpLocks/>
+            <a:stCxn id="2" idx="3"/>
+            <a:endCxn id="21" idx="1"/>
+          </p:cNvCxnSpPr>
+          <p:nvPr/>
+        </p:nvCxnSpPr>
+        <p:spPr>
+          <a:xfrm flipV="1">
+            <a:off x="7586500" y="3395900"/>
+            <a:ext cx="1036151" cy="4023"/>
+          </a:xfrm>
+          <a:prstGeom prst="straightConnector1">
+            <a:avLst/>
+          </a:prstGeom>
+          <a:ln>
+            <a:tailEnd type="triangle"/>
+          </a:ln>
+        </p:spPr>
+        <p:style>
+          <a:lnRef idx="1">
+            <a:schemeClr val="accent1"/>
+          </a:lnRef>
+          <a:fillRef idx="0">
+            <a:schemeClr val="accent1"/>
+          </a:fillRef>
+          <a:effectRef idx="0">
+            <a:schemeClr val="accent1"/>
+          </a:effectRef>
+          <a:fontRef idx="minor">
+            <a:schemeClr val="tx1"/>
+          </a:fontRef>
+        </p:style>
+      </p:cxnSp>
+      <p:cxnSp>
+        <p:nvCxnSpPr>
+          <p:cNvPr id="34" name="Straight Arrow Connector 33">
+            <a:extLst>
+              <a:ext uri="{FF2B5EF4-FFF2-40B4-BE49-F238E27FC236}">
+                <a16:creationId xmlns:a16="http://schemas.microsoft.com/office/drawing/2014/main" id="{6C01EA71-7482-384D-BF0E-79A9DE7268A9}"/>
+              </a:ext>
+            </a:extLst>
+          </p:cNvPr>
+          <p:cNvCxnSpPr>
+            <a:cxnSpLocks/>
+            <a:stCxn id="23" idx="3"/>
+            <a:endCxn id="24" idx="1"/>
+          </p:cNvCxnSpPr>
+          <p:nvPr/>
+        </p:nvCxnSpPr>
+        <p:spPr>
+          <a:xfrm>
+            <a:off x="4627219" y="5823452"/>
+            <a:ext cx="769408" cy="0"/>
+          </a:xfrm>
+          <a:prstGeom prst="straightConnector1">
+            <a:avLst/>
+          </a:prstGeom>
+          <a:ln>
+            <a:tailEnd type="triangle"/>
+          </a:ln>
+        </p:spPr>
+        <p:style>
+          <a:lnRef idx="1">
+            <a:schemeClr val="accent1"/>
+          </a:lnRef>
+          <a:fillRef idx="0">
+            <a:schemeClr val="accent1"/>
+          </a:fillRef>
+          <a:effectRef idx="0">
+            <a:schemeClr val="accent1"/>
+          </a:effectRef>
+          <a:fontRef idx="minor">
+            <a:schemeClr val="tx1"/>
+          </a:fontRef>
+        </p:style>
+      </p:cxnSp>
+      <p:sp>
+        <p:nvSpPr>
+          <p:cNvPr id="36" name="Rectangle 35">
+            <a:extLst>
+              <a:ext uri="{FF2B5EF4-FFF2-40B4-BE49-F238E27FC236}">
+                <a16:creationId xmlns:a16="http://schemas.microsoft.com/office/drawing/2014/main" id="{6913AD59-ECC7-464F-98B1-713E3C059B95}"/>
+              </a:ext>
+            </a:extLst>
+          </p:cNvPr>
+          <p:cNvSpPr/>
+          <p:nvPr/>
+        </p:nvSpPr>
+        <p:spPr>
+          <a:xfrm>
+            <a:off x="2424199" y="1060627"/>
+            <a:ext cx="8489570" cy="3865944"/>
+          </a:xfrm>
+          <a:prstGeom prst="rect">
+            <a:avLst/>
+          </a:prstGeom>
+          <a:noFill/>
+          <a:ln>
+            <a:solidFill>
+              <a:srgbClr val="FF0000"/>
+            </a:solidFill>
+            <a:prstDash val="dash"/>
+          </a:ln>
+        </p:spPr>
+        <p:style>
+          <a:lnRef idx="2">
+            <a:schemeClr val="accent1">
+              <a:shade val="50000"/>
+            </a:schemeClr>
+          </a:lnRef>
+          <a:fillRef idx="1">
+            <a:schemeClr val="accent1"/>
+          </a:fillRef>
+          <a:effectRef idx="0">
+            <a:schemeClr val="accent1"/>
+          </a:effectRef>
+          <a:fontRef idx="minor">
+            <a:schemeClr val="lt1"/>
+          </a:fontRef>
+        </p:style>
+        <p:txBody>
+          <a:bodyPr rtlCol="0" anchor="ctr"/>
+          <a:lstStyle/>
+          <a:p>
+            <a:pPr algn="ctr"/>
+            <a:endParaRPr lang="en-US"/>
+          </a:p>
+        </p:txBody>
+      </p:sp>
+      <p:sp>
+        <p:nvSpPr>
+          <p:cNvPr id="37" name="Rectangle 36">
+            <a:extLst>
+              <a:ext uri="{FF2B5EF4-FFF2-40B4-BE49-F238E27FC236}">
+                <a16:creationId xmlns:a16="http://schemas.microsoft.com/office/drawing/2014/main" id="{22612189-1454-CE4A-8D5B-0C0120E578C9}"/>
+              </a:ext>
+            </a:extLst>
+          </p:cNvPr>
+          <p:cNvSpPr/>
+          <p:nvPr/>
+        </p:nvSpPr>
+        <p:spPr>
+          <a:xfrm>
+            <a:off x="2422136" y="5257803"/>
+            <a:ext cx="8489570" cy="1453357"/>
+          </a:xfrm>
+          <a:prstGeom prst="rect">
+            <a:avLst/>
+          </a:prstGeom>
+          <a:noFill/>
+          <a:ln>
+            <a:solidFill>
+              <a:srgbClr val="FF0000"/>
+            </a:solidFill>
+            <a:prstDash val="dash"/>
+          </a:ln>
+        </p:spPr>
+        <p:style>
+          <a:lnRef idx="2">
+            <a:schemeClr val="accent1">
+              <a:shade val="50000"/>
+            </a:schemeClr>
+          </a:lnRef>
+          <a:fillRef idx="1">
+            <a:schemeClr val="accent1"/>
+          </a:fillRef>
+          <a:effectRef idx="0">
+            <a:schemeClr val="accent1"/>
+          </a:effectRef>
+          <a:fontRef idx="minor">
+            <a:schemeClr val="lt1"/>
+          </a:fontRef>
+        </p:style>
+        <p:txBody>
+          <a:bodyPr rtlCol="0" anchor="ctr"/>
+          <a:lstStyle/>
+          <a:p>
+            <a:pPr algn="ctr"/>
+            <a:endParaRPr lang="en-US"/>
+          </a:p>
+        </p:txBody>
+      </p:sp>
+      <p:sp>
+        <p:nvSpPr>
+          <p:cNvPr id="38" name="TextBox 37">
+            <a:extLst>
+              <a:ext uri="{FF2B5EF4-FFF2-40B4-BE49-F238E27FC236}">
+                <a16:creationId xmlns:a16="http://schemas.microsoft.com/office/drawing/2014/main" id="{73B1E331-A006-534C-8231-DF6914C5FF19}"/>
+              </a:ext>
+            </a:extLst>
+          </p:cNvPr>
+          <p:cNvSpPr txBox="1"/>
+          <p:nvPr/>
+        </p:nvSpPr>
+        <p:spPr>
+          <a:xfrm>
+            <a:off x="975360" y="2579668"/>
+            <a:ext cx="1213858" cy="369332"/>
+          </a:xfrm>
+          <a:prstGeom prst="rect">
+            <a:avLst/>
+          </a:prstGeom>
+          <a:noFill/>
+        </p:spPr>
+        <p:txBody>
+          <a:bodyPr wrap="none" rtlCol="0">
+            <a:spAutoFit/>
+          </a:bodyPr>
+          <a:lstStyle/>
+          <a:p>
+            <a:r>
+              <a:rPr lang="en-US" b="1" dirty="0">
+                <a:solidFill>
+                  <a:srgbClr val="0432FF"/>
+                </a:solidFill>
+              </a:rPr>
+              <a:t>One Time</a:t>
+            </a:r>
+          </a:p>
+        </p:txBody>
+      </p:sp>
+      <p:sp>
+        <p:nvSpPr>
+          <p:cNvPr id="39" name="TextBox 38">
+            <a:extLst>
+              <a:ext uri="{FF2B5EF4-FFF2-40B4-BE49-F238E27FC236}">
+                <a16:creationId xmlns:a16="http://schemas.microsoft.com/office/drawing/2014/main" id="{35DF8C9A-C1E5-9345-BE29-3374C9680D7D}"/>
+              </a:ext>
+            </a:extLst>
+          </p:cNvPr>
+          <p:cNvSpPr txBox="1"/>
+          <p:nvPr/>
+        </p:nvSpPr>
+        <p:spPr>
+          <a:xfrm>
+            <a:off x="975360" y="5615149"/>
+            <a:ext cx="941283" cy="369332"/>
+          </a:xfrm>
+          <a:prstGeom prst="rect">
+            <a:avLst/>
+          </a:prstGeom>
+          <a:noFill/>
+        </p:spPr>
+        <p:txBody>
+          <a:bodyPr wrap="none" rtlCol="0">
+            <a:spAutoFit/>
+          </a:bodyPr>
+          <a:lstStyle/>
+          <a:p>
+            <a:r>
+              <a:rPr lang="en-US" b="1" dirty="0">
+                <a:solidFill>
+                  <a:srgbClr val="0432FF"/>
+                </a:solidFill>
+              </a:rPr>
+              <a:t>Repeat</a:t>
+            </a:r>
+          </a:p>
+        </p:txBody>
+      </p:sp>
+    </p:spTree>
+    <p:extLst>
+      <p:ext uri="{BB962C8B-B14F-4D97-AF65-F5344CB8AC3E}">
+        <p14:creationId xmlns:p14="http://schemas.microsoft.com/office/powerpoint/2010/main" val="2011303341"/>
+      </p:ext>
+    </p:extLst>
+  </p:cSld>
+  <p:clrMapOvr>
+    <a:masterClrMapping/>
+  </p:clrMapOvr>
+</p:sld>
+</file>
+
+<file path=ppt/slides/slide4.xml><?xml version="1.0" encoding="utf-8"?>
+<p:sld xmlns:a="http://schemas.openxmlformats.org/drawingml/2006/main" xmlns:r="http://schemas.openxmlformats.org/officeDocument/2006/relationships" xmlns:p="http://schemas.openxmlformats.org/presentationml/2006/main">
+  <p:cSld>
+    <p:spTree>
+      <p:nvGrpSpPr>
+        <p:cNvPr id="1" name=""/>
+        <p:cNvGrpSpPr/>
+        <p:nvPr/>
+      </p:nvGrpSpPr>
+      <p:grpSpPr>
+        <a:xfrm>
+          <a:off x="0" y="0"/>
+          <a:ext cx="0" cy="0"/>
+          <a:chOff x="0" y="0"/>
+          <a:chExt cx="0" cy="0"/>
+        </a:xfrm>
+      </p:grpSpPr>
+      <p:sp>
+        <p:nvSpPr>
+          <p:cNvPr id="17" name="Title 1">
+            <a:extLst>
+              <a:ext uri="{FF2B5EF4-FFF2-40B4-BE49-F238E27FC236}">
+                <a16:creationId xmlns:a16="http://schemas.microsoft.com/office/drawing/2014/main" id="{B1D22E43-8256-41A9-941A-1DE5CC11C65B}"/>
+              </a:ext>
+            </a:extLst>
+          </p:cNvPr>
+          <p:cNvSpPr txBox="1">
+            <a:spLocks/>
+          </p:cNvSpPr>
+          <p:nvPr/>
+        </p:nvSpPr>
+        <p:spPr>
+          <a:xfrm>
+            <a:off x="548521" y="-88900"/>
+            <a:ext cx="10225120" cy="1320800"/>
+          </a:xfrm>
+          <a:prstGeom prst="rect">
+            <a:avLst/>
+          </a:prstGeom>
+        </p:spPr>
+        <p:txBody>
+          <a:bodyPr vert="horz" lIns="91440" tIns="45720" rIns="91440" bIns="45720" rtlCol="0" anchor="ctr">
+            <a:normAutofit fontScale="97500"/>
+          </a:bodyPr>
+          <a:lstStyle>
+            <a:lvl1pPr algn="l" defTabSz="457200" rtl="0" eaLnBrk="1" latinLnBrk="0" hangingPunct="1">
+              <a:spcBef>
+                <a:spcPct val="0"/>
+              </a:spcBef>
+              <a:buNone/>
+              <a:defRPr sz="3600" kern="1200">
+                <a:solidFill>
+                  <a:schemeClr val="accent1"/>
+                </a:solidFill>
+                <a:latin typeface="+mj-lt"/>
+                <a:ea typeface="+mj-ea"/>
+                <a:cs typeface="+mj-cs"/>
+              </a:defRPr>
+            </a:lvl1pPr>
+            <a:lvl2pPr eaLnBrk="1" hangingPunct="1">
+              <a:defRPr>
+                <a:solidFill>
+                  <a:schemeClr val="tx2"/>
+                </a:solidFill>
+              </a:defRPr>
+            </a:lvl2pPr>
+            <a:lvl3pPr eaLnBrk="1" hangingPunct="1">
+              <a:defRPr>
+                <a:solidFill>
+                  <a:schemeClr val="tx2"/>
+                </a:solidFill>
+              </a:defRPr>
+            </a:lvl3pPr>
+            <a:lvl4pPr eaLnBrk="1" hangingPunct="1">
+              <a:defRPr>
+                <a:solidFill>
+                  <a:schemeClr val="tx2"/>
+                </a:solidFill>
+              </a:defRPr>
+            </a:lvl4pPr>
+            <a:lvl5pPr eaLnBrk="1" hangingPunct="1">
+              <a:defRPr>
+                <a:solidFill>
+                  <a:schemeClr val="tx2"/>
+                </a:solidFill>
+              </a:defRPr>
+            </a:lvl5pPr>
+            <a:lvl6pPr eaLnBrk="1" hangingPunct="1">
+              <a:defRPr>
+                <a:solidFill>
+                  <a:schemeClr val="tx2"/>
+                </a:solidFill>
+              </a:defRPr>
+            </a:lvl6pPr>
+            <a:lvl7pPr eaLnBrk="1" hangingPunct="1">
+              <a:defRPr>
+                <a:solidFill>
+                  <a:schemeClr val="tx2"/>
+                </a:solidFill>
+              </a:defRPr>
+            </a:lvl7pPr>
+            <a:lvl8pPr eaLnBrk="1" hangingPunct="1">
+              <a:defRPr>
+                <a:solidFill>
+                  <a:schemeClr val="tx2"/>
+                </a:solidFill>
+              </a:defRPr>
+            </a:lvl8pPr>
+            <a:lvl9pPr eaLnBrk="1" hangingPunct="1">
+              <a:defRPr>
+                <a:solidFill>
+                  <a:schemeClr val="tx2"/>
+                </a:solidFill>
+              </a:defRPr>
+            </a:lvl9pPr>
+          </a:lstStyle>
+          <a:p>
+            <a:r>
+              <a:rPr lang="en-US" altLang="zh-CN" sz="4000" dirty="0">
+                <a:solidFill>
+                  <a:srgbClr val="00B0F0"/>
+                </a:solidFill>
+                <a:latin typeface="Arial Rounded MT Bold" panose="020F0704030504030204" pitchFamily="34" charset="0"/>
+              </a:rPr>
+              <a:t>Step 1. Add SSH Key (local)</a:t>
+            </a:r>
+            <a:endParaRPr lang="en-US" sz="4000" dirty="0">
+              <a:solidFill>
+                <a:srgbClr val="00B0F0"/>
+              </a:solidFill>
+              <a:latin typeface="Arial Rounded MT Bold" panose="020F0704030504030204" pitchFamily="34" charset="0"/>
+            </a:endParaRPr>
+          </a:p>
+        </p:txBody>
+      </p:sp>
+      <p:sp>
+        <p:nvSpPr>
+          <p:cNvPr id="5" name="TextBox 4">
+            <a:extLst>
+              <a:ext uri="{FF2B5EF4-FFF2-40B4-BE49-F238E27FC236}">
+                <a16:creationId xmlns:a16="http://schemas.microsoft.com/office/drawing/2014/main" id="{598C24F7-2348-6845-9060-5A46797F131C}"/>
+              </a:ext>
+            </a:extLst>
+          </p:cNvPr>
+          <p:cNvSpPr txBox="1"/>
+          <p:nvPr/>
+        </p:nvSpPr>
+        <p:spPr>
+          <a:xfrm>
+            <a:off x="1939290" y="1723013"/>
+            <a:ext cx="7433310" cy="2677656"/>
+          </a:xfrm>
+          <a:prstGeom prst="rect">
+            <a:avLst/>
+          </a:prstGeom>
+          <a:noFill/>
+        </p:spPr>
+        <p:txBody>
+          <a:bodyPr wrap="square">
+            <a:spAutoFit/>
+          </a:bodyPr>
+          <a:lstStyle/>
+          <a:p>
+            <a:r>
+              <a:rPr lang="en-US" sz="2400" dirty="0"/>
+              <a:t># Create </a:t>
+            </a:r>
+            <a:r>
+              <a:rPr lang="en-US" sz="2400" dirty="0" err="1"/>
+              <a:t>ssh</a:t>
+            </a:r>
+            <a:r>
+              <a:rPr lang="en-US" sz="2400" dirty="0"/>
+              <a:t> keys</a:t>
+            </a:r>
+          </a:p>
+          <a:p>
+            <a:r>
+              <a:rPr lang="en-US" sz="2400" dirty="0"/>
+              <a:t># private key, /Users/</a:t>
+            </a:r>
+            <a:r>
+              <a:rPr lang="en-US" sz="2400" dirty="0" err="1"/>
+              <a:t>myname</a:t>
+            </a:r>
+            <a:r>
+              <a:rPr lang="en-US" sz="2400" dirty="0"/>
+              <a:t>/.</a:t>
+            </a:r>
+            <a:r>
+              <a:rPr lang="en-US" sz="2400" dirty="0" err="1"/>
+              <a:t>ssh</a:t>
+            </a:r>
+            <a:r>
+              <a:rPr lang="en-US" sz="2400" dirty="0"/>
+              <a:t>/</a:t>
+            </a:r>
+            <a:r>
+              <a:rPr lang="en-US" sz="2400" dirty="0" err="1"/>
+              <a:t>id_rsa</a:t>
+            </a:r>
+            <a:endParaRPr lang="en-US" sz="2400" dirty="0"/>
+          </a:p>
+          <a:p>
+            <a:r>
+              <a:rPr lang="en-US" sz="2400" dirty="0"/>
+              <a:t># public key, /Users/</a:t>
+            </a:r>
+            <a:r>
+              <a:rPr lang="en-US" sz="2400" dirty="0" err="1"/>
+              <a:t>myname</a:t>
+            </a:r>
+            <a:r>
+              <a:rPr lang="en-US" sz="2400" dirty="0"/>
+              <a:t>/.</a:t>
+            </a:r>
+            <a:r>
+              <a:rPr lang="en-US" sz="2400" dirty="0" err="1"/>
+              <a:t>ssh</a:t>
+            </a:r>
+            <a:r>
+              <a:rPr lang="en-US" sz="2400" dirty="0"/>
+              <a:t>/</a:t>
+            </a:r>
+            <a:r>
+              <a:rPr lang="en-US" sz="2400" dirty="0" err="1"/>
+              <a:t>id_rsa.pub</a:t>
+            </a:r>
+            <a:endParaRPr lang="en-US" sz="2400" dirty="0"/>
+          </a:p>
+          <a:p>
+            <a:r>
+              <a:rPr lang="en-US" sz="2400" b="1" dirty="0" err="1">
+                <a:solidFill>
+                  <a:srgbClr val="FF0000"/>
+                </a:solidFill>
+              </a:rPr>
+              <a:t>ssh</a:t>
+            </a:r>
+            <a:r>
+              <a:rPr lang="en-US" sz="2400" b="1" dirty="0">
+                <a:solidFill>
+                  <a:srgbClr val="FF0000"/>
+                </a:solidFill>
+              </a:rPr>
+              <a:t>-keygen -t </a:t>
+            </a:r>
+            <a:r>
+              <a:rPr lang="en-US" sz="2400" b="1" dirty="0" err="1">
+                <a:solidFill>
+                  <a:srgbClr val="FF0000"/>
+                </a:solidFill>
+              </a:rPr>
+              <a:t>rsa</a:t>
+            </a:r>
+            <a:endParaRPr lang="en-US" sz="2400" b="1" dirty="0">
+              <a:solidFill>
+                <a:srgbClr val="FF0000"/>
+              </a:solidFill>
+            </a:endParaRPr>
+          </a:p>
+          <a:p>
+            <a:endParaRPr lang="en-US" sz="2400" dirty="0"/>
+          </a:p>
+          <a:p>
+            <a:r>
+              <a:rPr lang="en-US" sz="2400" dirty="0"/>
+              <a:t># Add private key to </a:t>
+            </a:r>
+            <a:r>
+              <a:rPr lang="en-US" sz="2400" dirty="0" err="1"/>
+              <a:t>ssh</a:t>
+            </a:r>
+            <a:r>
+              <a:rPr lang="en-US" sz="2400" dirty="0"/>
+              <a:t>-agent</a:t>
+            </a:r>
+          </a:p>
+          <a:p>
+            <a:r>
+              <a:rPr lang="en-US" sz="2400" b="1" dirty="0" err="1">
+                <a:solidFill>
+                  <a:srgbClr val="FF0000"/>
+                </a:solidFill>
+              </a:rPr>
+              <a:t>ssh</a:t>
+            </a:r>
+            <a:r>
+              <a:rPr lang="en-US" sz="2400" b="1" dirty="0">
+                <a:solidFill>
+                  <a:srgbClr val="FF0000"/>
+                </a:solidFill>
+              </a:rPr>
+              <a:t>-add ~/.</a:t>
+            </a:r>
+            <a:r>
+              <a:rPr lang="en-US" sz="2400" b="1" dirty="0" err="1">
+                <a:solidFill>
+                  <a:srgbClr val="FF0000"/>
+                </a:solidFill>
+              </a:rPr>
+              <a:t>ssh</a:t>
+            </a:r>
+            <a:r>
+              <a:rPr lang="en-US" sz="2400" b="1" dirty="0">
+                <a:solidFill>
+                  <a:srgbClr val="FF0000"/>
+                </a:solidFill>
+              </a:rPr>
+              <a:t>/</a:t>
+            </a:r>
+            <a:r>
+              <a:rPr lang="en-US" sz="2400" b="1" dirty="0" err="1">
+                <a:solidFill>
+                  <a:srgbClr val="FF0000"/>
+                </a:solidFill>
+              </a:rPr>
+              <a:t>id_rsa</a:t>
+            </a:r>
+            <a:endParaRPr lang="en-US" sz="2400" b="1" dirty="0">
+              <a:solidFill>
+                <a:srgbClr val="FF0000"/>
+              </a:solidFill>
+            </a:endParaRPr>
+          </a:p>
+        </p:txBody>
+      </p:sp>
+      <p:sp>
+        <p:nvSpPr>
+          <p:cNvPr id="6" name="TextBox 5">
+            <a:extLst>
+              <a:ext uri="{FF2B5EF4-FFF2-40B4-BE49-F238E27FC236}">
+                <a16:creationId xmlns:a16="http://schemas.microsoft.com/office/drawing/2014/main" id="{02ED0CA6-AF51-2744-A8CA-0ECB7845AB7F}"/>
+              </a:ext>
+            </a:extLst>
+          </p:cNvPr>
+          <p:cNvSpPr txBox="1"/>
+          <p:nvPr/>
+        </p:nvSpPr>
+        <p:spPr>
+          <a:xfrm>
+            <a:off x="6557058" y="6164048"/>
+            <a:ext cx="6099858" cy="369332"/>
+          </a:xfrm>
+          <a:prstGeom prst="rect">
+            <a:avLst/>
+          </a:prstGeom>
+          <a:noFill/>
+        </p:spPr>
+        <p:txBody>
+          <a:bodyPr wrap="square">
+            <a:spAutoFit/>
+          </a:bodyPr>
+          <a:lstStyle/>
+          <a:p>
+            <a:r>
+              <a:rPr lang="en-US" dirty="0"/>
+              <a:t>https://</a:t>
+            </a:r>
+            <a:r>
+              <a:rPr lang="en-US" dirty="0" err="1"/>
+              <a:t>lin-chen-langley.github.io</a:t>
+            </a:r>
+            <a:r>
+              <a:rPr lang="en-US" dirty="0"/>
+              <a:t>/Git/</a:t>
+            </a:r>
+            <a:r>
+              <a:rPr lang="en-US" dirty="0" err="1"/>
+              <a:t>ssh.htm</a:t>
+            </a:r>
+            <a:endParaRPr lang="en-US" dirty="0"/>
+          </a:p>
+        </p:txBody>
+      </p:sp>
+    </p:spTree>
+    <p:extLst>
+      <p:ext uri="{BB962C8B-B14F-4D97-AF65-F5344CB8AC3E}">
+        <p14:creationId xmlns:p14="http://schemas.microsoft.com/office/powerpoint/2010/main" val="290380369"/>
+      </p:ext>
+    </p:extLst>
+  </p:cSld>
+  <p:clrMapOvr>
+    <a:masterClrMapping/>
+  </p:clrMapOvr>
+</p:sld>
+</file>
+
+<file path=ppt/slides/slide5.xml><?xml version="1.0" encoding="utf-8"?>
+<p:sld xmlns:a="http://schemas.openxmlformats.org/drawingml/2006/main" xmlns:r="http://schemas.openxmlformats.org/officeDocument/2006/relationships" xmlns:p="http://schemas.openxmlformats.org/presentationml/2006/main">
+  <p:cSld>
+    <p:spTree>
+      <p:nvGrpSpPr>
+        <p:cNvPr id="1" name=""/>
+        <p:cNvGrpSpPr/>
+        <p:nvPr/>
+      </p:nvGrpSpPr>
+      <p:grpSpPr>
+        <a:xfrm>
+          <a:off x="0" y="0"/>
+          <a:ext cx="0" cy="0"/>
+          <a:chOff x="0" y="0"/>
+          <a:chExt cx="0" cy="0"/>
+        </a:xfrm>
+      </p:grpSpPr>
+      <p:sp>
+        <p:nvSpPr>
+          <p:cNvPr id="17" name="Title 1">
+            <a:extLst>
+              <a:ext uri="{FF2B5EF4-FFF2-40B4-BE49-F238E27FC236}">
+                <a16:creationId xmlns:a16="http://schemas.microsoft.com/office/drawing/2014/main" id="{B1D22E43-8256-41A9-941A-1DE5CC11C65B}"/>
+              </a:ext>
+            </a:extLst>
+          </p:cNvPr>
+          <p:cNvSpPr txBox="1">
+            <a:spLocks/>
+          </p:cNvSpPr>
+          <p:nvPr/>
+        </p:nvSpPr>
+        <p:spPr>
+          <a:xfrm>
+            <a:off x="548521" y="-88900"/>
+            <a:ext cx="10225120" cy="1320800"/>
+          </a:xfrm>
+          <a:prstGeom prst="rect">
+            <a:avLst/>
+          </a:prstGeom>
+        </p:spPr>
+        <p:txBody>
+          <a:bodyPr vert="horz" lIns="91440" tIns="45720" rIns="91440" bIns="45720" rtlCol="0" anchor="ctr">
+            <a:normAutofit fontScale="97500"/>
+          </a:bodyPr>
+          <a:lstStyle>
+            <a:lvl1pPr algn="l" defTabSz="457200" rtl="0" eaLnBrk="1" latinLnBrk="0" hangingPunct="1">
+              <a:spcBef>
+                <a:spcPct val="0"/>
+              </a:spcBef>
+              <a:buNone/>
+              <a:defRPr sz="3600" kern="1200">
+                <a:solidFill>
+                  <a:schemeClr val="accent1"/>
+                </a:solidFill>
+                <a:latin typeface="+mj-lt"/>
+                <a:ea typeface="+mj-ea"/>
+                <a:cs typeface="+mj-cs"/>
+              </a:defRPr>
+            </a:lvl1pPr>
+            <a:lvl2pPr eaLnBrk="1" hangingPunct="1">
+              <a:defRPr>
+                <a:solidFill>
+                  <a:schemeClr val="tx2"/>
+                </a:solidFill>
+              </a:defRPr>
+            </a:lvl2pPr>
+            <a:lvl3pPr eaLnBrk="1" hangingPunct="1">
+              <a:defRPr>
+                <a:solidFill>
+                  <a:schemeClr val="tx2"/>
+                </a:solidFill>
+              </a:defRPr>
+            </a:lvl3pPr>
+            <a:lvl4pPr eaLnBrk="1" hangingPunct="1">
+              <a:defRPr>
+                <a:solidFill>
+                  <a:schemeClr val="tx2"/>
+                </a:solidFill>
+              </a:defRPr>
+            </a:lvl4pPr>
+            <a:lvl5pPr eaLnBrk="1" hangingPunct="1">
+              <a:defRPr>
+                <a:solidFill>
+                  <a:schemeClr val="tx2"/>
+                </a:solidFill>
+              </a:defRPr>
+            </a:lvl5pPr>
+            <a:lvl6pPr eaLnBrk="1" hangingPunct="1">
+              <a:defRPr>
+                <a:solidFill>
+                  <a:schemeClr val="tx2"/>
+                </a:solidFill>
+              </a:defRPr>
+            </a:lvl6pPr>
+            <a:lvl7pPr eaLnBrk="1" hangingPunct="1">
+              <a:defRPr>
+                <a:solidFill>
+                  <a:schemeClr val="tx2"/>
+                </a:solidFill>
+              </a:defRPr>
+            </a:lvl7pPr>
+            <a:lvl8pPr eaLnBrk="1" hangingPunct="1">
+              <a:defRPr>
+                <a:solidFill>
+                  <a:schemeClr val="tx2"/>
+                </a:solidFill>
+              </a:defRPr>
+            </a:lvl8pPr>
+            <a:lvl9pPr eaLnBrk="1" hangingPunct="1">
+              <a:defRPr>
+                <a:solidFill>
+                  <a:schemeClr val="tx2"/>
+                </a:solidFill>
+              </a:defRPr>
+            </a:lvl9pPr>
+          </a:lstStyle>
+          <a:p>
+            <a:r>
+              <a:rPr lang="en-US" altLang="zh-CN" sz="4000" dirty="0">
+                <a:solidFill>
+                  <a:srgbClr val="00B0F0"/>
+                </a:solidFill>
+                <a:latin typeface="Arial Rounded MT Bold" panose="020F0704030504030204" pitchFamily="34" charset="0"/>
+              </a:rPr>
+              <a:t>Step 2. Add SSH Key (</a:t>
+            </a:r>
+            <a:r>
+              <a:rPr lang="en-US" altLang="zh-CN" sz="4000" dirty="0" err="1">
+                <a:solidFill>
+                  <a:srgbClr val="00B0F0"/>
+                </a:solidFill>
+                <a:latin typeface="Arial Rounded MT Bold" panose="020F0704030504030204" pitchFamily="34" charset="0"/>
+              </a:rPr>
+              <a:t>github</a:t>
+            </a:r>
+            <a:r>
+              <a:rPr lang="en-US" altLang="zh-CN" sz="4000" dirty="0">
+                <a:solidFill>
+                  <a:srgbClr val="00B0F0"/>
+                </a:solidFill>
+                <a:latin typeface="Arial Rounded MT Bold" panose="020F0704030504030204" pitchFamily="34" charset="0"/>
+              </a:rPr>
+              <a:t>)</a:t>
+            </a:r>
+            <a:endParaRPr lang="en-US" sz="4000" dirty="0">
+              <a:solidFill>
+                <a:srgbClr val="00B0F0"/>
+              </a:solidFill>
+              <a:latin typeface="Arial Rounded MT Bold" panose="020F0704030504030204" pitchFamily="34" charset="0"/>
+            </a:endParaRPr>
+          </a:p>
+        </p:txBody>
+      </p:sp>
+      <p:pic>
+        <p:nvPicPr>
+          <p:cNvPr id="3" name="Picture 2" descr="Graphical user interface, text, application, email&#10;&#10;Description automatically generated">
+            <a:extLst>
+              <a:ext uri="{FF2B5EF4-FFF2-40B4-BE49-F238E27FC236}">
+                <a16:creationId xmlns:a16="http://schemas.microsoft.com/office/drawing/2014/main" id="{334E9A05-7731-D34C-B8C4-84CB5F30A626}"/>
+              </a:ext>
+            </a:extLst>
+          </p:cNvPr>
+          <p:cNvPicPr>
+            <a:picLocks noChangeAspect="1"/>
+          </p:cNvPicPr>
+          <p:nvPr/>
+        </p:nvPicPr>
+        <p:blipFill>
+          <a:blip r:embed="rId2"/>
+          <a:stretch>
+            <a:fillRect/>
+          </a:stretch>
+        </p:blipFill>
+        <p:spPr>
+          <a:xfrm>
+            <a:off x="1722120" y="1231900"/>
+            <a:ext cx="8168640" cy="4550365"/>
+          </a:xfrm>
+          <a:prstGeom prst="rect">
+            <a:avLst/>
+          </a:prstGeom>
+        </p:spPr>
+      </p:pic>
+      <p:sp>
+        <p:nvSpPr>
+          <p:cNvPr id="8" name="Rectangle 7">
+            <a:extLst>
+              <a:ext uri="{FF2B5EF4-FFF2-40B4-BE49-F238E27FC236}">
+                <a16:creationId xmlns:a16="http://schemas.microsoft.com/office/drawing/2014/main" id="{EE3D8388-3F6A-4648-B978-FA3F09952EC1}"/>
+              </a:ext>
+            </a:extLst>
+          </p:cNvPr>
+          <p:cNvSpPr/>
+          <p:nvPr/>
+        </p:nvSpPr>
+        <p:spPr>
+          <a:xfrm>
+            <a:off x="1828799" y="5069654"/>
+            <a:ext cx="1767841" cy="393515"/>
+          </a:xfrm>
+          <a:prstGeom prst="rect">
+            <a:avLst/>
+          </a:prstGeom>
+          <a:noFill/>
+          <a:ln w="25400">
+            <a:solidFill>
+              <a:srgbClr val="FF0000"/>
+            </a:solidFill>
+          </a:ln>
+        </p:spPr>
+        <p:style>
+          <a:lnRef idx="2">
+            <a:schemeClr val="accent1">
+              <a:shade val="50000"/>
+            </a:schemeClr>
+          </a:lnRef>
+          <a:fillRef idx="1">
+            <a:schemeClr val="accent1"/>
+          </a:fillRef>
+          <a:effectRef idx="0">
+            <a:schemeClr val="accent1"/>
+          </a:effectRef>
+          <a:fontRef idx="minor">
+            <a:schemeClr val="lt1"/>
+          </a:fontRef>
+        </p:style>
+        <p:txBody>
+          <a:bodyPr rtlCol="0" anchor="ctr"/>
+          <a:lstStyle/>
+          <a:p>
+            <a:pPr algn="ctr"/>
+            <a:endParaRPr lang="en-US" dirty="0"/>
+          </a:p>
+        </p:txBody>
+      </p:sp>
+      <p:sp>
+        <p:nvSpPr>
+          <p:cNvPr id="10" name="Rectangle 9">
+            <a:extLst>
+              <a:ext uri="{FF2B5EF4-FFF2-40B4-BE49-F238E27FC236}">
+                <a16:creationId xmlns:a16="http://schemas.microsoft.com/office/drawing/2014/main" id="{E1EF62FF-B24A-544E-8FC3-DD2E214D1361}"/>
+              </a:ext>
+            </a:extLst>
+          </p:cNvPr>
+          <p:cNvSpPr/>
+          <p:nvPr/>
+        </p:nvSpPr>
+        <p:spPr>
+          <a:xfrm>
+            <a:off x="7848599" y="1701614"/>
+            <a:ext cx="1767841" cy="393515"/>
+          </a:xfrm>
+          <a:prstGeom prst="rect">
+            <a:avLst/>
+          </a:prstGeom>
+          <a:noFill/>
+          <a:ln w="25400">
+            <a:solidFill>
+              <a:srgbClr val="FF0000"/>
+            </a:solidFill>
+          </a:ln>
+        </p:spPr>
+        <p:style>
+          <a:lnRef idx="2">
+            <a:schemeClr val="accent1">
+              <a:shade val="50000"/>
+            </a:schemeClr>
+          </a:lnRef>
+          <a:fillRef idx="1">
+            <a:schemeClr val="accent1"/>
+          </a:fillRef>
+          <a:effectRef idx="0">
+            <a:schemeClr val="accent1"/>
+          </a:effectRef>
+          <a:fontRef idx="minor">
+            <a:schemeClr val="lt1"/>
+          </a:fontRef>
+        </p:style>
+        <p:txBody>
+          <a:bodyPr rtlCol="0" anchor="ctr"/>
+          <a:lstStyle/>
+          <a:p>
+            <a:pPr algn="ctr"/>
+            <a:endParaRPr lang="en-US" dirty="0"/>
+          </a:p>
+        </p:txBody>
+      </p:sp>
+      <p:sp>
+        <p:nvSpPr>
+          <p:cNvPr id="11" name="TextBox 10">
+            <a:extLst>
+              <a:ext uri="{FF2B5EF4-FFF2-40B4-BE49-F238E27FC236}">
+                <a16:creationId xmlns:a16="http://schemas.microsoft.com/office/drawing/2014/main" id="{EEBC55D1-4802-2A4F-B8BF-AD5879D112CF}"/>
+              </a:ext>
+            </a:extLst>
+          </p:cNvPr>
+          <p:cNvSpPr txBox="1"/>
+          <p:nvPr/>
+        </p:nvSpPr>
+        <p:spPr>
+          <a:xfrm>
+            <a:off x="1722120" y="5917643"/>
+            <a:ext cx="8362950" cy="646331"/>
+          </a:xfrm>
+          <a:prstGeom prst="rect">
+            <a:avLst/>
+          </a:prstGeom>
+          <a:noFill/>
+        </p:spPr>
+        <p:txBody>
+          <a:bodyPr wrap="square">
+            <a:spAutoFit/>
+          </a:bodyPr>
+          <a:lstStyle/>
+          <a:p>
+            <a:r>
+              <a:rPr lang="en-US" dirty="0"/>
+              <a:t>https://</a:t>
+            </a:r>
+            <a:r>
+              <a:rPr lang="en-US" dirty="0" err="1"/>
+              <a:t>docs.github.com</a:t>
+            </a:r>
+            <a:r>
+              <a:rPr lang="en-US" dirty="0"/>
+              <a:t>/</a:t>
+            </a:r>
+            <a:r>
+              <a:rPr lang="en-US" dirty="0" err="1"/>
+              <a:t>en</a:t>
+            </a:r>
+            <a:r>
+              <a:rPr lang="en-US" dirty="0"/>
+              <a:t>/authentication/connecting-to-</a:t>
+            </a:r>
+            <a:r>
+              <a:rPr lang="en-US" dirty="0" err="1"/>
+              <a:t>github</a:t>
+            </a:r>
+            <a:r>
+              <a:rPr lang="en-US" dirty="0"/>
+              <a:t>-with-</a:t>
+            </a:r>
+            <a:r>
+              <a:rPr lang="en-US" dirty="0" err="1"/>
+              <a:t>ssh</a:t>
+            </a:r>
+            <a:r>
+              <a:rPr lang="en-US" dirty="0"/>
+              <a:t>/adding-a-new-</a:t>
+            </a:r>
+            <a:r>
+              <a:rPr lang="en-US" dirty="0" err="1"/>
+              <a:t>ssh</a:t>
+            </a:r>
+            <a:r>
+              <a:rPr lang="en-US" dirty="0"/>
+              <a:t>-key-to-your-</a:t>
+            </a:r>
+            <a:r>
+              <a:rPr lang="en-US" dirty="0" err="1"/>
+              <a:t>github</a:t>
+            </a:r>
+            <a:r>
+              <a:rPr lang="en-US" dirty="0"/>
+              <a:t>-account</a:t>
+            </a:r>
+          </a:p>
+        </p:txBody>
+      </p:sp>
+    </p:spTree>
+    <p:extLst>
+      <p:ext uri="{BB962C8B-B14F-4D97-AF65-F5344CB8AC3E}">
+        <p14:creationId xmlns:p14="http://schemas.microsoft.com/office/powerpoint/2010/main" val="3991610866"/>
+      </p:ext>
+    </p:extLst>
+  </p:cSld>
+  <p:clrMapOvr>
+    <a:masterClrMapping/>
+  </p:clrMapOvr>
+</p:sld>
+</file>
+
+<file path=ppt/slides/slide6.xml><?xml version="1.0" encoding="utf-8"?>
 <p:sld xmlns:a="http://schemas.openxmlformats.org/drawingml/2006/main" xmlns:r="http://schemas.openxmlformats.org/officeDocument/2006/relationships" xmlns:p="http://schemas.openxmlformats.org/presentationml/2006/main">
   <p:cSld>
     <p:spTree>
@@ -7605,7 +9834,25 @@
                 </a:solidFill>
                 <a:latin typeface="Arial Rounded MT Bold" panose="020F0704030504030204" pitchFamily="34" charset="0"/>
               </a:rPr>
-              <a:t>Step 1. Create a repository</a:t>
+              <a:t>Step 3. Create a repository (</a:t>
+            </a:r>
+            <a:r>
+              <a:rPr lang="en-US" altLang="zh-CN" sz="4000" dirty="0" err="1">
+                <a:solidFill>
+                  <a:srgbClr val="00B0F0"/>
+                </a:solidFill>
+                <a:latin typeface="Arial Rounded MT Bold" panose="020F0704030504030204" pitchFamily="34" charset="0"/>
+              </a:rPr>
+              <a:t>github</a:t>
+            </a:r>
+            <a:r>
+              <a:rPr lang="en-US" altLang="zh-CN" sz="4000" dirty="0">
+                <a:solidFill>
+                  <a:srgbClr val="00B0F0"/>
+                </a:solidFill>
+                <a:latin typeface="Arial Rounded MT Bold" panose="020F0704030504030204" pitchFamily="34" charset="0"/>
+              </a:rPr>
+              <a:t>)</a:t>
             </a:r>
             <a:endParaRPr lang="en-US" sz="4000" dirty="0">
               <a:solidFill>
@@ -7681,778 +9928,7 @@
 </p:sld>
 </file>
 
-<file path=ppt/slides/slide4.xml><?xml version="1.0" encoding="utf-8"?>
-<p:sld xmlns:a="http://schemas.openxmlformats.org/drawingml/2006/main" xmlns:r="http://schemas.openxmlformats.org/officeDocument/2006/relationships" xmlns:p="http://schemas.openxmlformats.org/presentationml/2006/main">
-  <p:cSld>
-    <p:spTree>
-      <p:nvGrpSpPr>
-        <p:cNvPr id="1" name=""/>
-        <p:cNvGrpSpPr/>
-        <p:nvPr/>
-      </p:nvGrpSpPr>
-      <p:grpSpPr>
-        <a:xfrm>
-          <a:off x="0" y="0"/>
-          <a:ext cx="0" cy="0"/>
-          <a:chOff x="0" y="0"/>
-          <a:chExt cx="0" cy="0"/>
-        </a:xfrm>
-      </p:grpSpPr>
-      <p:sp>
-        <p:nvSpPr>
-          <p:cNvPr id="17" name="Title 1">
-            <a:extLst>
-              <a:ext uri="{FF2B5EF4-FFF2-40B4-BE49-F238E27FC236}">
-                <a16:creationId xmlns:a16="http://schemas.microsoft.com/office/drawing/2014/main" id="{B1D22E43-8256-41A9-941A-1DE5CC11C65B}"/>
-              </a:ext>
-            </a:extLst>
-          </p:cNvPr>
-          <p:cNvSpPr txBox="1">
-            <a:spLocks/>
-          </p:cNvSpPr>
-          <p:nvPr/>
-        </p:nvSpPr>
-        <p:spPr>
-          <a:xfrm>
-            <a:off x="548521" y="-88900"/>
-            <a:ext cx="10225120" cy="1320800"/>
-          </a:xfrm>
-          <a:prstGeom prst="rect">
-            <a:avLst/>
-          </a:prstGeom>
-        </p:spPr>
-        <p:txBody>
-          <a:bodyPr vert="horz" lIns="91440" tIns="45720" rIns="91440" bIns="45720" rtlCol="0" anchor="ctr">
-            <a:normAutofit fontScale="97500"/>
-          </a:bodyPr>
-          <a:lstStyle>
-            <a:lvl1pPr algn="l" defTabSz="457200" rtl="0" eaLnBrk="1" latinLnBrk="0" hangingPunct="1">
-              <a:spcBef>
-                <a:spcPct val="0"/>
-              </a:spcBef>
-              <a:buNone/>
-              <a:defRPr sz="3600" kern="1200">
-                <a:solidFill>
-                  <a:schemeClr val="accent1"/>
-                </a:solidFill>
-                <a:latin typeface="+mj-lt"/>
-                <a:ea typeface="+mj-ea"/>
-                <a:cs typeface="+mj-cs"/>
-              </a:defRPr>
-            </a:lvl1pPr>
-            <a:lvl2pPr eaLnBrk="1" hangingPunct="1">
-              <a:defRPr>
-                <a:solidFill>
-                  <a:schemeClr val="tx2"/>
-                </a:solidFill>
-              </a:defRPr>
-            </a:lvl2pPr>
-            <a:lvl3pPr eaLnBrk="1" hangingPunct="1">
-              <a:defRPr>
-                <a:solidFill>
-                  <a:schemeClr val="tx2"/>
-                </a:solidFill>
-              </a:defRPr>
-            </a:lvl3pPr>
-            <a:lvl4pPr eaLnBrk="1" hangingPunct="1">
-              <a:defRPr>
-                <a:solidFill>
-                  <a:schemeClr val="tx2"/>
-                </a:solidFill>
-              </a:defRPr>
-            </a:lvl4pPr>
-            <a:lvl5pPr eaLnBrk="1" hangingPunct="1">
-              <a:defRPr>
-                <a:solidFill>
-                  <a:schemeClr val="tx2"/>
-                </a:solidFill>
-              </a:defRPr>
-            </a:lvl5pPr>
-            <a:lvl6pPr eaLnBrk="1" hangingPunct="1">
-              <a:defRPr>
-                <a:solidFill>
-                  <a:schemeClr val="tx2"/>
-                </a:solidFill>
-              </a:defRPr>
-            </a:lvl6pPr>
-            <a:lvl7pPr eaLnBrk="1" hangingPunct="1">
-              <a:defRPr>
-                <a:solidFill>
-                  <a:schemeClr val="tx2"/>
-                </a:solidFill>
-              </a:defRPr>
-            </a:lvl7pPr>
-            <a:lvl8pPr eaLnBrk="1" hangingPunct="1">
-              <a:defRPr>
-                <a:solidFill>
-                  <a:schemeClr val="tx2"/>
-                </a:solidFill>
-              </a:defRPr>
-            </a:lvl8pPr>
-            <a:lvl9pPr eaLnBrk="1" hangingPunct="1">
-              <a:defRPr>
-                <a:solidFill>
-                  <a:schemeClr val="tx2"/>
-                </a:solidFill>
-              </a:defRPr>
-            </a:lvl9pPr>
-          </a:lstStyle>
-          <a:p>
-            <a:r>
-              <a:rPr lang="en-US" altLang="zh-CN" sz="4000" dirty="0">
-                <a:solidFill>
-                  <a:srgbClr val="00B0F0"/>
-                </a:solidFill>
-                <a:latin typeface="Arial Rounded MT Bold" panose="020F0704030504030204" pitchFamily="34" charset="0"/>
-              </a:rPr>
-              <a:t>Step 1. Add SSH Key (local)</a:t>
-            </a:r>
-            <a:endParaRPr lang="en-US" sz="4000" dirty="0">
-              <a:solidFill>
-                <a:srgbClr val="00B0F0"/>
-              </a:solidFill>
-              <a:latin typeface="Arial Rounded MT Bold" panose="020F0704030504030204" pitchFamily="34" charset="0"/>
-            </a:endParaRPr>
-          </a:p>
-        </p:txBody>
-      </p:sp>
-      <p:sp>
-        <p:nvSpPr>
-          <p:cNvPr id="5" name="TextBox 4">
-            <a:extLst>
-              <a:ext uri="{FF2B5EF4-FFF2-40B4-BE49-F238E27FC236}">
-                <a16:creationId xmlns:a16="http://schemas.microsoft.com/office/drawing/2014/main" id="{598C24F7-2348-6845-9060-5A46797F131C}"/>
-              </a:ext>
-            </a:extLst>
-          </p:cNvPr>
-          <p:cNvSpPr txBox="1"/>
-          <p:nvPr/>
-        </p:nvSpPr>
-        <p:spPr>
-          <a:xfrm>
-            <a:off x="1939290" y="1723013"/>
-            <a:ext cx="7433310" cy="2677656"/>
-          </a:xfrm>
-          <a:prstGeom prst="rect">
-            <a:avLst/>
-          </a:prstGeom>
-          <a:noFill/>
-        </p:spPr>
-        <p:txBody>
-          <a:bodyPr wrap="square">
-            <a:spAutoFit/>
-          </a:bodyPr>
-          <a:lstStyle/>
-          <a:p>
-            <a:r>
-              <a:rPr lang="en-US" sz="2400" dirty="0"/>
-              <a:t># Create </a:t>
-            </a:r>
-            <a:r>
-              <a:rPr lang="en-US" sz="2400" dirty="0" err="1"/>
-              <a:t>ssh</a:t>
-            </a:r>
-            <a:r>
-              <a:rPr lang="en-US" sz="2400" dirty="0"/>
-              <a:t> keys</a:t>
-            </a:r>
-          </a:p>
-          <a:p>
-            <a:r>
-              <a:rPr lang="en-US" sz="2400" dirty="0"/>
-              <a:t># private key, /Users/</a:t>
-            </a:r>
-            <a:r>
-              <a:rPr lang="en-US" sz="2400" dirty="0" err="1"/>
-              <a:t>myname</a:t>
-            </a:r>
-            <a:r>
-              <a:rPr lang="en-US" sz="2400" dirty="0"/>
-              <a:t>/.</a:t>
-            </a:r>
-            <a:r>
-              <a:rPr lang="en-US" sz="2400" dirty="0" err="1"/>
-              <a:t>ssh</a:t>
-            </a:r>
-            <a:r>
-              <a:rPr lang="en-US" sz="2400" dirty="0"/>
-              <a:t>/</a:t>
-            </a:r>
-            <a:r>
-              <a:rPr lang="en-US" sz="2400" dirty="0" err="1"/>
-              <a:t>id_rsa</a:t>
-            </a:r>
-            <a:endParaRPr lang="en-US" sz="2400" dirty="0"/>
-          </a:p>
-          <a:p>
-            <a:r>
-              <a:rPr lang="en-US" sz="2400" dirty="0"/>
-              <a:t># public key, /Users/</a:t>
-            </a:r>
-            <a:r>
-              <a:rPr lang="en-US" sz="2400" dirty="0" err="1"/>
-              <a:t>myname</a:t>
-            </a:r>
-            <a:r>
-              <a:rPr lang="en-US" sz="2400" dirty="0"/>
-              <a:t>/.</a:t>
-            </a:r>
-            <a:r>
-              <a:rPr lang="en-US" sz="2400" dirty="0" err="1"/>
-              <a:t>ssh</a:t>
-            </a:r>
-            <a:r>
-              <a:rPr lang="en-US" sz="2400" dirty="0"/>
-              <a:t>/</a:t>
-            </a:r>
-            <a:r>
-              <a:rPr lang="en-US" sz="2400" dirty="0" err="1"/>
-              <a:t>id_rsa.pub</a:t>
-            </a:r>
-            <a:endParaRPr lang="en-US" sz="2400" dirty="0"/>
-          </a:p>
-          <a:p>
-            <a:r>
-              <a:rPr lang="en-US" sz="2400" b="1" dirty="0" err="1">
-                <a:solidFill>
-                  <a:srgbClr val="FF0000"/>
-                </a:solidFill>
-              </a:rPr>
-              <a:t>ssh</a:t>
-            </a:r>
-            <a:r>
-              <a:rPr lang="en-US" sz="2400" b="1" dirty="0">
-                <a:solidFill>
-                  <a:srgbClr val="FF0000"/>
-                </a:solidFill>
-              </a:rPr>
-              <a:t>-keygen -t </a:t>
-            </a:r>
-            <a:r>
-              <a:rPr lang="en-US" sz="2400" b="1" dirty="0" err="1">
-                <a:solidFill>
-                  <a:srgbClr val="FF0000"/>
-                </a:solidFill>
-              </a:rPr>
-              <a:t>rsa</a:t>
-            </a:r>
-            <a:endParaRPr lang="en-US" sz="2400" b="1" dirty="0">
-              <a:solidFill>
-                <a:srgbClr val="FF0000"/>
-              </a:solidFill>
-            </a:endParaRPr>
-          </a:p>
-          <a:p>
-            <a:endParaRPr lang="en-US" sz="2400" dirty="0"/>
-          </a:p>
-          <a:p>
-            <a:r>
-              <a:rPr lang="en-US" sz="2400" dirty="0"/>
-              <a:t># Add public key to </a:t>
-            </a:r>
-            <a:r>
-              <a:rPr lang="en-US" sz="2400" dirty="0" err="1"/>
-              <a:t>ssh</a:t>
-            </a:r>
-            <a:r>
-              <a:rPr lang="en-US" sz="2400" dirty="0"/>
-              <a:t>-agent</a:t>
-            </a:r>
-          </a:p>
-          <a:p>
-            <a:r>
-              <a:rPr lang="en-US" sz="2400" b="1" dirty="0" err="1">
-                <a:solidFill>
-                  <a:srgbClr val="FF0000"/>
-                </a:solidFill>
-              </a:rPr>
-              <a:t>ssh</a:t>
-            </a:r>
-            <a:r>
-              <a:rPr lang="en-US" sz="2400" b="1" dirty="0">
-                <a:solidFill>
-                  <a:srgbClr val="FF0000"/>
-                </a:solidFill>
-              </a:rPr>
-              <a:t>-add ~/.</a:t>
-            </a:r>
-            <a:r>
-              <a:rPr lang="en-US" sz="2400" b="1" dirty="0" err="1">
-                <a:solidFill>
-                  <a:srgbClr val="FF0000"/>
-                </a:solidFill>
-              </a:rPr>
-              <a:t>ssh</a:t>
-            </a:r>
-            <a:r>
-              <a:rPr lang="en-US" sz="2400" b="1" dirty="0">
-                <a:solidFill>
-                  <a:srgbClr val="FF0000"/>
-                </a:solidFill>
-              </a:rPr>
-              <a:t>/</a:t>
-            </a:r>
-            <a:r>
-              <a:rPr lang="en-US" sz="2400" b="1" dirty="0" err="1">
-                <a:solidFill>
-                  <a:srgbClr val="FF0000"/>
-                </a:solidFill>
-              </a:rPr>
-              <a:t>id_rsa</a:t>
-            </a:r>
-            <a:endParaRPr lang="en-US" sz="2400" b="1" dirty="0">
-              <a:solidFill>
-                <a:srgbClr val="FF0000"/>
-              </a:solidFill>
-            </a:endParaRPr>
-          </a:p>
-        </p:txBody>
-      </p:sp>
-      <p:sp>
-        <p:nvSpPr>
-          <p:cNvPr id="6" name="TextBox 5">
-            <a:extLst>
-              <a:ext uri="{FF2B5EF4-FFF2-40B4-BE49-F238E27FC236}">
-                <a16:creationId xmlns:a16="http://schemas.microsoft.com/office/drawing/2014/main" id="{02ED0CA6-AF51-2744-A8CA-0ECB7845AB7F}"/>
-              </a:ext>
-            </a:extLst>
-          </p:cNvPr>
-          <p:cNvSpPr txBox="1"/>
-          <p:nvPr/>
-        </p:nvSpPr>
-        <p:spPr>
-          <a:xfrm>
-            <a:off x="6557058" y="6164048"/>
-            <a:ext cx="6099858" cy="369332"/>
-          </a:xfrm>
-          <a:prstGeom prst="rect">
-            <a:avLst/>
-          </a:prstGeom>
-          <a:noFill/>
-        </p:spPr>
-        <p:txBody>
-          <a:bodyPr wrap="square">
-            <a:spAutoFit/>
-          </a:bodyPr>
-          <a:lstStyle/>
-          <a:p>
-            <a:r>
-              <a:rPr lang="en-US" dirty="0"/>
-              <a:t>https://</a:t>
-            </a:r>
-            <a:r>
-              <a:rPr lang="en-US" dirty="0" err="1"/>
-              <a:t>lin-chen-langley.github.io</a:t>
-            </a:r>
-            <a:r>
-              <a:rPr lang="en-US" dirty="0"/>
-              <a:t>/Git/</a:t>
-            </a:r>
-            <a:r>
-              <a:rPr lang="en-US" dirty="0" err="1"/>
-              <a:t>ssh.htm</a:t>
-            </a:r>
-            <a:endParaRPr lang="en-US" dirty="0"/>
-          </a:p>
-        </p:txBody>
-      </p:sp>
-    </p:spTree>
-    <p:extLst>
-      <p:ext uri="{BB962C8B-B14F-4D97-AF65-F5344CB8AC3E}">
-        <p14:creationId xmlns:p14="http://schemas.microsoft.com/office/powerpoint/2010/main" val="290380369"/>
-      </p:ext>
-    </p:extLst>
-  </p:cSld>
-  <p:clrMapOvr>
-    <a:masterClrMapping/>
-  </p:clrMapOvr>
-</p:sld>
-</file>
-
-<file path=ppt/slides/slide5.xml><?xml version="1.0" encoding="utf-8"?>
-<p:sld xmlns:a="http://schemas.openxmlformats.org/drawingml/2006/main" xmlns:r="http://schemas.openxmlformats.org/officeDocument/2006/relationships" xmlns:p="http://schemas.openxmlformats.org/presentationml/2006/main">
-  <p:cSld>
-    <p:spTree>
-      <p:nvGrpSpPr>
-        <p:cNvPr id="1" name=""/>
-        <p:cNvGrpSpPr/>
-        <p:nvPr/>
-      </p:nvGrpSpPr>
-      <p:grpSpPr>
-        <a:xfrm>
-          <a:off x="0" y="0"/>
-          <a:ext cx="0" cy="0"/>
-          <a:chOff x="0" y="0"/>
-          <a:chExt cx="0" cy="0"/>
-        </a:xfrm>
-      </p:grpSpPr>
-      <p:sp>
-        <p:nvSpPr>
-          <p:cNvPr id="17" name="Title 1">
-            <a:extLst>
-              <a:ext uri="{FF2B5EF4-FFF2-40B4-BE49-F238E27FC236}">
-                <a16:creationId xmlns:a16="http://schemas.microsoft.com/office/drawing/2014/main" id="{B1D22E43-8256-41A9-941A-1DE5CC11C65B}"/>
-              </a:ext>
-            </a:extLst>
-          </p:cNvPr>
-          <p:cNvSpPr txBox="1">
-            <a:spLocks/>
-          </p:cNvSpPr>
-          <p:nvPr/>
-        </p:nvSpPr>
-        <p:spPr>
-          <a:xfrm>
-            <a:off x="548521" y="-88900"/>
-            <a:ext cx="10225120" cy="1320800"/>
-          </a:xfrm>
-          <a:prstGeom prst="rect">
-            <a:avLst/>
-          </a:prstGeom>
-        </p:spPr>
-        <p:txBody>
-          <a:bodyPr vert="horz" lIns="91440" tIns="45720" rIns="91440" bIns="45720" rtlCol="0" anchor="ctr">
-            <a:normAutofit fontScale="97500"/>
-          </a:bodyPr>
-          <a:lstStyle>
-            <a:lvl1pPr algn="l" defTabSz="457200" rtl="0" eaLnBrk="1" latinLnBrk="0" hangingPunct="1">
-              <a:spcBef>
-                <a:spcPct val="0"/>
-              </a:spcBef>
-              <a:buNone/>
-              <a:defRPr sz="3600" kern="1200">
-                <a:solidFill>
-                  <a:schemeClr val="accent1"/>
-                </a:solidFill>
-                <a:latin typeface="+mj-lt"/>
-                <a:ea typeface="+mj-ea"/>
-                <a:cs typeface="+mj-cs"/>
-              </a:defRPr>
-            </a:lvl1pPr>
-            <a:lvl2pPr eaLnBrk="1" hangingPunct="1">
-              <a:defRPr>
-                <a:solidFill>
-                  <a:schemeClr val="tx2"/>
-                </a:solidFill>
-              </a:defRPr>
-            </a:lvl2pPr>
-            <a:lvl3pPr eaLnBrk="1" hangingPunct="1">
-              <a:defRPr>
-                <a:solidFill>
-                  <a:schemeClr val="tx2"/>
-                </a:solidFill>
-              </a:defRPr>
-            </a:lvl3pPr>
-            <a:lvl4pPr eaLnBrk="1" hangingPunct="1">
-              <a:defRPr>
-                <a:solidFill>
-                  <a:schemeClr val="tx2"/>
-                </a:solidFill>
-              </a:defRPr>
-            </a:lvl4pPr>
-            <a:lvl5pPr eaLnBrk="1" hangingPunct="1">
-              <a:defRPr>
-                <a:solidFill>
-                  <a:schemeClr val="tx2"/>
-                </a:solidFill>
-              </a:defRPr>
-            </a:lvl5pPr>
-            <a:lvl6pPr eaLnBrk="1" hangingPunct="1">
-              <a:defRPr>
-                <a:solidFill>
-                  <a:schemeClr val="tx2"/>
-                </a:solidFill>
-              </a:defRPr>
-            </a:lvl6pPr>
-            <a:lvl7pPr eaLnBrk="1" hangingPunct="1">
-              <a:defRPr>
-                <a:solidFill>
-                  <a:schemeClr val="tx2"/>
-                </a:solidFill>
-              </a:defRPr>
-            </a:lvl7pPr>
-            <a:lvl8pPr eaLnBrk="1" hangingPunct="1">
-              <a:defRPr>
-                <a:solidFill>
-                  <a:schemeClr val="tx2"/>
-                </a:solidFill>
-              </a:defRPr>
-            </a:lvl8pPr>
-            <a:lvl9pPr eaLnBrk="1" hangingPunct="1">
-              <a:defRPr>
-                <a:solidFill>
-                  <a:schemeClr val="tx2"/>
-                </a:solidFill>
-              </a:defRPr>
-            </a:lvl9pPr>
-          </a:lstStyle>
-          <a:p>
-            <a:r>
-              <a:rPr lang="en-US" altLang="zh-CN" sz="4000" dirty="0">
-                <a:solidFill>
-                  <a:srgbClr val="00B0F0"/>
-                </a:solidFill>
-                <a:latin typeface="Arial Rounded MT Bold" panose="020F0704030504030204" pitchFamily="34" charset="0"/>
-              </a:rPr>
-              <a:t>Step 2. Add SSH Key (</a:t>
-            </a:r>
-            <a:r>
-              <a:rPr lang="en-US" altLang="zh-CN" sz="4000" dirty="0" err="1">
-                <a:solidFill>
-                  <a:srgbClr val="00B0F0"/>
-                </a:solidFill>
-                <a:latin typeface="Arial Rounded MT Bold" panose="020F0704030504030204" pitchFamily="34" charset="0"/>
-              </a:rPr>
-              <a:t>github</a:t>
-            </a:r>
-            <a:r>
-              <a:rPr lang="en-US" altLang="zh-CN" sz="4000" dirty="0">
-                <a:solidFill>
-                  <a:srgbClr val="00B0F0"/>
-                </a:solidFill>
-                <a:latin typeface="Arial Rounded MT Bold" panose="020F0704030504030204" pitchFamily="34" charset="0"/>
-              </a:rPr>
-              <a:t>)</a:t>
-            </a:r>
-            <a:endParaRPr lang="en-US" sz="4000" dirty="0">
-              <a:solidFill>
-                <a:srgbClr val="00B0F0"/>
-              </a:solidFill>
-              <a:latin typeface="Arial Rounded MT Bold" panose="020F0704030504030204" pitchFamily="34" charset="0"/>
-            </a:endParaRPr>
-          </a:p>
-        </p:txBody>
-      </p:sp>
-      <p:pic>
-        <p:nvPicPr>
-          <p:cNvPr id="3" name="Picture 2" descr="Graphical user interface, text, application, email&#10;&#10;Description automatically generated">
-            <a:extLst>
-              <a:ext uri="{FF2B5EF4-FFF2-40B4-BE49-F238E27FC236}">
-                <a16:creationId xmlns:a16="http://schemas.microsoft.com/office/drawing/2014/main" id="{334E9A05-7731-D34C-B8C4-84CB5F30A626}"/>
-              </a:ext>
-            </a:extLst>
-          </p:cNvPr>
-          <p:cNvPicPr>
-            <a:picLocks noChangeAspect="1"/>
-          </p:cNvPicPr>
-          <p:nvPr/>
-        </p:nvPicPr>
-        <p:blipFill>
-          <a:blip r:embed="rId2"/>
-          <a:stretch>
-            <a:fillRect/>
-          </a:stretch>
-        </p:blipFill>
-        <p:spPr>
-          <a:xfrm>
-            <a:off x="1722120" y="1231900"/>
-            <a:ext cx="8168640" cy="4550365"/>
-          </a:xfrm>
-          <a:prstGeom prst="rect">
-            <a:avLst/>
-          </a:prstGeom>
-        </p:spPr>
-      </p:pic>
-      <p:sp>
-        <p:nvSpPr>
-          <p:cNvPr id="8" name="Rectangle 7">
-            <a:extLst>
-              <a:ext uri="{FF2B5EF4-FFF2-40B4-BE49-F238E27FC236}">
-                <a16:creationId xmlns:a16="http://schemas.microsoft.com/office/drawing/2014/main" id="{EE3D8388-3F6A-4648-B978-FA3F09952EC1}"/>
-              </a:ext>
-            </a:extLst>
-          </p:cNvPr>
-          <p:cNvSpPr/>
-          <p:nvPr/>
-        </p:nvSpPr>
-        <p:spPr>
-          <a:xfrm>
-            <a:off x="1828799" y="5069654"/>
-            <a:ext cx="1767841" cy="393515"/>
-          </a:xfrm>
-          <a:prstGeom prst="rect">
-            <a:avLst/>
-          </a:prstGeom>
-          <a:noFill/>
-          <a:ln w="25400">
-            <a:solidFill>
-              <a:srgbClr val="FF0000"/>
-            </a:solidFill>
-          </a:ln>
-        </p:spPr>
-        <p:style>
-          <a:lnRef idx="2">
-            <a:schemeClr val="accent1">
-              <a:shade val="50000"/>
-            </a:schemeClr>
-          </a:lnRef>
-          <a:fillRef idx="1">
-            <a:schemeClr val="accent1"/>
-          </a:fillRef>
-          <a:effectRef idx="0">
-            <a:schemeClr val="accent1"/>
-          </a:effectRef>
-          <a:fontRef idx="minor">
-            <a:schemeClr val="lt1"/>
-          </a:fontRef>
-        </p:style>
-        <p:txBody>
-          <a:bodyPr rtlCol="0" anchor="ctr"/>
-          <a:lstStyle/>
-          <a:p>
-            <a:pPr algn="ctr"/>
-            <a:endParaRPr lang="en-US" dirty="0"/>
-          </a:p>
-        </p:txBody>
-      </p:sp>
-      <p:sp>
-        <p:nvSpPr>
-          <p:cNvPr id="10" name="Rectangle 9">
-            <a:extLst>
-              <a:ext uri="{FF2B5EF4-FFF2-40B4-BE49-F238E27FC236}">
-                <a16:creationId xmlns:a16="http://schemas.microsoft.com/office/drawing/2014/main" id="{E1EF62FF-B24A-544E-8FC3-DD2E214D1361}"/>
-              </a:ext>
-            </a:extLst>
-          </p:cNvPr>
-          <p:cNvSpPr/>
-          <p:nvPr/>
-        </p:nvSpPr>
-        <p:spPr>
-          <a:xfrm>
-            <a:off x="7848599" y="1701614"/>
-            <a:ext cx="1767841" cy="393515"/>
-          </a:xfrm>
-          <a:prstGeom prst="rect">
-            <a:avLst/>
-          </a:prstGeom>
-          <a:noFill/>
-          <a:ln w="25400">
-            <a:solidFill>
-              <a:srgbClr val="FF0000"/>
-            </a:solidFill>
-          </a:ln>
-        </p:spPr>
-        <p:style>
-          <a:lnRef idx="2">
-            <a:schemeClr val="accent1">
-              <a:shade val="50000"/>
-            </a:schemeClr>
-          </a:lnRef>
-          <a:fillRef idx="1">
-            <a:schemeClr val="accent1"/>
-          </a:fillRef>
-          <a:effectRef idx="0">
-            <a:schemeClr val="accent1"/>
-          </a:effectRef>
-          <a:fontRef idx="minor">
-            <a:schemeClr val="lt1"/>
-          </a:fontRef>
-        </p:style>
-        <p:txBody>
-          <a:bodyPr rtlCol="0" anchor="ctr"/>
-          <a:lstStyle/>
-          <a:p>
-            <a:pPr algn="ctr"/>
-            <a:endParaRPr lang="en-US" dirty="0"/>
-          </a:p>
-        </p:txBody>
-      </p:sp>
-      <p:sp>
-        <p:nvSpPr>
-          <p:cNvPr id="11" name="TextBox 10">
-            <a:extLst>
-              <a:ext uri="{FF2B5EF4-FFF2-40B4-BE49-F238E27FC236}">
-                <a16:creationId xmlns:a16="http://schemas.microsoft.com/office/drawing/2014/main" id="{EEBC55D1-4802-2A4F-B8BF-AD5879D112CF}"/>
-              </a:ext>
-            </a:extLst>
-          </p:cNvPr>
-          <p:cNvSpPr txBox="1"/>
-          <p:nvPr/>
-        </p:nvSpPr>
-        <p:spPr>
-          <a:xfrm>
-            <a:off x="1722120" y="5917643"/>
-            <a:ext cx="8362950" cy="646331"/>
-          </a:xfrm>
-          <a:prstGeom prst="rect">
-            <a:avLst/>
-          </a:prstGeom>
-          <a:noFill/>
-        </p:spPr>
-        <p:txBody>
-          <a:bodyPr wrap="square">
-            <a:spAutoFit/>
-          </a:bodyPr>
-          <a:lstStyle/>
-          <a:p>
-            <a:r>
-              <a:rPr lang="en-US" dirty="0"/>
-              <a:t>https://</a:t>
-            </a:r>
-            <a:r>
-              <a:rPr lang="en-US" dirty="0" err="1"/>
-              <a:t>docs.github.com</a:t>
-            </a:r>
-            <a:r>
-              <a:rPr lang="en-US" dirty="0"/>
-              <a:t>/</a:t>
-            </a:r>
-            <a:r>
-              <a:rPr lang="en-US" dirty="0" err="1"/>
-              <a:t>en</a:t>
-            </a:r>
-            <a:r>
-              <a:rPr lang="en-US" dirty="0"/>
-              <a:t>/authentication/connecting-to-</a:t>
-            </a:r>
-            <a:r>
-              <a:rPr lang="en-US" dirty="0" err="1"/>
-              <a:t>github</a:t>
-            </a:r>
-            <a:r>
-              <a:rPr lang="en-US" dirty="0"/>
-              <a:t>-with-</a:t>
-            </a:r>
-            <a:r>
-              <a:rPr lang="en-US" dirty="0" err="1"/>
-              <a:t>ssh</a:t>
-            </a:r>
-            <a:r>
-              <a:rPr lang="en-US" dirty="0"/>
-              <a:t>/adding-a-new-</a:t>
-            </a:r>
-            <a:r>
-              <a:rPr lang="en-US" dirty="0" err="1"/>
-              <a:t>ssh</a:t>
-            </a:r>
-            <a:r>
-              <a:rPr lang="en-US" dirty="0"/>
-              <a:t>-key-to-your-</a:t>
-            </a:r>
-            <a:r>
-              <a:rPr lang="en-US" dirty="0" err="1"/>
-              <a:t>github</a:t>
-            </a:r>
-            <a:r>
-              <a:rPr lang="en-US" dirty="0"/>
-              <a:t>-account</a:t>
-            </a:r>
-          </a:p>
-        </p:txBody>
-      </p:sp>
-    </p:spTree>
-    <p:extLst>
-      <p:ext uri="{BB962C8B-B14F-4D97-AF65-F5344CB8AC3E}">
-        <p14:creationId xmlns:p14="http://schemas.microsoft.com/office/powerpoint/2010/main" val="3991610866"/>
-      </p:ext>
-    </p:extLst>
-  </p:cSld>
-  <p:clrMapOvr>
-    <a:masterClrMapping/>
-  </p:clrMapOvr>
-</p:sld>
-</file>
-
-<file path=ppt/slides/slide6.xml><?xml version="1.0" encoding="utf-8"?>
+<file path=ppt/slides/slide7.xml><?xml version="1.0" encoding="utf-8"?>
 <p:sld xmlns:a="http://schemas.openxmlformats.org/drawingml/2006/main" xmlns:r="http://schemas.openxmlformats.org/officeDocument/2006/relationships" xmlns:p="http://schemas.openxmlformats.org/presentationml/2006/main">
   <p:cSld>
     <p:spTree>
@@ -8724,269 +10200,6 @@
 </p:sld>
 </file>
 
-<file path=ppt/slides/slide7.xml><?xml version="1.0" encoding="utf-8"?>
-<p:sld xmlns:a="http://schemas.openxmlformats.org/drawingml/2006/main" xmlns:r="http://schemas.openxmlformats.org/officeDocument/2006/relationships" xmlns:p="http://schemas.openxmlformats.org/presentationml/2006/main">
-  <p:cSld>
-    <p:spTree>
-      <p:nvGrpSpPr>
-        <p:cNvPr id="1" name=""/>
-        <p:cNvGrpSpPr/>
-        <p:nvPr/>
-      </p:nvGrpSpPr>
-      <p:grpSpPr>
-        <a:xfrm>
-          <a:off x="0" y="0"/>
-          <a:ext cx="0" cy="0"/>
-          <a:chOff x="0" y="0"/>
-          <a:chExt cx="0" cy="0"/>
-        </a:xfrm>
-      </p:grpSpPr>
-      <p:sp>
-        <p:nvSpPr>
-          <p:cNvPr id="17" name="Title 1">
-            <a:extLst>
-              <a:ext uri="{FF2B5EF4-FFF2-40B4-BE49-F238E27FC236}">
-                <a16:creationId xmlns:a16="http://schemas.microsoft.com/office/drawing/2014/main" id="{B1D22E43-8256-41A9-941A-1DE5CC11C65B}"/>
-              </a:ext>
-            </a:extLst>
-          </p:cNvPr>
-          <p:cNvSpPr txBox="1">
-            <a:spLocks/>
-          </p:cNvSpPr>
-          <p:nvPr/>
-        </p:nvSpPr>
-        <p:spPr>
-          <a:xfrm>
-            <a:off x="548520" y="-88900"/>
-            <a:ext cx="11384979" cy="1320800"/>
-          </a:xfrm>
-          <a:prstGeom prst="rect">
-            <a:avLst/>
-          </a:prstGeom>
-        </p:spPr>
-        <p:txBody>
-          <a:bodyPr vert="horz" lIns="91440" tIns="45720" rIns="91440" bIns="45720" rtlCol="0" anchor="ctr">
-            <a:normAutofit fontScale="97500"/>
-          </a:bodyPr>
-          <a:lstStyle>
-            <a:lvl1pPr algn="l" defTabSz="457200" rtl="0" eaLnBrk="1" latinLnBrk="0" hangingPunct="1">
-              <a:spcBef>
-                <a:spcPct val="0"/>
-              </a:spcBef>
-              <a:buNone/>
-              <a:defRPr sz="3600" kern="1200">
-                <a:solidFill>
-                  <a:schemeClr val="accent1"/>
-                </a:solidFill>
-                <a:latin typeface="+mj-lt"/>
-                <a:ea typeface="+mj-ea"/>
-                <a:cs typeface="+mj-cs"/>
-              </a:defRPr>
-            </a:lvl1pPr>
-            <a:lvl2pPr eaLnBrk="1" hangingPunct="1">
-              <a:defRPr>
-                <a:solidFill>
-                  <a:schemeClr val="tx2"/>
-                </a:solidFill>
-              </a:defRPr>
-            </a:lvl2pPr>
-            <a:lvl3pPr eaLnBrk="1" hangingPunct="1">
-              <a:defRPr>
-                <a:solidFill>
-                  <a:schemeClr val="tx2"/>
-                </a:solidFill>
-              </a:defRPr>
-            </a:lvl3pPr>
-            <a:lvl4pPr eaLnBrk="1" hangingPunct="1">
-              <a:defRPr>
-                <a:solidFill>
-                  <a:schemeClr val="tx2"/>
-                </a:solidFill>
-              </a:defRPr>
-            </a:lvl4pPr>
-            <a:lvl5pPr eaLnBrk="1" hangingPunct="1">
-              <a:defRPr>
-                <a:solidFill>
-                  <a:schemeClr val="tx2"/>
-                </a:solidFill>
-              </a:defRPr>
-            </a:lvl5pPr>
-            <a:lvl6pPr eaLnBrk="1" hangingPunct="1">
-              <a:defRPr>
-                <a:solidFill>
-                  <a:schemeClr val="tx2"/>
-                </a:solidFill>
-              </a:defRPr>
-            </a:lvl6pPr>
-            <a:lvl7pPr eaLnBrk="1" hangingPunct="1">
-              <a:defRPr>
-                <a:solidFill>
-                  <a:schemeClr val="tx2"/>
-                </a:solidFill>
-              </a:defRPr>
-            </a:lvl7pPr>
-            <a:lvl8pPr eaLnBrk="1" hangingPunct="1">
-              <a:defRPr>
-                <a:solidFill>
-                  <a:schemeClr val="tx2"/>
-                </a:solidFill>
-              </a:defRPr>
-            </a:lvl8pPr>
-            <a:lvl9pPr eaLnBrk="1" hangingPunct="1">
-              <a:defRPr>
-                <a:solidFill>
-                  <a:schemeClr val="tx2"/>
-                </a:solidFill>
-              </a:defRPr>
-            </a:lvl9pPr>
-          </a:lstStyle>
-          <a:p>
-            <a:r>
-              <a:rPr lang="en-US" altLang="zh-CN" sz="4000" dirty="0">
-                <a:solidFill>
-                  <a:srgbClr val="00B0F0"/>
-                </a:solidFill>
-                <a:latin typeface="Arial Rounded MT Bold" panose="020F0704030504030204" pitchFamily="34" charset="0"/>
-              </a:rPr>
-              <a:t>Step 4. Create Git System for the project (local)</a:t>
-            </a:r>
-            <a:endParaRPr lang="en-US" sz="4000" dirty="0">
-              <a:solidFill>
-                <a:srgbClr val="00B0F0"/>
-              </a:solidFill>
-              <a:latin typeface="Arial Rounded MT Bold" panose="020F0704030504030204" pitchFamily="34" charset="0"/>
-            </a:endParaRPr>
-          </a:p>
-        </p:txBody>
-      </p:sp>
-      <p:sp>
-        <p:nvSpPr>
-          <p:cNvPr id="5" name="TextBox 4">
-            <a:extLst>
-              <a:ext uri="{FF2B5EF4-FFF2-40B4-BE49-F238E27FC236}">
-                <a16:creationId xmlns:a16="http://schemas.microsoft.com/office/drawing/2014/main" id="{598C24F7-2348-6845-9060-5A46797F131C}"/>
-              </a:ext>
-            </a:extLst>
-          </p:cNvPr>
-          <p:cNvSpPr txBox="1"/>
-          <p:nvPr/>
-        </p:nvSpPr>
-        <p:spPr>
-          <a:xfrm>
-            <a:off x="1939290" y="1723013"/>
-            <a:ext cx="9643110" cy="3416320"/>
-          </a:xfrm>
-          <a:prstGeom prst="rect">
-            <a:avLst/>
-          </a:prstGeom>
-          <a:noFill/>
-        </p:spPr>
-        <p:txBody>
-          <a:bodyPr wrap="square">
-            <a:spAutoFit/>
-          </a:bodyPr>
-          <a:lstStyle/>
-          <a:p>
-            <a:r>
-              <a:rPr lang="en-US" sz="2400" dirty="0"/>
-              <a:t># Enter the project directory</a:t>
-            </a:r>
-          </a:p>
-          <a:p>
-            <a:r>
-              <a:rPr lang="en-US" sz="2400" b="1" dirty="0">
-                <a:solidFill>
-                  <a:srgbClr val="FF0000"/>
-                </a:solidFill>
-              </a:rPr>
-              <a:t>cd my-project/ </a:t>
-            </a:r>
-          </a:p>
-          <a:p>
-            <a:endParaRPr lang="en-US" sz="2400" dirty="0"/>
-          </a:p>
-          <a:p>
-            <a:r>
-              <a:rPr lang="en-US" sz="2400" dirty="0"/>
-              <a:t># Create a git system for the project</a:t>
-            </a:r>
-          </a:p>
-          <a:p>
-            <a:r>
-              <a:rPr lang="en-US" sz="2400" b="1" dirty="0">
-                <a:solidFill>
-                  <a:srgbClr val="FF0000"/>
-                </a:solidFill>
-              </a:rPr>
-              <a:t>git </a:t>
-            </a:r>
-            <a:r>
-              <a:rPr lang="en-US" sz="2400" b="1" dirty="0" err="1">
-                <a:solidFill>
-                  <a:srgbClr val="FF0000"/>
-                </a:solidFill>
-              </a:rPr>
-              <a:t>init</a:t>
-            </a:r>
-            <a:r>
-              <a:rPr lang="en-US" sz="2400" b="1" dirty="0">
-                <a:solidFill>
-                  <a:srgbClr val="FF0000"/>
-                </a:solidFill>
-              </a:rPr>
-              <a:t> </a:t>
-            </a:r>
-          </a:p>
-          <a:p>
-            <a:endParaRPr lang="en-US" sz="2400" dirty="0"/>
-          </a:p>
-          <a:p>
-            <a:r>
-              <a:rPr lang="en-US" sz="2400" dirty="0"/>
-              <a:t># Add the repository URL to git system</a:t>
-            </a:r>
-          </a:p>
-          <a:p>
-            <a:r>
-              <a:rPr lang="en-US" sz="2400" b="1" dirty="0">
-                <a:solidFill>
-                  <a:srgbClr val="FF0000"/>
-                </a:solidFill>
-              </a:rPr>
-              <a:t>git remote add origin </a:t>
-            </a:r>
-            <a:r>
-              <a:rPr lang="en-US" sz="2400" b="1" dirty="0" err="1">
-                <a:solidFill>
-                  <a:srgbClr val="FF0000"/>
-                </a:solidFill>
-              </a:rPr>
-              <a:t>git@github.com</a:t>
-            </a:r>
-            <a:r>
-              <a:rPr lang="en-US" sz="2400" b="1" dirty="0">
-                <a:solidFill>
-                  <a:srgbClr val="FF0000"/>
-                </a:solidFill>
-              </a:rPr>
-              <a:t>:[user-name]/[user-name].git</a:t>
-            </a:r>
-          </a:p>
-        </p:txBody>
-      </p:sp>
-    </p:spTree>
-    <p:extLst>
-      <p:ext uri="{BB962C8B-B14F-4D97-AF65-F5344CB8AC3E}">
-        <p14:creationId xmlns:p14="http://schemas.microsoft.com/office/powerpoint/2010/main" val="3462321202"/>
-      </p:ext>
-    </p:extLst>
-  </p:cSld>
-  <p:clrMapOvr>
-    <a:masterClrMapping/>
-  </p:clrMapOvr>
-</p:sld>
-</file>
-
 <file path=ppt/slides/slide8.xml><?xml version="1.0" encoding="utf-8"?>
 <p:sld xmlns:a="http://schemas.openxmlformats.org/drawingml/2006/main" xmlns:r="http://schemas.openxmlformats.org/officeDocument/2006/relationships" xmlns:p="http://schemas.openxmlformats.org/presentationml/2006/main">
   <p:cSld>
@@ -9020,8 +10233,8 @@
         </p:nvSpPr>
         <p:spPr>
           <a:xfrm>
-            <a:off x="548521" y="-88900"/>
-            <a:ext cx="10225120" cy="1320800"/>
+            <a:off x="548520" y="-88900"/>
+            <a:ext cx="11384979" cy="1320800"/>
           </a:xfrm>
           <a:prstGeom prst="rect">
             <a:avLst/>
@@ -9111,7 +10324,7 @@
                 </a:solidFill>
                 <a:latin typeface="Arial Rounded MT Bold" panose="020F0704030504030204" pitchFamily="34" charset="0"/>
               </a:rPr>
-              <a:t>Step 5. Push Code to Repository (local)</a:t>
+              <a:t>Step 4. Create Git System for the project (local)</a:t>
             </a:r>
             <a:endParaRPr lang="en-US" sz="4000" dirty="0">
               <a:solidFill>
@@ -9137,7 +10350,7 @@
         <p:spPr>
           <a:xfrm>
             <a:off x="1939290" y="1723013"/>
-            <a:ext cx="9643110" cy="2308324"/>
+            <a:ext cx="9643110" cy="3416320"/>
           </a:xfrm>
           <a:prstGeom prst="rect">
             <a:avLst/>
@@ -9152,7 +10365,7 @@
           <a:p>
             <a:r>
               <a:rPr lang="en-US" sz="2400" dirty="0"/>
-              <a:t># Save a version</a:t>
+              <a:t># Enter the project directory</a:t>
             </a:r>
           </a:p>
           <a:p>
@@ -9162,7 +10375,16 @@
                   <a:srgbClr val="FF0000"/>
                 </a:solidFill>
               </a:rPr>
-              <a:t>git add .</a:t>
+              <a:t>cd my-project/ </a:t>
+            </a:r>
+          </a:p>
+          <a:p>
+            <a:endParaRPr lang="en-US" sz="2400" dirty="0"/>
+          </a:p>
+          <a:p>
+            <a:r>
+              <a:rPr lang="en-US" sz="2400" dirty="0"/>
+              <a:t># Create a git system for the project</a:t>
             </a:r>
           </a:p>
           <a:p>
@@ -9172,7 +10394,23 @@
                   <a:srgbClr val="FF0000"/>
                 </a:solidFill>
               </a:rPr>
-              <a:t>git commit -m "first commit”</a:t>
+              <a:t>git </a:t>
+            </a:r>
+            <a:r>
+              <a:rPr lang="en-US" sz="2400" b="1" dirty="0" err="1">
+                <a:solidFill>
+                  <a:srgbClr val="FF0000"/>
+                </a:solidFill>
+              </a:rPr>
+              <a:t>init</a:t>
+            </a:r>
+            <a:r>
+              <a:rPr lang="en-US" sz="2400" b="1" dirty="0">
+                <a:solidFill>
+                  <a:srgbClr val="FF0000"/>
+                </a:solidFill>
+              </a:rPr>
+              <a:t> </a:t>
             </a:r>
           </a:p>
           <a:p>
@@ -9181,7 +10419,7 @@
           <a:p>
             <a:r>
               <a:rPr lang="en-US" sz="2400" dirty="0"/>
-              <a:t># Push the code to the repository</a:t>
+              <a:t># Add the repository URL to git system</a:t>
             </a:r>
           </a:p>
           <a:p>
@@ -9191,7 +10429,23 @@
                   <a:srgbClr val="FF0000"/>
                 </a:solidFill>
               </a:rPr>
-              <a:t>git push -u origin master</a:t>
+              <a:t>git remote add origin </a:t>
+            </a:r>
+            <a:r>
+              <a:rPr lang="en-US" sz="2400" b="1" dirty="0" err="1">
+                <a:solidFill>
+                  <a:srgbClr val="FF0000"/>
+                </a:solidFill>
+              </a:rPr>
+              <a:t>git@github.com</a:t>
+            </a:r>
+            <a:r>
+              <a:rPr lang="en-US" sz="2400" b="1" dirty="0">
+                <a:solidFill>
+                  <a:srgbClr val="FF0000"/>
+                </a:solidFill>
+              </a:rPr>
+              <a:t>:[user-name]/[user-name].git</a:t>
             </a:r>
           </a:p>
         </p:txBody>
@@ -9199,7 +10453,7 @@
     </p:spTree>
     <p:extLst>
       <p:ext uri="{BB962C8B-B14F-4D97-AF65-F5344CB8AC3E}">
-        <p14:creationId xmlns:p14="http://schemas.microsoft.com/office/powerpoint/2010/main" val="4070900827"/>
+        <p14:creationId xmlns:p14="http://schemas.microsoft.com/office/powerpoint/2010/main" val="3462321202"/>
       </p:ext>
     </p:extLst>
   </p:cSld>
@@ -9333,7 +10587,7 @@
                 </a:solidFill>
                 <a:latin typeface="Arial Rounded MT Bold" panose="020F0704030504030204" pitchFamily="34" charset="0"/>
               </a:rPr>
-              <a:t>Step 6. Access Website</a:t>
+              <a:t>Step 5. Push Code to Repository (local)</a:t>
             </a:r>
             <a:endParaRPr lang="en-US" sz="4000" dirty="0">
               <a:solidFill>
@@ -9359,7 +10613,7 @@
         <p:spPr>
           <a:xfrm>
             <a:off x="1939290" y="1723013"/>
-            <a:ext cx="9643110" cy="1200329"/>
+            <a:ext cx="9643110" cy="2308324"/>
           </a:xfrm>
           <a:prstGeom prst="rect">
             <a:avLst/>
@@ -9374,7 +10628,7 @@
           <a:p>
             <a:r>
               <a:rPr lang="en-US" sz="2400" dirty="0"/>
-              <a:t># Access the website</a:t>
+              <a:t># Save a version</a:t>
             </a:r>
           </a:p>
           <a:p>
@@ -9384,38 +10638,44 @@
                   <a:srgbClr val="FF0000"/>
                 </a:solidFill>
               </a:rPr>
-              <a:t>https://[user-name].</a:t>
-            </a:r>
-            <a:r>
-              <a:rPr lang="en-US" sz="2400" b="1" dirty="0" err="1">
+              <a:t>git add .</a:t>
+            </a:r>
+          </a:p>
+          <a:p>
+            <a:r>
+              <a:rPr lang="en-US" sz="2400" b="1" dirty="0">
                 <a:solidFill>
                   <a:srgbClr val="FF0000"/>
                 </a:solidFill>
               </a:rPr>
-              <a:t>github.io</a:t>
-            </a:r>
+              <a:t>git commit -m "first commit”</a:t>
+            </a:r>
+          </a:p>
+          <a:p>
+            <a:endParaRPr lang="en-US" sz="2400" dirty="0"/>
+          </a:p>
+          <a:p>
+            <a:r>
+              <a:rPr lang="en-US" sz="2400" dirty="0"/>
+              <a:t># Push the code to the repository</a:t>
+            </a:r>
+          </a:p>
+          <a:p>
             <a:r>
               <a:rPr lang="en-US" sz="2400" b="1" dirty="0">
                 <a:solidFill>
                   <a:srgbClr val="FF0000"/>
                 </a:solidFill>
               </a:rPr>
-              <a:t>/</a:t>
-            </a:r>
-          </a:p>
-          <a:p>
-            <a:endParaRPr lang="en-US" sz="2400" b="1" dirty="0">
-              <a:solidFill>
-                <a:srgbClr val="FF0000"/>
-              </a:solidFill>
-            </a:endParaRPr>
+              <a:t>git push -u origin master</a:t>
+            </a:r>
           </a:p>
         </p:txBody>
       </p:sp>
     </p:spTree>
     <p:extLst>
       <p:ext uri="{BB962C8B-B14F-4D97-AF65-F5344CB8AC3E}">
-        <p14:creationId xmlns:p14="http://schemas.microsoft.com/office/powerpoint/2010/main" val="3099771163"/>
+        <p14:creationId xmlns:p14="http://schemas.microsoft.com/office/powerpoint/2010/main" val="4070900827"/>
       </p:ext>
     </p:extLst>
   </p:cSld>
@@ -9978,23 +11238,6 @@
 </file>
 
 <file path=customXml/item1.xml><?xml version="1.0" encoding="utf-8"?>
-<p:properties xmlns:p="http://schemas.microsoft.com/office/2006/metadata/properties" xmlns:xsi="http://www.w3.org/2001/XMLSchema-instance" xmlns:pc="http://schemas.microsoft.com/office/infopath/2007/PartnerControls">
-  <documentManagement>
-    <MediaServiceKeyPoints xmlns="71af3243-3dd4-4a8d-8c0d-dd76da1f02a5" xsi:nil="true"/>
-  </documentManagement>
-</p:properties>
-</file>
-
-<file path=customXml/item2.xml><?xml version="1.0" encoding="utf-8"?>
-<?mso-contentType ?>
-<FormTemplates xmlns="http://schemas.microsoft.com/sharepoint/v3/contenttype/forms">
-  <Display>DocumentLibraryForm</Display>
-  <Edit>DocumentLibraryForm</Edit>
-  <New>DocumentLibraryForm</New>
-</FormTemplates>
-</file>
-
-<file path=customXml/item3.xml><?xml version="1.0" encoding="utf-8"?>
 <ct:contentTypeSchema xmlns:ct="http://schemas.microsoft.com/office/2006/metadata/contentType" xmlns:ma="http://schemas.microsoft.com/office/2006/metadata/properties/metaAttributes" ct:_="" ma:_="" ma:contentTypeName="Document" ma:contentTypeID="0x01010079F111ED35F8CC479449609E8A0923A6" ma:contentTypeVersion="11" ma:contentTypeDescription="Create a new document." ma:contentTypeScope="" ma:versionID="9677210f24a1be23c92c90fd886aa0aa">
   <xsd:schema xmlns:xsd="http://www.w3.org/2001/XMLSchema" xmlns:xs="http://www.w3.org/2001/XMLSchema" xmlns:p="http://schemas.microsoft.com/office/2006/metadata/properties" xmlns:ns2="71af3243-3dd4-4a8d-8c0d-dd76da1f02a5" xmlns:ns3="16c05727-aa75-4e4a-9b5f-8a80a1165891" targetNamespace="http://schemas.microsoft.com/office/2006/metadata/properties" ma:root="true" ma:fieldsID="60e05723c5c1908df1a1a4ebf11d344e" ns2:_="" ns3:_="">
     <xsd:import namespace="71af3243-3dd4-4a8d-8c0d-dd76da1f02a5"/>
@@ -10205,7 +11448,43 @@
 </ct:contentTypeSchema>
 </file>
 
+<file path=customXml/item2.xml><?xml version="1.0" encoding="utf-8"?>
+<p:properties xmlns:p="http://schemas.microsoft.com/office/2006/metadata/properties" xmlns:xsi="http://www.w3.org/2001/XMLSchema-instance" xmlns:pc="http://schemas.microsoft.com/office/infopath/2007/PartnerControls">
+  <documentManagement>
+    <MediaServiceKeyPoints xmlns="71af3243-3dd4-4a8d-8c0d-dd76da1f02a5" xsi:nil="true"/>
+  </documentManagement>
+</p:properties>
+</file>
+
+<file path=customXml/item3.xml><?xml version="1.0" encoding="utf-8"?>
+<?mso-contentType ?>
+<FormTemplates xmlns="http://schemas.microsoft.com/sharepoint/v3/contenttype/forms">
+  <Display>DocumentLibraryForm</Display>
+  <Edit>DocumentLibraryForm</Edit>
+  <New>DocumentLibraryForm</New>
+</FormTemplates>
+</file>
+
 <file path=customXml/itemProps1.xml><?xml version="1.0" encoding="utf-8"?>
+<ds:datastoreItem xmlns:ds="http://schemas.openxmlformats.org/officeDocument/2006/customXml" ds:itemID="{83E04B51-1D33-4F14-BBD7-79D7D27E2EE4}">
+  <ds:schemaRefs>
+    <ds:schemaRef ds:uri="http://schemas.microsoft.com/office/2006/metadata/contentType"/>
+    <ds:schemaRef ds:uri="http://schemas.microsoft.com/office/2006/metadata/properties/metaAttributes"/>
+    <ds:schemaRef ds:uri="http://www.w3.org/2001/XMLSchema"/>
+    <ds:schemaRef ds:uri="http://schemas.microsoft.com/office/2006/metadata/properties"/>
+    <ds:schemaRef ds:uri="71af3243-3dd4-4a8d-8c0d-dd76da1f02a5"/>
+    <ds:schemaRef ds:uri="16c05727-aa75-4e4a-9b5f-8a80a1165891"/>
+    <ds:schemaRef ds:uri="http://schemas.microsoft.com/office/2006/documentManagement/types"/>
+    <ds:schemaRef ds:uri="http://schemas.microsoft.com/office/infopath/2007/PartnerControls"/>
+    <ds:schemaRef ds:uri="http://schemas.openxmlformats.org/package/2006/metadata/core-properties"/>
+    <ds:schemaRef ds:uri="http://purl.org/dc/elements/1.1/"/>
+    <ds:schemaRef ds:uri="http://purl.org/dc/terms/"/>
+    <ds:schemaRef ds:uri="http://schemas.microsoft.com/internal/obd"/>
+  </ds:schemaRefs>
+</ds:datastoreItem>
+</file>
+
+<file path=customXml/itemProps2.xml><?xml version="1.0" encoding="utf-8"?>
 <ds:datastoreItem xmlns:ds="http://schemas.openxmlformats.org/officeDocument/2006/customXml" ds:itemID="{CC24F515-356D-4532-BE08-F6D7771916F0}">
   <ds:schemaRefs>
     <ds:schemaRef ds:uri="http://purl.org/dc/terms/"/>
@@ -10222,29 +11501,10 @@
 </ds:datastoreItem>
 </file>
 
-<file path=customXml/itemProps2.xml><?xml version="1.0" encoding="utf-8"?>
+<file path=customXml/itemProps3.xml><?xml version="1.0" encoding="utf-8"?>
 <ds:datastoreItem xmlns:ds="http://schemas.openxmlformats.org/officeDocument/2006/customXml" ds:itemID="{9AEF1282-A6E9-4912-8AB9-8ED69BF7097D}">
   <ds:schemaRefs>
     <ds:schemaRef ds:uri="http://schemas.microsoft.com/sharepoint/v3/contenttype/forms"/>
   </ds:schemaRefs>
 </ds:datastoreItem>
-</file>
-
-<file path=customXml/itemProps3.xml><?xml version="1.0" encoding="utf-8"?>
-<ds:datastoreItem xmlns:ds="http://schemas.openxmlformats.org/officeDocument/2006/customXml" ds:itemID="{83E04B51-1D33-4F14-BBD7-79D7D27E2EE4}">
-  <ds:schemaRefs>
-    <ds:schemaRef ds:uri="http://schemas.microsoft.com/office/2006/metadata/contentType"/>
-    <ds:schemaRef ds:uri="http://schemas.microsoft.com/office/2006/metadata/properties/metaAttributes"/>
-    <ds:schemaRef ds:uri="http://www.w3.org/2001/XMLSchema"/>
-    <ds:schemaRef ds:uri="http://schemas.microsoft.com/office/2006/metadata/properties"/>
-    <ds:schemaRef ds:uri="71af3243-3dd4-4a8d-8c0d-dd76da1f02a5"/>
-    <ds:schemaRef ds:uri="16c05727-aa75-4e4a-9b5f-8a80a1165891"/>
-    <ds:schemaRef ds:uri="http://schemas.microsoft.com/office/2006/documentManagement/types"/>
-    <ds:schemaRef ds:uri="http://schemas.microsoft.com/office/infopath/2007/PartnerControls"/>
-    <ds:schemaRef ds:uri="http://schemas.openxmlformats.org/package/2006/metadata/core-properties"/>
-    <ds:schemaRef ds:uri="http://purl.org/dc/elements/1.1/"/>
-    <ds:schemaRef ds:uri="http://purl.org/dc/terms/"/>
-    <ds:schemaRef ds:uri="http://schemas.microsoft.com/internal/obd"/>
-  </ds:schemaRefs>
-</ds:datastoreItem>
 </file>
--- a/Volunteer/Programming/HTML_8.pptx
+++ b/Volunteer/Programming/HTML_8.pptx
@@ -7268,7 +7268,7 @@
         <p:spPr>
           <a:xfrm>
             <a:off x="1939290" y="1723013"/>
-            <a:ext cx="9643110" cy="3416320"/>
+            <a:ext cx="9643110" cy="3046988"/>
           </a:xfrm>
           <a:prstGeom prst="rect">
             <a:avLst/>
@@ -7331,10 +7331,16 @@
                   <a:srgbClr val="FF0000"/>
                 </a:solidFill>
               </a:rPr>
-              <a:t>git push -u origin main</a:t>
-            </a:r>
-          </a:p>
-          <a:p>
+              <a:t>git push -</a:t>
+            </a:r>
+            <a:r>
+              <a:rPr lang="en-US" sz="2400" b="1">
+                <a:solidFill>
+                  <a:srgbClr val="FF0000"/>
+                </a:solidFill>
+              </a:rPr>
+              <a:t>u origin master</a:t>
+            </a:r>
             <a:endParaRPr lang="en-US" sz="2400" b="1" dirty="0">
               <a:solidFill>
                 <a:srgbClr val="FF0000"/>
@@ -11238,6 +11244,23 @@
 </file>
 
 <file path=customXml/item1.xml><?xml version="1.0" encoding="utf-8"?>
+<?mso-contentType ?>
+<FormTemplates xmlns="http://schemas.microsoft.com/sharepoint/v3/contenttype/forms">
+  <Display>DocumentLibraryForm</Display>
+  <Edit>DocumentLibraryForm</Edit>
+  <New>DocumentLibraryForm</New>
+</FormTemplates>
+</file>
+
+<file path=customXml/item2.xml><?xml version="1.0" encoding="utf-8"?>
+<p:properties xmlns:p="http://schemas.microsoft.com/office/2006/metadata/properties" xmlns:xsi="http://www.w3.org/2001/XMLSchema-instance" xmlns:pc="http://schemas.microsoft.com/office/infopath/2007/PartnerControls">
+  <documentManagement>
+    <MediaServiceKeyPoints xmlns="71af3243-3dd4-4a8d-8c0d-dd76da1f02a5" xsi:nil="true"/>
+  </documentManagement>
+</p:properties>
+</file>
+
+<file path=customXml/item3.xml><?xml version="1.0" encoding="utf-8"?>
 <ct:contentTypeSchema xmlns:ct="http://schemas.microsoft.com/office/2006/metadata/contentType" xmlns:ma="http://schemas.microsoft.com/office/2006/metadata/properties/metaAttributes" ct:_="" ma:_="" ma:contentTypeName="Document" ma:contentTypeID="0x01010079F111ED35F8CC479449609E8A0923A6" ma:contentTypeVersion="11" ma:contentTypeDescription="Create a new document." ma:contentTypeScope="" ma:versionID="9677210f24a1be23c92c90fd886aa0aa">
   <xsd:schema xmlns:xsd="http://www.w3.org/2001/XMLSchema" xmlns:xs="http://www.w3.org/2001/XMLSchema" xmlns:p="http://schemas.microsoft.com/office/2006/metadata/properties" xmlns:ns2="71af3243-3dd4-4a8d-8c0d-dd76da1f02a5" xmlns:ns3="16c05727-aa75-4e4a-9b5f-8a80a1165891" targetNamespace="http://schemas.microsoft.com/office/2006/metadata/properties" ma:root="true" ma:fieldsID="60e05723c5c1908df1a1a4ebf11d344e" ns2:_="" ns3:_="">
     <xsd:import namespace="71af3243-3dd4-4a8d-8c0d-dd76da1f02a5"/>
@@ -11448,38 +11471,10 @@
 </ct:contentTypeSchema>
 </file>
 
-<file path=customXml/item2.xml><?xml version="1.0" encoding="utf-8"?>
-<p:properties xmlns:p="http://schemas.microsoft.com/office/2006/metadata/properties" xmlns:xsi="http://www.w3.org/2001/XMLSchema-instance" xmlns:pc="http://schemas.microsoft.com/office/infopath/2007/PartnerControls">
-  <documentManagement>
-    <MediaServiceKeyPoints xmlns="71af3243-3dd4-4a8d-8c0d-dd76da1f02a5" xsi:nil="true"/>
-  </documentManagement>
-</p:properties>
-</file>
-
-<file path=customXml/item3.xml><?xml version="1.0" encoding="utf-8"?>
-<?mso-contentType ?>
-<FormTemplates xmlns="http://schemas.microsoft.com/sharepoint/v3/contenttype/forms">
-  <Display>DocumentLibraryForm</Display>
-  <Edit>DocumentLibraryForm</Edit>
-  <New>DocumentLibraryForm</New>
-</FormTemplates>
-</file>
-
 <file path=customXml/itemProps1.xml><?xml version="1.0" encoding="utf-8"?>
-<ds:datastoreItem xmlns:ds="http://schemas.openxmlformats.org/officeDocument/2006/customXml" ds:itemID="{83E04B51-1D33-4F14-BBD7-79D7D27E2EE4}">
+<ds:datastoreItem xmlns:ds="http://schemas.openxmlformats.org/officeDocument/2006/customXml" ds:itemID="{9AEF1282-A6E9-4912-8AB9-8ED69BF7097D}">
   <ds:schemaRefs>
-    <ds:schemaRef ds:uri="http://schemas.microsoft.com/office/2006/metadata/contentType"/>
-    <ds:schemaRef ds:uri="http://schemas.microsoft.com/office/2006/metadata/properties/metaAttributes"/>
-    <ds:schemaRef ds:uri="http://www.w3.org/2001/XMLSchema"/>
-    <ds:schemaRef ds:uri="http://schemas.microsoft.com/office/2006/metadata/properties"/>
-    <ds:schemaRef ds:uri="71af3243-3dd4-4a8d-8c0d-dd76da1f02a5"/>
-    <ds:schemaRef ds:uri="16c05727-aa75-4e4a-9b5f-8a80a1165891"/>
-    <ds:schemaRef ds:uri="http://schemas.microsoft.com/office/2006/documentManagement/types"/>
-    <ds:schemaRef ds:uri="http://schemas.microsoft.com/office/infopath/2007/PartnerControls"/>
-    <ds:schemaRef ds:uri="http://schemas.openxmlformats.org/package/2006/metadata/core-properties"/>
-    <ds:schemaRef ds:uri="http://purl.org/dc/elements/1.1/"/>
-    <ds:schemaRef ds:uri="http://purl.org/dc/terms/"/>
-    <ds:schemaRef ds:uri="http://schemas.microsoft.com/internal/obd"/>
+    <ds:schemaRef ds:uri="http://schemas.microsoft.com/sharepoint/v3/contenttype/forms"/>
   </ds:schemaRefs>
 </ds:datastoreItem>
 </file>
@@ -11502,9 +11497,20 @@
 </file>
 
 <file path=customXml/itemProps3.xml><?xml version="1.0" encoding="utf-8"?>
-<ds:datastoreItem xmlns:ds="http://schemas.openxmlformats.org/officeDocument/2006/customXml" ds:itemID="{9AEF1282-A6E9-4912-8AB9-8ED69BF7097D}">
+<ds:datastoreItem xmlns:ds="http://schemas.openxmlformats.org/officeDocument/2006/customXml" ds:itemID="{83E04B51-1D33-4F14-BBD7-79D7D27E2EE4}">
   <ds:schemaRefs>
-    <ds:schemaRef ds:uri="http://schemas.microsoft.com/sharepoint/v3/contenttype/forms"/>
+    <ds:schemaRef ds:uri="http://schemas.microsoft.com/office/2006/metadata/contentType"/>
+    <ds:schemaRef ds:uri="http://schemas.microsoft.com/office/2006/metadata/properties/metaAttributes"/>
+    <ds:schemaRef ds:uri="http://www.w3.org/2001/XMLSchema"/>
+    <ds:schemaRef ds:uri="http://schemas.microsoft.com/office/2006/metadata/properties"/>
+    <ds:schemaRef ds:uri="71af3243-3dd4-4a8d-8c0d-dd76da1f02a5"/>
+    <ds:schemaRef ds:uri="16c05727-aa75-4e4a-9b5f-8a80a1165891"/>
+    <ds:schemaRef ds:uri="http://schemas.microsoft.com/office/2006/documentManagement/types"/>
+    <ds:schemaRef ds:uri="http://schemas.microsoft.com/office/infopath/2007/PartnerControls"/>
+    <ds:schemaRef ds:uri="http://schemas.openxmlformats.org/package/2006/metadata/core-properties"/>
+    <ds:schemaRef ds:uri="http://purl.org/dc/elements/1.1/"/>
+    <ds:schemaRef ds:uri="http://purl.org/dc/terms/"/>
+    <ds:schemaRef ds:uri="http://schemas.microsoft.com/internal/obd"/>
   </ds:schemaRefs>
 </ds:datastoreItem>
 </file>